--- a/Project_Presentation.pptx
+++ b/Project_Presentation.pptx
@@ -6,6 +6,28 @@
   </p:sldMasterIdLst>
   <p:sldIdLst>
     <p:sldId id="256" r:id="rId2"/>
+    <p:sldId id="258" r:id="rId3"/>
+    <p:sldId id="257" r:id="rId4"/>
+    <p:sldId id="259" r:id="rId5"/>
+    <p:sldId id="260" r:id="rId6"/>
+    <p:sldId id="261" r:id="rId7"/>
+    <p:sldId id="262" r:id="rId8"/>
+    <p:sldId id="263" r:id="rId9"/>
+    <p:sldId id="264" r:id="rId10"/>
+    <p:sldId id="265" r:id="rId11"/>
+    <p:sldId id="266" r:id="rId12"/>
+    <p:sldId id="267" r:id="rId13"/>
+    <p:sldId id="268" r:id="rId14"/>
+    <p:sldId id="269" r:id="rId15"/>
+    <p:sldId id="270" r:id="rId16"/>
+    <p:sldId id="271" r:id="rId17"/>
+    <p:sldId id="272" r:id="rId18"/>
+    <p:sldId id="273" r:id="rId19"/>
+    <p:sldId id="278" r:id="rId20"/>
+    <p:sldId id="276" r:id="rId21"/>
+    <p:sldId id="274" r:id="rId22"/>
+    <p:sldId id="277" r:id="rId23"/>
+    <p:sldId id="275" r:id="rId24"/>
   </p:sldIdLst>
   <p:sldSz cx="12192000" cy="6858000"/>
   <p:notesSz cx="6858000" cy="9144000"/>
@@ -104,6 +126,11 @@
       </a:defRPr>
     </a:lvl9pPr>
   </p:defaultTextStyle>
+  <p:extLst>
+    <p:ext uri="{EFAFB233-063F-42B5-8137-9DF3F51BA10A}">
+      <p15:sldGuideLst xmlns:p15="http://schemas.microsoft.com/office/powerpoint/2012/main"/>
+    </p:ext>
+  </p:extLst>
 </p:presentation>
 </file>
 
@@ -15234,8 +15261,8 @@
 <p:sldMaster xmlns:a="http://schemas.openxmlformats.org/drawingml/2006/main" xmlns:r="http://schemas.openxmlformats.org/officeDocument/2006/relationships" xmlns:p="http://schemas.openxmlformats.org/presentationml/2006/main">
   <p:cSld>
     <p:bg>
-      <p:bgRef idx="1001">
-        <a:schemeClr val="bg1"/>
+      <p:bgRef idx="1003">
+        <a:schemeClr val="bg2"/>
       </p:bgRef>
     </p:bg>
     <p:spTree>
@@ -15853,7 +15880,7 @@
         </p:nvSpPr>
         <p:spPr>
           <a:xfrm>
-            <a:off x="1759236" y="2075504"/>
+            <a:off x="1752748" y="2271249"/>
             <a:ext cx="8679915" cy="1748729"/>
           </a:xfrm>
         </p:spPr>
@@ -15904,7 +15931,12 @@
             <p:ph type="subTitle" idx="1"/>
           </p:nvPr>
         </p:nvSpPr>
-        <p:spPr/>
+        <p:spPr>
+          <a:xfrm>
+            <a:off x="1759236" y="4331569"/>
+            <a:ext cx="8673427" cy="1322587"/>
+          </a:xfrm>
+        </p:spPr>
         <p:txBody>
           <a:bodyPr/>
           <a:lstStyle/>
@@ -15920,6 +15952,5389 @@
     <p:extLst>
       <p:ext uri="{BB962C8B-B14F-4D97-AF65-F5344CB8AC3E}">
         <p14:creationId xmlns:p14="http://schemas.microsoft.com/office/powerpoint/2010/main" val="43820546"/>
+      </p:ext>
+    </p:extLst>
+  </p:cSld>
+  <p:clrMapOvr>
+    <a:masterClrMapping/>
+  </p:clrMapOvr>
+</p:sld>
+</file>
+
+<file path=ppt/slides/slide10.xml><?xml version="1.0" encoding="utf-8"?>
+<p:sld xmlns:a="http://schemas.openxmlformats.org/drawingml/2006/main" xmlns:r="http://schemas.openxmlformats.org/officeDocument/2006/relationships" xmlns:p="http://schemas.openxmlformats.org/presentationml/2006/main">
+  <p:cSld>
+    <p:spTree>
+      <p:nvGrpSpPr>
+        <p:cNvPr id="1" name=""/>
+        <p:cNvGrpSpPr/>
+        <p:nvPr/>
+      </p:nvGrpSpPr>
+      <p:grpSpPr>
+        <a:xfrm>
+          <a:off x="0" y="0"/>
+          <a:ext cx="0" cy="0"/>
+          <a:chOff x="0" y="0"/>
+          <a:chExt cx="0" cy="0"/>
+        </a:xfrm>
+      </p:grpSpPr>
+      <p:sp>
+        <p:nvSpPr>
+          <p:cNvPr id="4" name="TextBox 3">
+            <a:extLst>
+              <a:ext uri="{FF2B5EF4-FFF2-40B4-BE49-F238E27FC236}">
+                <a16:creationId xmlns:a16="http://schemas.microsoft.com/office/drawing/2014/main" id="{A6E085FE-30ED-504E-BC9A-D337F29598F5}"/>
+              </a:ext>
+            </a:extLst>
+          </p:cNvPr>
+          <p:cNvSpPr txBox="1"/>
+          <p:nvPr/>
+        </p:nvSpPr>
+        <p:spPr>
+          <a:xfrm>
+            <a:off x="1009402" y="339588"/>
+            <a:ext cx="9734412" cy="738664"/>
+          </a:xfrm>
+          <a:prstGeom prst="rect">
+            <a:avLst/>
+          </a:prstGeom>
+          <a:noFill/>
+        </p:spPr>
+        <p:txBody>
+          <a:bodyPr wrap="square" rtlCol="0">
+            <a:spAutoFit/>
+          </a:bodyPr>
+          <a:lstStyle/>
+          <a:p>
+            <a:r>
+              <a:rPr lang="en-US" sz="2400" b="1" dirty="0">
+                <a:latin typeface="Arial" panose="020B0604020202020204" pitchFamily="34" charset="0"/>
+                <a:cs typeface="Arial" panose="020B0604020202020204" pitchFamily="34" charset="0"/>
+              </a:rPr>
+              <a:t>c) </a:t>
+            </a:r>
+            <a:r>
+              <a:rPr lang="tr-TR" sz="2400" dirty="0" err="1">
+                <a:latin typeface="Arial" panose="020B0604020202020204" pitchFamily="34" charset="0"/>
+                <a:cs typeface="Arial" panose="020B0604020202020204" pitchFamily="34" charset="0"/>
+              </a:rPr>
+              <a:t>Heap</a:t>
+            </a:r>
+            <a:r>
+              <a:rPr lang="tr-TR" sz="2400" dirty="0">
+                <a:latin typeface="Arial" panose="020B0604020202020204" pitchFamily="34" charset="0"/>
+                <a:cs typeface="Arial" panose="020B0604020202020204" pitchFamily="34" charset="0"/>
+              </a:rPr>
+              <a:t> </a:t>
+            </a:r>
+            <a:r>
+              <a:rPr lang="tr-TR" sz="2400" dirty="0" err="1">
+                <a:latin typeface="Arial" panose="020B0604020202020204" pitchFamily="34" charset="0"/>
+                <a:cs typeface="Arial" panose="020B0604020202020204" pitchFamily="34" charset="0"/>
+              </a:rPr>
+              <a:t>Sort</a:t>
+            </a:r>
+            <a:endParaRPr lang="tr-TR" sz="2400" b="1" dirty="0">
+              <a:latin typeface="Arial" panose="020B0604020202020204" pitchFamily="34" charset="0"/>
+              <a:cs typeface="Arial" panose="020B0604020202020204" pitchFamily="34" charset="0"/>
+            </a:endParaRPr>
+          </a:p>
+          <a:p>
+            <a:endParaRPr lang="en-US" dirty="0">
+              <a:latin typeface="Arial" panose="020B0604020202020204" pitchFamily="34" charset="0"/>
+              <a:cs typeface="Arial" panose="020B0604020202020204" pitchFamily="34" charset="0"/>
+            </a:endParaRPr>
+          </a:p>
+        </p:txBody>
+      </p:sp>
+      <p:pic>
+        <p:nvPicPr>
+          <p:cNvPr id="2" name="Picture 1">
+            <a:extLst>
+              <a:ext uri="{FF2B5EF4-FFF2-40B4-BE49-F238E27FC236}">
+                <a16:creationId xmlns:a16="http://schemas.microsoft.com/office/drawing/2014/main" id="{ED22375F-9610-2E4D-ABF0-F23C43931D90}"/>
+              </a:ext>
+            </a:extLst>
+          </p:cNvPr>
+          <p:cNvPicPr>
+            <a:picLocks noChangeAspect="1"/>
+          </p:cNvPicPr>
+          <p:nvPr/>
+        </p:nvPicPr>
+        <p:blipFill>
+          <a:blip r:embed="rId2"/>
+          <a:stretch>
+            <a:fillRect/>
+          </a:stretch>
+        </p:blipFill>
+        <p:spPr>
+          <a:xfrm>
+            <a:off x="2895600" y="985919"/>
+            <a:ext cx="6400800" cy="5207000"/>
+          </a:xfrm>
+          <a:prstGeom prst="rect">
+            <a:avLst/>
+          </a:prstGeom>
+        </p:spPr>
+      </p:pic>
+    </p:spTree>
+    <p:extLst>
+      <p:ext uri="{BB962C8B-B14F-4D97-AF65-F5344CB8AC3E}">
+        <p14:creationId xmlns:p14="http://schemas.microsoft.com/office/powerpoint/2010/main" val="2151355684"/>
+      </p:ext>
+    </p:extLst>
+  </p:cSld>
+  <p:clrMapOvr>
+    <a:masterClrMapping/>
+  </p:clrMapOvr>
+</p:sld>
+</file>
+
+<file path=ppt/slides/slide11.xml><?xml version="1.0" encoding="utf-8"?>
+<p:sld xmlns:a="http://schemas.openxmlformats.org/drawingml/2006/main" xmlns:r="http://schemas.openxmlformats.org/officeDocument/2006/relationships" xmlns:p="http://schemas.openxmlformats.org/presentationml/2006/main">
+  <p:cSld>
+    <p:spTree>
+      <p:nvGrpSpPr>
+        <p:cNvPr id="1" name=""/>
+        <p:cNvGrpSpPr/>
+        <p:nvPr/>
+      </p:nvGrpSpPr>
+      <p:grpSpPr>
+        <a:xfrm>
+          <a:off x="0" y="0"/>
+          <a:ext cx="0" cy="0"/>
+          <a:chOff x="0" y="0"/>
+          <a:chExt cx="0" cy="0"/>
+        </a:xfrm>
+      </p:grpSpPr>
+      <p:sp>
+        <p:nvSpPr>
+          <p:cNvPr id="4" name="TextBox 3">
+            <a:extLst>
+              <a:ext uri="{FF2B5EF4-FFF2-40B4-BE49-F238E27FC236}">
+                <a16:creationId xmlns:a16="http://schemas.microsoft.com/office/drawing/2014/main" id="{A6E085FE-30ED-504E-BC9A-D337F29598F5}"/>
+              </a:ext>
+            </a:extLst>
+          </p:cNvPr>
+          <p:cNvSpPr txBox="1"/>
+          <p:nvPr/>
+        </p:nvSpPr>
+        <p:spPr>
+          <a:xfrm>
+            <a:off x="507669" y="0"/>
+            <a:ext cx="9734412" cy="738664"/>
+          </a:xfrm>
+          <a:prstGeom prst="rect">
+            <a:avLst/>
+          </a:prstGeom>
+          <a:noFill/>
+        </p:spPr>
+        <p:txBody>
+          <a:bodyPr wrap="square" rtlCol="0">
+            <a:spAutoFit/>
+          </a:bodyPr>
+          <a:lstStyle/>
+          <a:p>
+            <a:r>
+              <a:rPr lang="en-US" sz="2400" b="1" dirty="0">
+                <a:latin typeface="Arial" panose="020B0604020202020204" pitchFamily="34" charset="0"/>
+                <a:cs typeface="Arial" panose="020B0604020202020204" pitchFamily="34" charset="0"/>
+              </a:rPr>
+              <a:t>c) </a:t>
+            </a:r>
+            <a:r>
+              <a:rPr lang="tr-TR" sz="2400" dirty="0" err="1">
+                <a:latin typeface="Arial" panose="020B0604020202020204" pitchFamily="34" charset="0"/>
+                <a:cs typeface="Arial" panose="020B0604020202020204" pitchFamily="34" charset="0"/>
+              </a:rPr>
+              <a:t>Heap</a:t>
+            </a:r>
+            <a:r>
+              <a:rPr lang="tr-TR" sz="2400" dirty="0">
+                <a:latin typeface="Arial" panose="020B0604020202020204" pitchFamily="34" charset="0"/>
+                <a:cs typeface="Arial" panose="020B0604020202020204" pitchFamily="34" charset="0"/>
+              </a:rPr>
+              <a:t> </a:t>
+            </a:r>
+            <a:r>
+              <a:rPr lang="tr-TR" sz="2400" dirty="0" err="1">
+                <a:latin typeface="Arial" panose="020B0604020202020204" pitchFamily="34" charset="0"/>
+                <a:cs typeface="Arial" panose="020B0604020202020204" pitchFamily="34" charset="0"/>
+              </a:rPr>
+              <a:t>Sort</a:t>
+            </a:r>
+            <a:endParaRPr lang="tr-TR" sz="2400" b="1" dirty="0">
+              <a:latin typeface="Arial" panose="020B0604020202020204" pitchFamily="34" charset="0"/>
+              <a:cs typeface="Arial" panose="020B0604020202020204" pitchFamily="34" charset="0"/>
+            </a:endParaRPr>
+          </a:p>
+          <a:p>
+            <a:endParaRPr lang="en-US" dirty="0">
+              <a:latin typeface="Arial" panose="020B0604020202020204" pitchFamily="34" charset="0"/>
+              <a:cs typeface="Arial" panose="020B0604020202020204" pitchFamily="34" charset="0"/>
+            </a:endParaRPr>
+          </a:p>
+        </p:txBody>
+      </p:sp>
+      <p:pic>
+        <p:nvPicPr>
+          <p:cNvPr id="5" name="Picture 4">
+            <a:extLst>
+              <a:ext uri="{FF2B5EF4-FFF2-40B4-BE49-F238E27FC236}">
+                <a16:creationId xmlns:a16="http://schemas.microsoft.com/office/drawing/2014/main" id="{1E0800E2-91D9-8D4E-A01E-19AE9D7C4245}"/>
+              </a:ext>
+            </a:extLst>
+          </p:cNvPr>
+          <p:cNvPicPr>
+            <a:picLocks noChangeAspect="1"/>
+          </p:cNvPicPr>
+          <p:nvPr/>
+        </p:nvPicPr>
+        <p:blipFill>
+          <a:blip r:embed="rId2"/>
+          <a:stretch>
+            <a:fillRect/>
+          </a:stretch>
+        </p:blipFill>
+        <p:spPr>
+          <a:xfrm>
+            <a:off x="0" y="662753"/>
+            <a:ext cx="12192000" cy="6270837"/>
+          </a:xfrm>
+          <a:prstGeom prst="rect">
+            <a:avLst/>
+          </a:prstGeom>
+        </p:spPr>
+      </p:pic>
+    </p:spTree>
+    <p:extLst>
+      <p:ext uri="{BB962C8B-B14F-4D97-AF65-F5344CB8AC3E}">
+        <p14:creationId xmlns:p14="http://schemas.microsoft.com/office/powerpoint/2010/main" val="2351585284"/>
+      </p:ext>
+    </p:extLst>
+  </p:cSld>
+  <p:clrMapOvr>
+    <a:masterClrMapping/>
+  </p:clrMapOvr>
+</p:sld>
+</file>
+
+<file path=ppt/slides/slide12.xml><?xml version="1.0" encoding="utf-8"?>
+<p:sld xmlns:a="http://schemas.openxmlformats.org/drawingml/2006/main" xmlns:r="http://schemas.openxmlformats.org/officeDocument/2006/relationships" xmlns:p="http://schemas.openxmlformats.org/presentationml/2006/main">
+  <p:cSld>
+    <p:spTree>
+      <p:nvGrpSpPr>
+        <p:cNvPr id="1" name=""/>
+        <p:cNvGrpSpPr/>
+        <p:nvPr/>
+      </p:nvGrpSpPr>
+      <p:grpSpPr>
+        <a:xfrm>
+          <a:off x="0" y="0"/>
+          <a:ext cx="0" cy="0"/>
+          <a:chOff x="0" y="0"/>
+          <a:chExt cx="0" cy="0"/>
+        </a:xfrm>
+      </p:grpSpPr>
+      <p:sp>
+        <p:nvSpPr>
+          <p:cNvPr id="4" name="TextBox 3">
+            <a:extLst>
+              <a:ext uri="{FF2B5EF4-FFF2-40B4-BE49-F238E27FC236}">
+                <a16:creationId xmlns:a16="http://schemas.microsoft.com/office/drawing/2014/main" id="{A6E085FE-30ED-504E-BC9A-D337F29598F5}"/>
+              </a:ext>
+            </a:extLst>
+          </p:cNvPr>
+          <p:cNvSpPr txBox="1"/>
+          <p:nvPr/>
+        </p:nvSpPr>
+        <p:spPr>
+          <a:xfrm>
+            <a:off x="736269" y="161458"/>
+            <a:ext cx="9734412" cy="738664"/>
+          </a:xfrm>
+          <a:prstGeom prst="rect">
+            <a:avLst/>
+          </a:prstGeom>
+          <a:noFill/>
+        </p:spPr>
+        <p:txBody>
+          <a:bodyPr wrap="square" rtlCol="0">
+            <a:spAutoFit/>
+          </a:bodyPr>
+          <a:lstStyle/>
+          <a:p>
+            <a:r>
+              <a:rPr lang="en-US" sz="2400" b="1" dirty="0">
+                <a:latin typeface="Arial" panose="020B0604020202020204" pitchFamily="34" charset="0"/>
+                <a:cs typeface="Arial" panose="020B0604020202020204" pitchFamily="34" charset="0"/>
+              </a:rPr>
+              <a:t>c) </a:t>
+            </a:r>
+            <a:r>
+              <a:rPr lang="tr-TR" sz="2400" dirty="0" err="1">
+                <a:latin typeface="Arial" panose="020B0604020202020204" pitchFamily="34" charset="0"/>
+                <a:cs typeface="Arial" panose="020B0604020202020204" pitchFamily="34" charset="0"/>
+              </a:rPr>
+              <a:t>Heap</a:t>
+            </a:r>
+            <a:r>
+              <a:rPr lang="tr-TR" sz="2400" dirty="0">
+                <a:latin typeface="Arial" panose="020B0604020202020204" pitchFamily="34" charset="0"/>
+                <a:cs typeface="Arial" panose="020B0604020202020204" pitchFamily="34" charset="0"/>
+              </a:rPr>
+              <a:t> </a:t>
+            </a:r>
+            <a:r>
+              <a:rPr lang="tr-TR" sz="2400" dirty="0" err="1">
+                <a:latin typeface="Arial" panose="020B0604020202020204" pitchFamily="34" charset="0"/>
+                <a:cs typeface="Arial" panose="020B0604020202020204" pitchFamily="34" charset="0"/>
+              </a:rPr>
+              <a:t>Sort</a:t>
+            </a:r>
+            <a:endParaRPr lang="tr-TR" sz="2400" b="1" dirty="0">
+              <a:latin typeface="Arial" panose="020B0604020202020204" pitchFamily="34" charset="0"/>
+              <a:cs typeface="Arial" panose="020B0604020202020204" pitchFamily="34" charset="0"/>
+            </a:endParaRPr>
+          </a:p>
+          <a:p>
+            <a:endParaRPr lang="en-US" dirty="0">
+              <a:latin typeface="Arial" panose="020B0604020202020204" pitchFamily="34" charset="0"/>
+              <a:cs typeface="Arial" panose="020B0604020202020204" pitchFamily="34" charset="0"/>
+            </a:endParaRPr>
+          </a:p>
+        </p:txBody>
+      </p:sp>
+      <p:pic>
+        <p:nvPicPr>
+          <p:cNvPr id="2" name="Picture 1">
+            <a:extLst>
+              <a:ext uri="{FF2B5EF4-FFF2-40B4-BE49-F238E27FC236}">
+                <a16:creationId xmlns:a16="http://schemas.microsoft.com/office/drawing/2014/main" id="{A63FD7A6-AAFD-C548-A158-093434274667}"/>
+              </a:ext>
+            </a:extLst>
+          </p:cNvPr>
+          <p:cNvPicPr>
+            <a:picLocks noChangeAspect="1"/>
+          </p:cNvPicPr>
+          <p:nvPr/>
+        </p:nvPicPr>
+        <p:blipFill>
+          <a:blip r:embed="rId2"/>
+          <a:stretch>
+            <a:fillRect/>
+          </a:stretch>
+        </p:blipFill>
+        <p:spPr>
+          <a:xfrm>
+            <a:off x="990930" y="657224"/>
+            <a:ext cx="10401300" cy="6200775"/>
+          </a:xfrm>
+          <a:prstGeom prst="rect">
+            <a:avLst/>
+          </a:prstGeom>
+        </p:spPr>
+      </p:pic>
+    </p:spTree>
+    <p:extLst>
+      <p:ext uri="{BB962C8B-B14F-4D97-AF65-F5344CB8AC3E}">
+        <p14:creationId xmlns:p14="http://schemas.microsoft.com/office/powerpoint/2010/main" val="142951427"/>
+      </p:ext>
+    </p:extLst>
+  </p:cSld>
+  <p:clrMapOvr>
+    <a:masterClrMapping/>
+  </p:clrMapOvr>
+</p:sld>
+</file>
+
+<file path=ppt/slides/slide13.xml><?xml version="1.0" encoding="utf-8"?>
+<p:sld xmlns:a="http://schemas.openxmlformats.org/drawingml/2006/main" xmlns:r="http://schemas.openxmlformats.org/officeDocument/2006/relationships" xmlns:p="http://schemas.openxmlformats.org/presentationml/2006/main">
+  <p:cSld>
+    <p:spTree>
+      <p:nvGrpSpPr>
+        <p:cNvPr id="1" name=""/>
+        <p:cNvGrpSpPr/>
+        <p:nvPr/>
+      </p:nvGrpSpPr>
+      <p:grpSpPr>
+        <a:xfrm>
+          <a:off x="0" y="0"/>
+          <a:ext cx="0" cy="0"/>
+          <a:chOff x="0" y="0"/>
+          <a:chExt cx="0" cy="0"/>
+        </a:xfrm>
+      </p:grpSpPr>
+      <p:sp>
+        <p:nvSpPr>
+          <p:cNvPr id="4" name="TextBox 3">
+            <a:extLst>
+              <a:ext uri="{FF2B5EF4-FFF2-40B4-BE49-F238E27FC236}">
+                <a16:creationId xmlns:a16="http://schemas.microsoft.com/office/drawing/2014/main" id="{A6E085FE-30ED-504E-BC9A-D337F29598F5}"/>
+              </a:ext>
+            </a:extLst>
+          </p:cNvPr>
+          <p:cNvSpPr txBox="1"/>
+          <p:nvPr/>
+        </p:nvSpPr>
+        <p:spPr>
+          <a:xfrm>
+            <a:off x="736269" y="161458"/>
+            <a:ext cx="9734412" cy="830997"/>
+          </a:xfrm>
+          <a:prstGeom prst="rect">
+            <a:avLst/>
+          </a:prstGeom>
+          <a:noFill/>
+        </p:spPr>
+        <p:txBody>
+          <a:bodyPr wrap="square" rtlCol="0">
+            <a:spAutoFit/>
+          </a:bodyPr>
+          <a:lstStyle/>
+          <a:p>
+            <a:r>
+              <a:rPr lang="en-US" sz="2400" b="1" dirty="0">
+                <a:latin typeface="Arial" panose="020B0604020202020204" pitchFamily="34" charset="0"/>
+                <a:cs typeface="Arial" panose="020B0604020202020204" pitchFamily="34" charset="0"/>
+              </a:rPr>
+              <a:t>c) </a:t>
+            </a:r>
+            <a:r>
+              <a:rPr lang="tr-TR" sz="2400" dirty="0" err="1">
+                <a:latin typeface="Arial" panose="020B0604020202020204" pitchFamily="34" charset="0"/>
+                <a:cs typeface="Arial" panose="020B0604020202020204" pitchFamily="34" charset="0"/>
+              </a:rPr>
+              <a:t>Quick</a:t>
+            </a:r>
+            <a:r>
+              <a:rPr lang="tr-TR" sz="2400" dirty="0">
+                <a:latin typeface="Arial" panose="020B0604020202020204" pitchFamily="34" charset="0"/>
+                <a:cs typeface="Arial" panose="020B0604020202020204" pitchFamily="34" charset="0"/>
+              </a:rPr>
+              <a:t> </a:t>
+            </a:r>
+            <a:r>
+              <a:rPr lang="tr-TR" sz="2400" dirty="0" err="1">
+                <a:latin typeface="Arial" panose="020B0604020202020204" pitchFamily="34" charset="0"/>
+                <a:cs typeface="Arial" panose="020B0604020202020204" pitchFamily="34" charset="0"/>
+              </a:rPr>
+              <a:t>Sort</a:t>
+            </a:r>
+            <a:endParaRPr lang="tr-TR" sz="2400" b="1" dirty="0">
+              <a:latin typeface="Arial" panose="020B0604020202020204" pitchFamily="34" charset="0"/>
+              <a:cs typeface="Arial" panose="020B0604020202020204" pitchFamily="34" charset="0"/>
+            </a:endParaRPr>
+          </a:p>
+          <a:p>
+            <a:endParaRPr lang="en-US" sz="2400" dirty="0">
+              <a:latin typeface="Arial" panose="020B0604020202020204" pitchFamily="34" charset="0"/>
+              <a:cs typeface="Arial" panose="020B0604020202020204" pitchFamily="34" charset="0"/>
+            </a:endParaRPr>
+          </a:p>
+        </p:txBody>
+      </p:sp>
+      <p:pic>
+        <p:nvPicPr>
+          <p:cNvPr id="3" name="Picture 2">
+            <a:extLst>
+              <a:ext uri="{FF2B5EF4-FFF2-40B4-BE49-F238E27FC236}">
+                <a16:creationId xmlns:a16="http://schemas.microsoft.com/office/drawing/2014/main" id="{7AF30D12-B60B-4544-9095-2E62F9B7B5AF}"/>
+              </a:ext>
+            </a:extLst>
+          </p:cNvPr>
+          <p:cNvPicPr>
+            <a:picLocks noChangeAspect="1"/>
+          </p:cNvPicPr>
+          <p:nvPr/>
+        </p:nvPicPr>
+        <p:blipFill>
+          <a:blip r:embed="rId2"/>
+          <a:stretch>
+            <a:fillRect/>
+          </a:stretch>
+        </p:blipFill>
+        <p:spPr>
+          <a:xfrm>
+            <a:off x="413327" y="807789"/>
+            <a:ext cx="5351616" cy="5790089"/>
+          </a:xfrm>
+          <a:prstGeom prst="rect">
+            <a:avLst/>
+          </a:prstGeom>
+        </p:spPr>
+      </p:pic>
+      <p:pic>
+        <p:nvPicPr>
+          <p:cNvPr id="5" name="Picture 4">
+            <a:extLst>
+              <a:ext uri="{FF2B5EF4-FFF2-40B4-BE49-F238E27FC236}">
+                <a16:creationId xmlns:a16="http://schemas.microsoft.com/office/drawing/2014/main" id="{796DF148-23CA-5E45-8A3B-CA0952EC7CAE}"/>
+              </a:ext>
+            </a:extLst>
+          </p:cNvPr>
+          <p:cNvPicPr>
+            <a:picLocks noChangeAspect="1"/>
+          </p:cNvPicPr>
+          <p:nvPr/>
+        </p:nvPicPr>
+        <p:blipFill>
+          <a:blip r:embed="rId3"/>
+          <a:stretch>
+            <a:fillRect/>
+          </a:stretch>
+        </p:blipFill>
+        <p:spPr>
+          <a:xfrm>
+            <a:off x="6096000" y="0"/>
+            <a:ext cx="5538009" cy="6858000"/>
+          </a:xfrm>
+          <a:prstGeom prst="rect">
+            <a:avLst/>
+          </a:prstGeom>
+        </p:spPr>
+      </p:pic>
+    </p:spTree>
+    <p:extLst>
+      <p:ext uri="{BB962C8B-B14F-4D97-AF65-F5344CB8AC3E}">
+        <p14:creationId xmlns:p14="http://schemas.microsoft.com/office/powerpoint/2010/main" val="2407944391"/>
+      </p:ext>
+    </p:extLst>
+  </p:cSld>
+  <p:clrMapOvr>
+    <a:masterClrMapping/>
+  </p:clrMapOvr>
+</p:sld>
+</file>
+
+<file path=ppt/slides/slide14.xml><?xml version="1.0" encoding="utf-8"?>
+<p:sld xmlns:a="http://schemas.openxmlformats.org/drawingml/2006/main" xmlns:r="http://schemas.openxmlformats.org/officeDocument/2006/relationships" xmlns:p="http://schemas.openxmlformats.org/presentationml/2006/main">
+  <p:cSld>
+    <p:spTree>
+      <p:nvGrpSpPr>
+        <p:cNvPr id="1" name=""/>
+        <p:cNvGrpSpPr/>
+        <p:nvPr/>
+      </p:nvGrpSpPr>
+      <p:grpSpPr>
+        <a:xfrm>
+          <a:off x="0" y="0"/>
+          <a:ext cx="0" cy="0"/>
+          <a:chOff x="0" y="0"/>
+          <a:chExt cx="0" cy="0"/>
+        </a:xfrm>
+      </p:grpSpPr>
+      <p:sp>
+        <p:nvSpPr>
+          <p:cNvPr id="4" name="TextBox 3">
+            <a:extLst>
+              <a:ext uri="{FF2B5EF4-FFF2-40B4-BE49-F238E27FC236}">
+                <a16:creationId xmlns:a16="http://schemas.microsoft.com/office/drawing/2014/main" id="{A6E085FE-30ED-504E-BC9A-D337F29598F5}"/>
+              </a:ext>
+            </a:extLst>
+          </p:cNvPr>
+          <p:cNvSpPr txBox="1"/>
+          <p:nvPr/>
+        </p:nvSpPr>
+        <p:spPr>
+          <a:xfrm>
+            <a:off x="736269" y="161458"/>
+            <a:ext cx="9734412" cy="738664"/>
+          </a:xfrm>
+          <a:prstGeom prst="rect">
+            <a:avLst/>
+          </a:prstGeom>
+          <a:noFill/>
+        </p:spPr>
+        <p:txBody>
+          <a:bodyPr wrap="square" rtlCol="0">
+            <a:spAutoFit/>
+          </a:bodyPr>
+          <a:lstStyle/>
+          <a:p>
+            <a:r>
+              <a:rPr lang="en-US" sz="2400" b="1" dirty="0">
+                <a:latin typeface="Arial" panose="020B0604020202020204" pitchFamily="34" charset="0"/>
+                <a:cs typeface="Arial" panose="020B0604020202020204" pitchFamily="34" charset="0"/>
+              </a:rPr>
+              <a:t>c) </a:t>
+            </a:r>
+            <a:r>
+              <a:rPr lang="tr-TR" sz="2400" dirty="0" err="1">
+                <a:latin typeface="Arial" panose="020B0604020202020204" pitchFamily="34" charset="0"/>
+                <a:cs typeface="Arial" panose="020B0604020202020204" pitchFamily="34" charset="0"/>
+              </a:rPr>
+              <a:t>Quick</a:t>
+            </a:r>
+            <a:r>
+              <a:rPr lang="tr-TR" sz="2400" dirty="0">
+                <a:latin typeface="Arial" panose="020B0604020202020204" pitchFamily="34" charset="0"/>
+                <a:cs typeface="Arial" panose="020B0604020202020204" pitchFamily="34" charset="0"/>
+              </a:rPr>
+              <a:t> </a:t>
+            </a:r>
+            <a:r>
+              <a:rPr lang="tr-TR" sz="2400" dirty="0" err="1">
+                <a:latin typeface="Arial" panose="020B0604020202020204" pitchFamily="34" charset="0"/>
+                <a:cs typeface="Arial" panose="020B0604020202020204" pitchFamily="34" charset="0"/>
+              </a:rPr>
+              <a:t>Sort</a:t>
+            </a:r>
+            <a:endParaRPr lang="tr-TR" sz="2400" b="1" dirty="0">
+              <a:latin typeface="Arial" panose="020B0604020202020204" pitchFamily="34" charset="0"/>
+              <a:cs typeface="Arial" panose="020B0604020202020204" pitchFamily="34" charset="0"/>
+            </a:endParaRPr>
+          </a:p>
+          <a:p>
+            <a:endParaRPr lang="en-US" dirty="0">
+              <a:latin typeface="Arial" panose="020B0604020202020204" pitchFamily="34" charset="0"/>
+              <a:cs typeface="Arial" panose="020B0604020202020204" pitchFamily="34" charset="0"/>
+            </a:endParaRPr>
+          </a:p>
+        </p:txBody>
+      </p:sp>
+      <p:pic>
+        <p:nvPicPr>
+          <p:cNvPr id="2" name="Picture 1">
+            <a:extLst>
+              <a:ext uri="{FF2B5EF4-FFF2-40B4-BE49-F238E27FC236}">
+                <a16:creationId xmlns:a16="http://schemas.microsoft.com/office/drawing/2014/main" id="{8664FD11-ACB1-7045-BBEC-CB49367A838E}"/>
+              </a:ext>
+            </a:extLst>
+          </p:cNvPr>
+          <p:cNvPicPr>
+            <a:picLocks noChangeAspect="1"/>
+          </p:cNvPicPr>
+          <p:nvPr/>
+        </p:nvPicPr>
+        <p:blipFill>
+          <a:blip r:embed="rId2"/>
+          <a:stretch>
+            <a:fillRect/>
+          </a:stretch>
+        </p:blipFill>
+        <p:spPr>
+          <a:xfrm>
+            <a:off x="3501870" y="0"/>
+            <a:ext cx="6968811" cy="6858000"/>
+          </a:xfrm>
+          <a:prstGeom prst="rect">
+            <a:avLst/>
+          </a:prstGeom>
+        </p:spPr>
+      </p:pic>
+    </p:spTree>
+    <p:extLst>
+      <p:ext uri="{BB962C8B-B14F-4D97-AF65-F5344CB8AC3E}">
+        <p14:creationId xmlns:p14="http://schemas.microsoft.com/office/powerpoint/2010/main" val="1809756037"/>
+      </p:ext>
+    </p:extLst>
+  </p:cSld>
+  <p:clrMapOvr>
+    <a:masterClrMapping/>
+  </p:clrMapOvr>
+</p:sld>
+</file>
+
+<file path=ppt/slides/slide15.xml><?xml version="1.0" encoding="utf-8"?>
+<p:sld xmlns:a="http://schemas.openxmlformats.org/drawingml/2006/main" xmlns:r="http://schemas.openxmlformats.org/officeDocument/2006/relationships" xmlns:p="http://schemas.openxmlformats.org/presentationml/2006/main">
+  <p:cSld>
+    <p:spTree>
+      <p:nvGrpSpPr>
+        <p:cNvPr id="1" name=""/>
+        <p:cNvGrpSpPr/>
+        <p:nvPr/>
+      </p:nvGrpSpPr>
+      <p:grpSpPr>
+        <a:xfrm>
+          <a:off x="0" y="0"/>
+          <a:ext cx="0" cy="0"/>
+          <a:chOff x="0" y="0"/>
+          <a:chExt cx="0" cy="0"/>
+        </a:xfrm>
+      </p:grpSpPr>
+      <p:sp>
+        <p:nvSpPr>
+          <p:cNvPr id="4" name="TextBox 3">
+            <a:extLst>
+              <a:ext uri="{FF2B5EF4-FFF2-40B4-BE49-F238E27FC236}">
+                <a16:creationId xmlns:a16="http://schemas.microsoft.com/office/drawing/2014/main" id="{A6E085FE-30ED-504E-BC9A-D337F29598F5}"/>
+              </a:ext>
+            </a:extLst>
+          </p:cNvPr>
+          <p:cNvSpPr txBox="1"/>
+          <p:nvPr/>
+        </p:nvSpPr>
+        <p:spPr>
+          <a:xfrm>
+            <a:off x="736269" y="161458"/>
+            <a:ext cx="9734412" cy="738664"/>
+          </a:xfrm>
+          <a:prstGeom prst="rect">
+            <a:avLst/>
+          </a:prstGeom>
+          <a:noFill/>
+        </p:spPr>
+        <p:txBody>
+          <a:bodyPr wrap="square" rtlCol="0">
+            <a:spAutoFit/>
+          </a:bodyPr>
+          <a:lstStyle/>
+          <a:p>
+            <a:r>
+              <a:rPr lang="en-US" sz="2400" b="1" dirty="0">
+                <a:latin typeface="Arial" panose="020B0604020202020204" pitchFamily="34" charset="0"/>
+                <a:cs typeface="Arial" panose="020B0604020202020204" pitchFamily="34" charset="0"/>
+              </a:rPr>
+              <a:t>c) </a:t>
+            </a:r>
+            <a:r>
+              <a:rPr lang="tr-TR" sz="2400" dirty="0" err="1">
+                <a:latin typeface="Arial" panose="020B0604020202020204" pitchFamily="34" charset="0"/>
+                <a:cs typeface="Arial" panose="020B0604020202020204" pitchFamily="34" charset="0"/>
+              </a:rPr>
+              <a:t>Counting</a:t>
+            </a:r>
+            <a:r>
+              <a:rPr lang="tr-TR" sz="2400" dirty="0">
+                <a:latin typeface="Arial" panose="020B0604020202020204" pitchFamily="34" charset="0"/>
+                <a:cs typeface="Arial" panose="020B0604020202020204" pitchFamily="34" charset="0"/>
+              </a:rPr>
+              <a:t> </a:t>
+            </a:r>
+            <a:r>
+              <a:rPr lang="tr-TR" sz="2400" dirty="0" err="1">
+                <a:latin typeface="Arial" panose="020B0604020202020204" pitchFamily="34" charset="0"/>
+                <a:cs typeface="Arial" panose="020B0604020202020204" pitchFamily="34" charset="0"/>
+              </a:rPr>
+              <a:t>Sort</a:t>
+            </a:r>
+            <a:endParaRPr lang="tr-TR" sz="2400" b="1" dirty="0">
+              <a:latin typeface="Arial" panose="020B0604020202020204" pitchFamily="34" charset="0"/>
+              <a:cs typeface="Arial" panose="020B0604020202020204" pitchFamily="34" charset="0"/>
+            </a:endParaRPr>
+          </a:p>
+          <a:p>
+            <a:endParaRPr lang="en-US" dirty="0">
+              <a:latin typeface="Arial" panose="020B0604020202020204" pitchFamily="34" charset="0"/>
+              <a:cs typeface="Arial" panose="020B0604020202020204" pitchFamily="34" charset="0"/>
+            </a:endParaRPr>
+          </a:p>
+        </p:txBody>
+      </p:sp>
+      <p:pic>
+        <p:nvPicPr>
+          <p:cNvPr id="3" name="Picture 2">
+            <a:extLst>
+              <a:ext uri="{FF2B5EF4-FFF2-40B4-BE49-F238E27FC236}">
+                <a16:creationId xmlns:a16="http://schemas.microsoft.com/office/drawing/2014/main" id="{F8CA0CD3-5171-3541-8665-2DAE8919822F}"/>
+              </a:ext>
+            </a:extLst>
+          </p:cNvPr>
+          <p:cNvPicPr>
+            <a:picLocks noChangeAspect="1"/>
+          </p:cNvPicPr>
+          <p:nvPr/>
+        </p:nvPicPr>
+        <p:blipFill>
+          <a:blip r:embed="rId2"/>
+          <a:stretch>
+            <a:fillRect/>
+          </a:stretch>
+        </p:blipFill>
+        <p:spPr>
+          <a:xfrm>
+            <a:off x="4953331" y="605621"/>
+            <a:ext cx="6502400" cy="5715000"/>
+          </a:xfrm>
+          <a:prstGeom prst="rect">
+            <a:avLst/>
+          </a:prstGeom>
+        </p:spPr>
+      </p:pic>
+      <p:sp>
+        <p:nvSpPr>
+          <p:cNvPr id="5" name="TextBox 4">
+            <a:extLst>
+              <a:ext uri="{FF2B5EF4-FFF2-40B4-BE49-F238E27FC236}">
+                <a16:creationId xmlns:a16="http://schemas.microsoft.com/office/drawing/2014/main" id="{55353F33-71CC-3441-BAAB-F62AEE50C14E}"/>
+              </a:ext>
+            </a:extLst>
+          </p:cNvPr>
+          <p:cNvSpPr txBox="1"/>
+          <p:nvPr/>
+        </p:nvSpPr>
+        <p:spPr>
+          <a:xfrm>
+            <a:off x="485775" y="1785938"/>
+            <a:ext cx="3871913" cy="646331"/>
+          </a:xfrm>
+          <a:prstGeom prst="rect">
+            <a:avLst/>
+          </a:prstGeom>
+          <a:noFill/>
+        </p:spPr>
+        <p:txBody>
+          <a:bodyPr wrap="square" rtlCol="0">
+            <a:spAutoFit/>
+          </a:bodyPr>
+          <a:lstStyle/>
+          <a:p>
+            <a:r>
+              <a:rPr lang="en-US" dirty="0"/>
+              <a:t>Assumed that the range of integers is between 0 and 1000</a:t>
+            </a:r>
+          </a:p>
+        </p:txBody>
+      </p:sp>
+    </p:spTree>
+    <p:extLst>
+      <p:ext uri="{BB962C8B-B14F-4D97-AF65-F5344CB8AC3E}">
+        <p14:creationId xmlns:p14="http://schemas.microsoft.com/office/powerpoint/2010/main" val="1689161270"/>
+      </p:ext>
+    </p:extLst>
+  </p:cSld>
+  <p:clrMapOvr>
+    <a:masterClrMapping/>
+  </p:clrMapOvr>
+</p:sld>
+</file>
+
+<file path=ppt/slides/slide16.xml><?xml version="1.0" encoding="utf-8"?>
+<p:sld xmlns:a="http://schemas.openxmlformats.org/drawingml/2006/main" xmlns:r="http://schemas.openxmlformats.org/officeDocument/2006/relationships" xmlns:p="http://schemas.openxmlformats.org/presentationml/2006/main">
+  <p:cSld>
+    <p:spTree>
+      <p:nvGrpSpPr>
+        <p:cNvPr id="1" name=""/>
+        <p:cNvGrpSpPr/>
+        <p:nvPr/>
+      </p:nvGrpSpPr>
+      <p:grpSpPr>
+        <a:xfrm>
+          <a:off x="0" y="0"/>
+          <a:ext cx="0" cy="0"/>
+          <a:chOff x="0" y="0"/>
+          <a:chExt cx="0" cy="0"/>
+        </a:xfrm>
+      </p:grpSpPr>
+      <p:sp>
+        <p:nvSpPr>
+          <p:cNvPr id="4" name="TextBox 3">
+            <a:extLst>
+              <a:ext uri="{FF2B5EF4-FFF2-40B4-BE49-F238E27FC236}">
+                <a16:creationId xmlns:a16="http://schemas.microsoft.com/office/drawing/2014/main" id="{A6E085FE-30ED-504E-BC9A-D337F29598F5}"/>
+              </a:ext>
+            </a:extLst>
+          </p:cNvPr>
+          <p:cNvSpPr txBox="1"/>
+          <p:nvPr/>
+        </p:nvSpPr>
+        <p:spPr>
+          <a:xfrm>
+            <a:off x="736269" y="161458"/>
+            <a:ext cx="9734412" cy="738664"/>
+          </a:xfrm>
+          <a:prstGeom prst="rect">
+            <a:avLst/>
+          </a:prstGeom>
+          <a:noFill/>
+        </p:spPr>
+        <p:txBody>
+          <a:bodyPr wrap="square" rtlCol="0">
+            <a:spAutoFit/>
+          </a:bodyPr>
+          <a:lstStyle/>
+          <a:p>
+            <a:r>
+              <a:rPr lang="en-US" sz="2400" b="1" dirty="0">
+                <a:latin typeface="Arial" panose="020B0604020202020204" pitchFamily="34" charset="0"/>
+                <a:cs typeface="Arial" panose="020B0604020202020204" pitchFamily="34" charset="0"/>
+              </a:rPr>
+              <a:t>c) </a:t>
+            </a:r>
+            <a:r>
+              <a:rPr lang="tr-TR" sz="2400" dirty="0" err="1">
+                <a:latin typeface="Arial" panose="020B0604020202020204" pitchFamily="34" charset="0"/>
+                <a:cs typeface="Arial" panose="020B0604020202020204" pitchFamily="34" charset="0"/>
+              </a:rPr>
+              <a:t>Bucket</a:t>
+            </a:r>
+            <a:r>
+              <a:rPr lang="tr-TR" sz="2400" dirty="0">
+                <a:latin typeface="Arial" panose="020B0604020202020204" pitchFamily="34" charset="0"/>
+                <a:cs typeface="Arial" panose="020B0604020202020204" pitchFamily="34" charset="0"/>
+              </a:rPr>
+              <a:t> </a:t>
+            </a:r>
+            <a:r>
+              <a:rPr lang="tr-TR" sz="2400" dirty="0" err="1">
+                <a:latin typeface="Arial" panose="020B0604020202020204" pitchFamily="34" charset="0"/>
+                <a:cs typeface="Arial" panose="020B0604020202020204" pitchFamily="34" charset="0"/>
+              </a:rPr>
+              <a:t>Sort</a:t>
+            </a:r>
+            <a:endParaRPr lang="tr-TR" sz="2400" b="1" dirty="0">
+              <a:latin typeface="Arial" panose="020B0604020202020204" pitchFamily="34" charset="0"/>
+              <a:cs typeface="Arial" panose="020B0604020202020204" pitchFamily="34" charset="0"/>
+            </a:endParaRPr>
+          </a:p>
+          <a:p>
+            <a:endParaRPr lang="en-US" dirty="0">
+              <a:latin typeface="Arial" panose="020B0604020202020204" pitchFamily="34" charset="0"/>
+              <a:cs typeface="Arial" panose="020B0604020202020204" pitchFamily="34" charset="0"/>
+            </a:endParaRPr>
+          </a:p>
+        </p:txBody>
+      </p:sp>
+      <p:pic>
+        <p:nvPicPr>
+          <p:cNvPr id="5" name="Picture 4">
+            <a:extLst>
+              <a:ext uri="{FF2B5EF4-FFF2-40B4-BE49-F238E27FC236}">
+                <a16:creationId xmlns:a16="http://schemas.microsoft.com/office/drawing/2014/main" id="{873FB7B4-4DA3-FE41-BBD4-96F78539832A}"/>
+              </a:ext>
+            </a:extLst>
+          </p:cNvPr>
+          <p:cNvPicPr>
+            <a:picLocks noChangeAspect="1"/>
+          </p:cNvPicPr>
+          <p:nvPr/>
+        </p:nvPicPr>
+        <p:blipFill>
+          <a:blip r:embed="rId2"/>
+          <a:stretch>
+            <a:fillRect/>
+          </a:stretch>
+        </p:blipFill>
+        <p:spPr>
+          <a:xfrm>
+            <a:off x="1279125" y="1331655"/>
+            <a:ext cx="8648700" cy="3695700"/>
+          </a:xfrm>
+          <a:prstGeom prst="rect">
+            <a:avLst/>
+          </a:prstGeom>
+        </p:spPr>
+      </p:pic>
+      <p:sp>
+        <p:nvSpPr>
+          <p:cNvPr id="6" name="Rectangle 5">
+            <a:extLst>
+              <a:ext uri="{FF2B5EF4-FFF2-40B4-BE49-F238E27FC236}">
+                <a16:creationId xmlns:a16="http://schemas.microsoft.com/office/drawing/2014/main" id="{1E341E2B-67B6-B248-A2FB-7BF70E8ABD06}"/>
+              </a:ext>
+            </a:extLst>
+          </p:cNvPr>
+          <p:cNvSpPr/>
+          <p:nvPr/>
+        </p:nvSpPr>
+        <p:spPr>
+          <a:xfrm>
+            <a:off x="922006" y="5516038"/>
+            <a:ext cx="6096000" cy="369332"/>
+          </a:xfrm>
+          <a:prstGeom prst="rect">
+            <a:avLst/>
+          </a:prstGeom>
+        </p:spPr>
+        <p:txBody>
+          <a:bodyPr>
+            <a:spAutoFit/>
+          </a:bodyPr>
+          <a:lstStyle/>
+          <a:p>
+            <a:r>
+              <a:rPr lang="en-US" dirty="0"/>
+              <a:t>Assumed that the bucket size is 100</a:t>
+            </a:r>
+          </a:p>
+        </p:txBody>
+      </p:sp>
+    </p:spTree>
+    <p:extLst>
+      <p:ext uri="{BB962C8B-B14F-4D97-AF65-F5344CB8AC3E}">
+        <p14:creationId xmlns:p14="http://schemas.microsoft.com/office/powerpoint/2010/main" val="3656639501"/>
+      </p:ext>
+    </p:extLst>
+  </p:cSld>
+  <p:clrMapOvr>
+    <a:masterClrMapping/>
+  </p:clrMapOvr>
+</p:sld>
+</file>
+
+<file path=ppt/slides/slide17.xml><?xml version="1.0" encoding="utf-8"?>
+<p:sld xmlns:a="http://schemas.openxmlformats.org/drawingml/2006/main" xmlns:r="http://schemas.openxmlformats.org/officeDocument/2006/relationships" xmlns:p="http://schemas.openxmlformats.org/presentationml/2006/main">
+  <p:cSld>
+    <p:spTree>
+      <p:nvGrpSpPr>
+        <p:cNvPr id="1" name=""/>
+        <p:cNvGrpSpPr/>
+        <p:nvPr/>
+      </p:nvGrpSpPr>
+      <p:grpSpPr>
+        <a:xfrm>
+          <a:off x="0" y="0"/>
+          <a:ext cx="0" cy="0"/>
+          <a:chOff x="0" y="0"/>
+          <a:chExt cx="0" cy="0"/>
+        </a:xfrm>
+      </p:grpSpPr>
+      <p:sp>
+        <p:nvSpPr>
+          <p:cNvPr id="4" name="TextBox 3">
+            <a:extLst>
+              <a:ext uri="{FF2B5EF4-FFF2-40B4-BE49-F238E27FC236}">
+                <a16:creationId xmlns:a16="http://schemas.microsoft.com/office/drawing/2014/main" id="{A6E085FE-30ED-504E-BC9A-D337F29598F5}"/>
+              </a:ext>
+            </a:extLst>
+          </p:cNvPr>
+          <p:cNvSpPr txBox="1"/>
+          <p:nvPr/>
+        </p:nvSpPr>
+        <p:spPr>
+          <a:xfrm>
+            <a:off x="736269" y="161458"/>
+            <a:ext cx="9734412" cy="738664"/>
+          </a:xfrm>
+          <a:prstGeom prst="rect">
+            <a:avLst/>
+          </a:prstGeom>
+          <a:noFill/>
+        </p:spPr>
+        <p:txBody>
+          <a:bodyPr wrap="square" rtlCol="0">
+            <a:spAutoFit/>
+          </a:bodyPr>
+          <a:lstStyle/>
+          <a:p>
+            <a:r>
+              <a:rPr lang="en-US" sz="2400" b="1" dirty="0">
+                <a:latin typeface="Arial" panose="020B0604020202020204" pitchFamily="34" charset="0"/>
+                <a:cs typeface="Arial" panose="020B0604020202020204" pitchFamily="34" charset="0"/>
+              </a:rPr>
+              <a:t>c) </a:t>
+            </a:r>
+            <a:r>
+              <a:rPr lang="tr-TR" sz="2400" dirty="0" err="1">
+                <a:latin typeface="Arial" panose="020B0604020202020204" pitchFamily="34" charset="0"/>
+                <a:cs typeface="Arial" panose="020B0604020202020204" pitchFamily="34" charset="0"/>
+              </a:rPr>
+              <a:t>Bucket</a:t>
+            </a:r>
+            <a:r>
+              <a:rPr lang="tr-TR" sz="2400" dirty="0">
+                <a:latin typeface="Arial" panose="020B0604020202020204" pitchFamily="34" charset="0"/>
+                <a:cs typeface="Arial" panose="020B0604020202020204" pitchFamily="34" charset="0"/>
+              </a:rPr>
+              <a:t> </a:t>
+            </a:r>
+            <a:r>
+              <a:rPr lang="tr-TR" sz="2400" dirty="0" err="1">
+                <a:latin typeface="Arial" panose="020B0604020202020204" pitchFamily="34" charset="0"/>
+                <a:cs typeface="Arial" panose="020B0604020202020204" pitchFamily="34" charset="0"/>
+              </a:rPr>
+              <a:t>Sort</a:t>
+            </a:r>
+            <a:endParaRPr lang="tr-TR" sz="2400" b="1" dirty="0">
+              <a:latin typeface="Arial" panose="020B0604020202020204" pitchFamily="34" charset="0"/>
+              <a:cs typeface="Arial" panose="020B0604020202020204" pitchFamily="34" charset="0"/>
+            </a:endParaRPr>
+          </a:p>
+          <a:p>
+            <a:endParaRPr lang="en-US" dirty="0">
+              <a:latin typeface="Arial" panose="020B0604020202020204" pitchFamily="34" charset="0"/>
+              <a:cs typeface="Arial" panose="020B0604020202020204" pitchFamily="34" charset="0"/>
+            </a:endParaRPr>
+          </a:p>
+        </p:txBody>
+      </p:sp>
+      <p:pic>
+        <p:nvPicPr>
+          <p:cNvPr id="3" name="Picture 2">
+            <a:extLst>
+              <a:ext uri="{FF2B5EF4-FFF2-40B4-BE49-F238E27FC236}">
+                <a16:creationId xmlns:a16="http://schemas.microsoft.com/office/drawing/2014/main" id="{B46279C0-8F3A-8E41-99EE-25C3FE765586}"/>
+              </a:ext>
+            </a:extLst>
+          </p:cNvPr>
+          <p:cNvPicPr>
+            <a:picLocks noChangeAspect="1"/>
+          </p:cNvPicPr>
+          <p:nvPr/>
+        </p:nvPicPr>
+        <p:blipFill>
+          <a:blip r:embed="rId2"/>
+          <a:stretch>
+            <a:fillRect/>
+          </a:stretch>
+        </p:blipFill>
+        <p:spPr>
+          <a:xfrm>
+            <a:off x="1873250" y="1130300"/>
+            <a:ext cx="8445500" cy="4597400"/>
+          </a:xfrm>
+          <a:prstGeom prst="rect">
+            <a:avLst/>
+          </a:prstGeom>
+        </p:spPr>
+      </p:pic>
+    </p:spTree>
+    <p:extLst>
+      <p:ext uri="{BB962C8B-B14F-4D97-AF65-F5344CB8AC3E}">
+        <p14:creationId xmlns:p14="http://schemas.microsoft.com/office/powerpoint/2010/main" val="2710558970"/>
+      </p:ext>
+    </p:extLst>
+  </p:cSld>
+  <p:clrMapOvr>
+    <a:masterClrMapping/>
+  </p:clrMapOvr>
+</p:sld>
+</file>
+
+<file path=ppt/slides/slide18.xml><?xml version="1.0" encoding="utf-8"?>
+<p:sld xmlns:a="http://schemas.openxmlformats.org/drawingml/2006/main" xmlns:r="http://schemas.openxmlformats.org/officeDocument/2006/relationships" xmlns:p="http://schemas.openxmlformats.org/presentationml/2006/main">
+  <p:cSld>
+    <p:spTree>
+      <p:nvGrpSpPr>
+        <p:cNvPr id="1" name=""/>
+        <p:cNvGrpSpPr/>
+        <p:nvPr/>
+      </p:nvGrpSpPr>
+      <p:grpSpPr>
+        <a:xfrm>
+          <a:off x="0" y="0"/>
+          <a:ext cx="0" cy="0"/>
+          <a:chOff x="0" y="0"/>
+          <a:chExt cx="0" cy="0"/>
+        </a:xfrm>
+      </p:grpSpPr>
+      <p:sp>
+        <p:nvSpPr>
+          <p:cNvPr id="4" name="TextBox 3">
+            <a:extLst>
+              <a:ext uri="{FF2B5EF4-FFF2-40B4-BE49-F238E27FC236}">
+                <a16:creationId xmlns:a16="http://schemas.microsoft.com/office/drawing/2014/main" id="{A6E085FE-30ED-504E-BC9A-D337F29598F5}"/>
+              </a:ext>
+            </a:extLst>
+          </p:cNvPr>
+          <p:cNvSpPr txBox="1"/>
+          <p:nvPr/>
+        </p:nvSpPr>
+        <p:spPr>
+          <a:xfrm>
+            <a:off x="373639" y="505039"/>
+            <a:ext cx="9734412" cy="830997"/>
+          </a:xfrm>
+          <a:prstGeom prst="rect">
+            <a:avLst/>
+          </a:prstGeom>
+          <a:noFill/>
+        </p:spPr>
+        <p:txBody>
+          <a:bodyPr wrap="square" rtlCol="0">
+            <a:spAutoFit/>
+          </a:bodyPr>
+          <a:lstStyle/>
+          <a:p>
+            <a:r>
+              <a:rPr lang="en-US" sz="2400" b="1" dirty="0">
+                <a:latin typeface="Arial" panose="020B0604020202020204" pitchFamily="34" charset="0"/>
+                <a:cs typeface="Arial" panose="020B0604020202020204" pitchFamily="34" charset="0"/>
+              </a:rPr>
+              <a:t>d) </a:t>
+            </a:r>
+            <a:r>
+              <a:rPr lang="tr-TR" sz="2400" b="1" dirty="0" err="1">
+                <a:latin typeface="Arial" panose="020B0604020202020204" pitchFamily="34" charset="0"/>
+                <a:cs typeface="Arial" panose="020B0604020202020204" pitchFamily="34" charset="0"/>
+              </a:rPr>
+              <a:t>Comparison</a:t>
+            </a:r>
+            <a:r>
+              <a:rPr lang="tr-TR" sz="2400" dirty="0">
+                <a:latin typeface="Arial" panose="020B0604020202020204" pitchFamily="34" charset="0"/>
+                <a:cs typeface="Arial" panose="020B0604020202020204" pitchFamily="34" charset="0"/>
+              </a:rPr>
+              <a:t> of </a:t>
+            </a:r>
+            <a:r>
+              <a:rPr lang="tr-TR" sz="2400" dirty="0" err="1">
+                <a:latin typeface="Arial" panose="020B0604020202020204" pitchFamily="34" charset="0"/>
+                <a:cs typeface="Arial" panose="020B0604020202020204" pitchFamily="34" charset="0"/>
+              </a:rPr>
+              <a:t>Sorting</a:t>
+            </a:r>
+            <a:r>
+              <a:rPr lang="tr-TR" sz="2400" dirty="0">
+                <a:latin typeface="Arial" panose="020B0604020202020204" pitchFamily="34" charset="0"/>
+                <a:cs typeface="Arial" panose="020B0604020202020204" pitchFamily="34" charset="0"/>
+              </a:rPr>
+              <a:t> </a:t>
+            </a:r>
+            <a:r>
+              <a:rPr lang="tr-TR" sz="2400" dirty="0" err="1">
+                <a:latin typeface="Arial" panose="020B0604020202020204" pitchFamily="34" charset="0"/>
+                <a:cs typeface="Arial" panose="020B0604020202020204" pitchFamily="34" charset="0"/>
+              </a:rPr>
+              <a:t>Algrorithms</a:t>
+            </a:r>
+            <a:endParaRPr lang="tr-TR" sz="2400" b="1" dirty="0">
+              <a:latin typeface="Arial" panose="020B0604020202020204" pitchFamily="34" charset="0"/>
+              <a:cs typeface="Arial" panose="020B0604020202020204" pitchFamily="34" charset="0"/>
+            </a:endParaRPr>
+          </a:p>
+          <a:p>
+            <a:endParaRPr lang="en-US" sz="2400" dirty="0">
+              <a:latin typeface="Arial" panose="020B0604020202020204" pitchFamily="34" charset="0"/>
+              <a:cs typeface="Arial" panose="020B0604020202020204" pitchFamily="34" charset="0"/>
+            </a:endParaRPr>
+          </a:p>
+        </p:txBody>
+      </p:sp>
+      <p:sp>
+        <p:nvSpPr>
+          <p:cNvPr id="10" name="TextBox 9">
+            <a:extLst>
+              <a:ext uri="{FF2B5EF4-FFF2-40B4-BE49-F238E27FC236}">
+                <a16:creationId xmlns:a16="http://schemas.microsoft.com/office/drawing/2014/main" id="{431A8886-812F-AE4C-9D2B-A82226CA0778}"/>
+              </a:ext>
+            </a:extLst>
+          </p:cNvPr>
+          <p:cNvSpPr txBox="1"/>
+          <p:nvPr/>
+        </p:nvSpPr>
+        <p:spPr>
+          <a:xfrm>
+            <a:off x="716973" y="1336036"/>
+            <a:ext cx="11101388" cy="923330"/>
+          </a:xfrm>
+          <a:prstGeom prst="rect">
+            <a:avLst/>
+          </a:prstGeom>
+          <a:noFill/>
+        </p:spPr>
+        <p:txBody>
+          <a:bodyPr wrap="square" rtlCol="0">
+            <a:spAutoFit/>
+          </a:bodyPr>
+          <a:lstStyle/>
+          <a:p>
+            <a:r>
+              <a:rPr lang="en-US" dirty="0">
+                <a:latin typeface="Arial" panose="020B0604020202020204" pitchFamily="34" charset="0"/>
+                <a:cs typeface="Arial" panose="020B0604020202020204" pitchFamily="34" charset="0"/>
+              </a:rPr>
+              <a:t>Random number generation script:</a:t>
+            </a:r>
+          </a:p>
+          <a:p>
+            <a:endParaRPr lang="en-US" dirty="0">
+              <a:latin typeface="Arial" panose="020B0604020202020204" pitchFamily="34" charset="0"/>
+              <a:cs typeface="Arial" panose="020B0604020202020204" pitchFamily="34" charset="0"/>
+            </a:endParaRPr>
+          </a:p>
+          <a:p>
+            <a:pPr marL="285750" indent="-285750">
+              <a:buFont typeface="Arial" panose="020B0604020202020204" pitchFamily="34" charset="0"/>
+              <a:buChar char="•"/>
+            </a:pPr>
+            <a:endParaRPr lang="en-US" dirty="0">
+              <a:latin typeface="Arial" panose="020B0604020202020204" pitchFamily="34" charset="0"/>
+              <a:cs typeface="Arial" panose="020B0604020202020204" pitchFamily="34" charset="0"/>
+            </a:endParaRPr>
+          </a:p>
+        </p:txBody>
+      </p:sp>
+      <p:pic>
+        <p:nvPicPr>
+          <p:cNvPr id="12" name="Picture 11">
+            <a:extLst>
+              <a:ext uri="{FF2B5EF4-FFF2-40B4-BE49-F238E27FC236}">
+                <a16:creationId xmlns:a16="http://schemas.microsoft.com/office/drawing/2014/main" id="{4160EEDC-8C05-F945-8EB5-C358FF59FD57}"/>
+              </a:ext>
+            </a:extLst>
+          </p:cNvPr>
+          <p:cNvPicPr>
+            <a:picLocks noChangeAspect="1"/>
+          </p:cNvPicPr>
+          <p:nvPr/>
+        </p:nvPicPr>
+        <p:blipFill>
+          <a:blip r:embed="rId2"/>
+          <a:stretch>
+            <a:fillRect/>
+          </a:stretch>
+        </p:blipFill>
+        <p:spPr>
+          <a:xfrm>
+            <a:off x="0" y="2167033"/>
+            <a:ext cx="12192000" cy="1497263"/>
+          </a:xfrm>
+          <a:prstGeom prst="rect">
+            <a:avLst/>
+          </a:prstGeom>
+        </p:spPr>
+      </p:pic>
+      <p:sp>
+        <p:nvSpPr>
+          <p:cNvPr id="13" name="TextBox 12">
+            <a:extLst>
+              <a:ext uri="{FF2B5EF4-FFF2-40B4-BE49-F238E27FC236}">
+                <a16:creationId xmlns:a16="http://schemas.microsoft.com/office/drawing/2014/main" id="{EEB10247-02CB-F143-9D4B-A7DC3A4D53F9}"/>
+              </a:ext>
+            </a:extLst>
+          </p:cNvPr>
+          <p:cNvSpPr txBox="1"/>
+          <p:nvPr/>
+        </p:nvSpPr>
+        <p:spPr>
+          <a:xfrm>
+            <a:off x="716973" y="3997989"/>
+            <a:ext cx="11101388" cy="923330"/>
+          </a:xfrm>
+          <a:prstGeom prst="rect">
+            <a:avLst/>
+          </a:prstGeom>
+          <a:noFill/>
+        </p:spPr>
+        <p:txBody>
+          <a:bodyPr wrap="square" rtlCol="0">
+            <a:spAutoFit/>
+          </a:bodyPr>
+          <a:lstStyle/>
+          <a:p>
+            <a:r>
+              <a:rPr lang="en-US" dirty="0">
+                <a:latin typeface="Arial" panose="020B0604020202020204" pitchFamily="34" charset="0"/>
+                <a:cs typeface="Arial" panose="020B0604020202020204" pitchFamily="34" charset="0"/>
+              </a:rPr>
+              <a:t>Since testing the large number of random numbers, take too much time, I’ve implemented 100, 1000, 10000, 100000, 1000000. </a:t>
+            </a:r>
+          </a:p>
+          <a:p>
+            <a:pPr marL="285750" indent="-285750">
+              <a:buFont typeface="Arial" panose="020B0604020202020204" pitchFamily="34" charset="0"/>
+              <a:buChar char="•"/>
+            </a:pPr>
+            <a:endParaRPr lang="en-US" dirty="0">
+              <a:latin typeface="Arial" panose="020B0604020202020204" pitchFamily="34" charset="0"/>
+              <a:cs typeface="Arial" panose="020B0604020202020204" pitchFamily="34" charset="0"/>
+            </a:endParaRPr>
+          </a:p>
+        </p:txBody>
+      </p:sp>
+    </p:spTree>
+    <p:extLst>
+      <p:ext uri="{BB962C8B-B14F-4D97-AF65-F5344CB8AC3E}">
+        <p14:creationId xmlns:p14="http://schemas.microsoft.com/office/powerpoint/2010/main" val="52430757"/>
+      </p:ext>
+    </p:extLst>
+  </p:cSld>
+  <p:clrMapOvr>
+    <a:masterClrMapping/>
+  </p:clrMapOvr>
+</p:sld>
+</file>
+
+<file path=ppt/slides/slide19.xml><?xml version="1.0" encoding="utf-8"?>
+<p:sld xmlns:a="http://schemas.openxmlformats.org/drawingml/2006/main" xmlns:r="http://schemas.openxmlformats.org/officeDocument/2006/relationships" xmlns:p="http://schemas.openxmlformats.org/presentationml/2006/main">
+  <p:cSld>
+    <p:spTree>
+      <p:nvGrpSpPr>
+        <p:cNvPr id="1" name=""/>
+        <p:cNvGrpSpPr/>
+        <p:nvPr/>
+      </p:nvGrpSpPr>
+      <p:grpSpPr>
+        <a:xfrm>
+          <a:off x="0" y="0"/>
+          <a:ext cx="0" cy="0"/>
+          <a:chOff x="0" y="0"/>
+          <a:chExt cx="0" cy="0"/>
+        </a:xfrm>
+      </p:grpSpPr>
+      <p:sp>
+        <p:nvSpPr>
+          <p:cNvPr id="4" name="TextBox 3">
+            <a:extLst>
+              <a:ext uri="{FF2B5EF4-FFF2-40B4-BE49-F238E27FC236}">
+                <a16:creationId xmlns:a16="http://schemas.microsoft.com/office/drawing/2014/main" id="{A6E085FE-30ED-504E-BC9A-D337F29598F5}"/>
+              </a:ext>
+            </a:extLst>
+          </p:cNvPr>
+          <p:cNvSpPr txBox="1"/>
+          <p:nvPr/>
+        </p:nvSpPr>
+        <p:spPr>
+          <a:xfrm>
+            <a:off x="387926" y="662201"/>
+            <a:ext cx="9734412" cy="1200329"/>
+          </a:xfrm>
+          <a:prstGeom prst="rect">
+            <a:avLst/>
+          </a:prstGeom>
+          <a:noFill/>
+        </p:spPr>
+        <p:txBody>
+          <a:bodyPr wrap="square" rtlCol="0">
+            <a:spAutoFit/>
+          </a:bodyPr>
+          <a:lstStyle/>
+          <a:p>
+            <a:r>
+              <a:rPr lang="en-US" sz="2400" b="1" dirty="0">
+                <a:latin typeface="Arial" panose="020B0604020202020204" pitchFamily="34" charset="0"/>
+                <a:cs typeface="Arial" panose="020B0604020202020204" pitchFamily="34" charset="0"/>
+              </a:rPr>
+              <a:t>d) </a:t>
+            </a:r>
+            <a:r>
+              <a:rPr lang="tr-TR" sz="2400" b="1" dirty="0" err="1">
+                <a:latin typeface="Arial" panose="020B0604020202020204" pitchFamily="34" charset="0"/>
+                <a:cs typeface="Arial" panose="020B0604020202020204" pitchFamily="34" charset="0"/>
+              </a:rPr>
+              <a:t>Comparison</a:t>
+            </a:r>
+            <a:r>
+              <a:rPr lang="tr-TR" sz="2400" dirty="0">
+                <a:latin typeface="Arial" panose="020B0604020202020204" pitchFamily="34" charset="0"/>
+                <a:cs typeface="Arial" panose="020B0604020202020204" pitchFamily="34" charset="0"/>
+              </a:rPr>
+              <a:t> of </a:t>
+            </a:r>
+          </a:p>
+          <a:p>
+            <a:r>
+              <a:rPr lang="tr-TR" sz="2400" dirty="0" err="1">
+                <a:latin typeface="Arial" panose="020B0604020202020204" pitchFamily="34" charset="0"/>
+                <a:cs typeface="Arial" panose="020B0604020202020204" pitchFamily="34" charset="0"/>
+              </a:rPr>
+              <a:t>Sorting</a:t>
+            </a:r>
+            <a:r>
+              <a:rPr lang="tr-TR" sz="2400" dirty="0">
+                <a:latin typeface="Arial" panose="020B0604020202020204" pitchFamily="34" charset="0"/>
+                <a:cs typeface="Arial" panose="020B0604020202020204" pitchFamily="34" charset="0"/>
+              </a:rPr>
+              <a:t> </a:t>
+            </a:r>
+            <a:r>
+              <a:rPr lang="tr-TR" sz="2400" dirty="0" err="1">
+                <a:latin typeface="Arial" panose="020B0604020202020204" pitchFamily="34" charset="0"/>
+                <a:cs typeface="Arial" panose="020B0604020202020204" pitchFamily="34" charset="0"/>
+              </a:rPr>
+              <a:t>Algrorithms</a:t>
+            </a:r>
+            <a:endParaRPr lang="tr-TR" sz="2400" b="1" dirty="0">
+              <a:latin typeface="Arial" panose="020B0604020202020204" pitchFamily="34" charset="0"/>
+              <a:cs typeface="Arial" panose="020B0604020202020204" pitchFamily="34" charset="0"/>
+            </a:endParaRPr>
+          </a:p>
+          <a:p>
+            <a:endParaRPr lang="en-US" sz="2400" dirty="0">
+              <a:latin typeface="Arial" panose="020B0604020202020204" pitchFamily="34" charset="0"/>
+              <a:cs typeface="Arial" panose="020B0604020202020204" pitchFamily="34" charset="0"/>
+            </a:endParaRPr>
+          </a:p>
+        </p:txBody>
+      </p:sp>
+      <p:pic>
+        <p:nvPicPr>
+          <p:cNvPr id="5" name="Picture 4">
+            <a:extLst>
+              <a:ext uri="{FF2B5EF4-FFF2-40B4-BE49-F238E27FC236}">
+                <a16:creationId xmlns:a16="http://schemas.microsoft.com/office/drawing/2014/main" id="{B13D2FF4-EBB9-1346-B28D-E91586734F8B}"/>
+              </a:ext>
+            </a:extLst>
+          </p:cNvPr>
+          <p:cNvPicPr>
+            <a:picLocks noChangeAspect="1"/>
+          </p:cNvPicPr>
+          <p:nvPr/>
+        </p:nvPicPr>
+        <p:blipFill>
+          <a:blip r:embed="rId2"/>
+          <a:stretch>
+            <a:fillRect/>
+          </a:stretch>
+        </p:blipFill>
+        <p:spPr>
+          <a:xfrm>
+            <a:off x="3774885" y="0"/>
+            <a:ext cx="8417115" cy="6858000"/>
+          </a:xfrm>
+          <a:prstGeom prst="rect">
+            <a:avLst/>
+          </a:prstGeom>
+        </p:spPr>
+      </p:pic>
+      <p:sp>
+        <p:nvSpPr>
+          <p:cNvPr id="2" name="TextBox 1">
+            <a:extLst>
+              <a:ext uri="{FF2B5EF4-FFF2-40B4-BE49-F238E27FC236}">
+                <a16:creationId xmlns:a16="http://schemas.microsoft.com/office/drawing/2014/main" id="{FF743DFF-D890-D646-987F-4DBC669A0897}"/>
+              </a:ext>
+            </a:extLst>
+          </p:cNvPr>
+          <p:cNvSpPr txBox="1"/>
+          <p:nvPr/>
+        </p:nvSpPr>
+        <p:spPr>
+          <a:xfrm>
+            <a:off x="171449" y="2524731"/>
+            <a:ext cx="3443289" cy="2031325"/>
+          </a:xfrm>
+          <a:prstGeom prst="rect">
+            <a:avLst/>
+          </a:prstGeom>
+          <a:noFill/>
+        </p:spPr>
+        <p:txBody>
+          <a:bodyPr wrap="square" rtlCol="0">
+            <a:spAutoFit/>
+          </a:bodyPr>
+          <a:lstStyle/>
+          <a:p>
+            <a:pPr algn="just"/>
+            <a:r>
+              <a:rPr lang="en-US" dirty="0">
+                <a:latin typeface="Arial" panose="020B0604020202020204" pitchFamily="34" charset="0"/>
+                <a:cs typeface="Arial" panose="020B0604020202020204" pitchFamily="34" charset="0"/>
+              </a:rPr>
+              <a:t>	A part of the test script for different sorting algorithms with various number of random numbers.</a:t>
+            </a:r>
+          </a:p>
+          <a:p>
+            <a:pPr algn="just"/>
+            <a:endParaRPr lang="en-US" dirty="0">
+              <a:latin typeface="Arial" panose="020B0604020202020204" pitchFamily="34" charset="0"/>
+              <a:cs typeface="Arial" panose="020B0604020202020204" pitchFamily="34" charset="0"/>
+            </a:endParaRPr>
+          </a:p>
+          <a:p>
+            <a:pPr algn="just"/>
+            <a:r>
+              <a:rPr lang="en-US" dirty="0">
+                <a:latin typeface="Arial" panose="020B0604020202020204" pitchFamily="34" charset="0"/>
+                <a:cs typeface="Arial" panose="020B0604020202020204" pitchFamily="34" charset="0"/>
+              </a:rPr>
+              <a:t>You can find whole the test script in </a:t>
+            </a:r>
+            <a:r>
+              <a:rPr lang="en-US" dirty="0" err="1">
+                <a:latin typeface="Arial" panose="020B0604020202020204" pitchFamily="34" charset="0"/>
+                <a:cs typeface="Arial" panose="020B0604020202020204" pitchFamily="34" charset="0"/>
+              </a:rPr>
+              <a:t>test.sh</a:t>
+            </a:r>
+            <a:r>
+              <a:rPr lang="en-US" dirty="0">
+                <a:latin typeface="Arial" panose="020B0604020202020204" pitchFamily="34" charset="0"/>
+                <a:cs typeface="Arial" panose="020B0604020202020204" pitchFamily="34" charset="0"/>
+              </a:rPr>
+              <a:t>  </a:t>
+            </a:r>
+          </a:p>
+        </p:txBody>
+      </p:sp>
+    </p:spTree>
+    <p:extLst>
+      <p:ext uri="{BB962C8B-B14F-4D97-AF65-F5344CB8AC3E}">
+        <p14:creationId xmlns:p14="http://schemas.microsoft.com/office/powerpoint/2010/main" val="1833181805"/>
+      </p:ext>
+    </p:extLst>
+  </p:cSld>
+  <p:clrMapOvr>
+    <a:masterClrMapping/>
+  </p:clrMapOvr>
+</p:sld>
+</file>
+
+<file path=ppt/slides/slide2.xml><?xml version="1.0" encoding="utf-8"?>
+<p:sld xmlns:a="http://schemas.openxmlformats.org/drawingml/2006/main" xmlns:r="http://schemas.openxmlformats.org/officeDocument/2006/relationships" xmlns:p="http://schemas.openxmlformats.org/presentationml/2006/main">
+  <p:cSld>
+    <p:spTree>
+      <p:nvGrpSpPr>
+        <p:cNvPr id="1" name=""/>
+        <p:cNvGrpSpPr/>
+        <p:nvPr/>
+      </p:nvGrpSpPr>
+      <p:grpSpPr>
+        <a:xfrm>
+          <a:off x="0" y="0"/>
+          <a:ext cx="0" cy="0"/>
+          <a:chOff x="0" y="0"/>
+          <a:chExt cx="0" cy="0"/>
+        </a:xfrm>
+      </p:grpSpPr>
+      <p:sp>
+        <p:nvSpPr>
+          <p:cNvPr id="2" name="TextBox 1">
+            <a:extLst>
+              <a:ext uri="{FF2B5EF4-FFF2-40B4-BE49-F238E27FC236}">
+                <a16:creationId xmlns:a16="http://schemas.microsoft.com/office/drawing/2014/main" id="{440D05C0-3EB7-3842-BBA2-F54CFA1F1D5A}"/>
+              </a:ext>
+            </a:extLst>
+          </p:cNvPr>
+          <p:cNvSpPr txBox="1"/>
+          <p:nvPr/>
+        </p:nvSpPr>
+        <p:spPr>
+          <a:xfrm>
+            <a:off x="272148" y="634829"/>
+            <a:ext cx="11647703" cy="5632311"/>
+          </a:xfrm>
+          <a:prstGeom prst="rect">
+            <a:avLst/>
+          </a:prstGeom>
+          <a:noFill/>
+        </p:spPr>
+        <p:txBody>
+          <a:bodyPr wrap="square" rtlCol="0">
+            <a:spAutoFit/>
+          </a:bodyPr>
+          <a:lstStyle/>
+          <a:p>
+            <a:pPr marL="342900" indent="-342900">
+              <a:buFont typeface="+mj-lt"/>
+              <a:buAutoNum type="alphaLcParenR"/>
+            </a:pPr>
+            <a:r>
+              <a:rPr lang="en-US" dirty="0">
+                <a:latin typeface="Arial" panose="020B0604020202020204" pitchFamily="34" charset="0"/>
+                <a:cs typeface="Arial" panose="020B0604020202020204" pitchFamily="34" charset="0"/>
+              </a:rPr>
+              <a:t>Your script will receive </a:t>
+            </a:r>
+            <a:r>
+              <a:rPr lang="en-US" b="1" dirty="0">
+                <a:latin typeface="Arial" panose="020B0604020202020204" pitchFamily="34" charset="0"/>
+                <a:cs typeface="Arial" panose="020B0604020202020204" pitchFamily="34" charset="0"/>
+              </a:rPr>
+              <a:t>two input arguments</a:t>
+            </a:r>
+            <a:r>
+              <a:rPr lang="en-US" dirty="0">
+                <a:latin typeface="Arial" panose="020B0604020202020204" pitchFamily="34" charset="0"/>
+                <a:cs typeface="Arial" panose="020B0604020202020204" pitchFamily="34" charset="0"/>
+              </a:rPr>
+              <a:t>. The </a:t>
+            </a:r>
+            <a:r>
+              <a:rPr lang="en-US" b="1" dirty="0">
+                <a:latin typeface="Arial" panose="020B0604020202020204" pitchFamily="34" charset="0"/>
+                <a:cs typeface="Arial" panose="020B0604020202020204" pitchFamily="34" charset="0"/>
+              </a:rPr>
+              <a:t>first argument will be a filename</a:t>
+            </a:r>
+            <a:r>
+              <a:rPr lang="en-US" dirty="0">
+                <a:latin typeface="Arial" panose="020B0604020202020204" pitchFamily="34" charset="0"/>
+                <a:cs typeface="Arial" panose="020B0604020202020204" pitchFamily="34" charset="0"/>
+              </a:rPr>
+              <a:t> that stores numbers that are going to be sorted and the </a:t>
+            </a:r>
+            <a:r>
+              <a:rPr lang="en-US" b="1" dirty="0">
+                <a:latin typeface="Arial" panose="020B0604020202020204" pitchFamily="34" charset="0"/>
+                <a:cs typeface="Arial" panose="020B0604020202020204" pitchFamily="34" charset="0"/>
+              </a:rPr>
+              <a:t>second argument will be an integer </a:t>
+            </a:r>
+            <a:r>
+              <a:rPr lang="en-US" dirty="0">
+                <a:latin typeface="Arial" panose="020B0604020202020204" pitchFamily="34" charset="0"/>
+                <a:cs typeface="Arial" panose="020B0604020202020204" pitchFamily="34" charset="0"/>
+              </a:rPr>
+              <a:t>that will be used to select a </a:t>
+            </a:r>
+            <a:r>
+              <a:rPr lang="en-US" b="1" dirty="0">
+                <a:latin typeface="Arial" panose="020B0604020202020204" pitchFamily="34" charset="0"/>
+                <a:cs typeface="Arial" panose="020B0604020202020204" pitchFamily="34" charset="0"/>
+              </a:rPr>
+              <a:t>sorting algorithm</a:t>
+            </a:r>
+            <a:r>
+              <a:rPr lang="en-US" dirty="0">
+                <a:latin typeface="Arial" panose="020B0604020202020204" pitchFamily="34" charset="0"/>
+                <a:cs typeface="Arial" panose="020B0604020202020204" pitchFamily="34" charset="0"/>
+              </a:rPr>
+              <a:t>. </a:t>
+            </a:r>
+          </a:p>
+          <a:p>
+            <a:pPr marL="342900" indent="-342900">
+              <a:buAutoNum type="alphaLcParenR"/>
+            </a:pPr>
+            <a:endParaRPr lang="en-US" dirty="0">
+              <a:latin typeface="Arial" panose="020B0604020202020204" pitchFamily="34" charset="0"/>
+              <a:cs typeface="Arial" panose="020B0604020202020204" pitchFamily="34" charset="0"/>
+            </a:endParaRPr>
+          </a:p>
+          <a:p>
+            <a:endParaRPr lang="en-US" dirty="0">
+              <a:latin typeface="Arial" panose="020B0604020202020204" pitchFamily="34" charset="0"/>
+              <a:cs typeface="Arial" panose="020B0604020202020204" pitchFamily="34" charset="0"/>
+            </a:endParaRPr>
+          </a:p>
+          <a:p>
+            <a:r>
+              <a:rPr lang="en-US" b="1" dirty="0">
+                <a:latin typeface="Arial" panose="020B0604020202020204" pitchFamily="34" charset="0"/>
+                <a:cs typeface="Arial" panose="020B0604020202020204" pitchFamily="34" charset="0"/>
+              </a:rPr>
+              <a:t>		./</a:t>
+            </a:r>
+            <a:r>
+              <a:rPr lang="en-US" b="1" dirty="0" err="1">
+                <a:latin typeface="Arial" panose="020B0604020202020204" pitchFamily="34" charset="0"/>
+                <a:cs typeface="Arial" panose="020B0604020202020204" pitchFamily="34" charset="0"/>
+              </a:rPr>
+              <a:t>bash_sort</a:t>
+            </a:r>
+            <a:r>
+              <a:rPr lang="en-US" b="1" dirty="0">
+                <a:latin typeface="Arial" panose="020B0604020202020204" pitchFamily="34" charset="0"/>
+                <a:cs typeface="Arial" panose="020B0604020202020204" pitchFamily="34" charset="0"/>
+              </a:rPr>
+              <a:t> –f | --filename &lt;input filename&gt; -a | --algorithm &lt;sorting algorithm&gt; [-h | --help] </a:t>
+            </a:r>
+          </a:p>
+          <a:p>
+            <a:endParaRPr lang="en-US" dirty="0">
+              <a:latin typeface="Arial" panose="020B0604020202020204" pitchFamily="34" charset="0"/>
+              <a:cs typeface="Arial" panose="020B0604020202020204" pitchFamily="34" charset="0"/>
+            </a:endParaRPr>
+          </a:p>
+          <a:p>
+            <a:endParaRPr lang="en-US" dirty="0">
+              <a:latin typeface="Arial" panose="020B0604020202020204" pitchFamily="34" charset="0"/>
+              <a:cs typeface="Arial" panose="020B0604020202020204" pitchFamily="34" charset="0"/>
+            </a:endParaRPr>
+          </a:p>
+          <a:p>
+            <a:r>
+              <a:rPr lang="en-US" dirty="0">
+                <a:latin typeface="Arial" panose="020B0604020202020204" pitchFamily="34" charset="0"/>
+                <a:cs typeface="Arial" panose="020B0604020202020204" pitchFamily="34" charset="0"/>
+              </a:rPr>
+              <a:t>	Examples:</a:t>
+            </a:r>
+          </a:p>
+          <a:p>
+            <a:endParaRPr lang="en-US" dirty="0">
+              <a:latin typeface="Arial" panose="020B0604020202020204" pitchFamily="34" charset="0"/>
+              <a:cs typeface="Arial" panose="020B0604020202020204" pitchFamily="34" charset="0"/>
+            </a:endParaRPr>
+          </a:p>
+          <a:p>
+            <a:pPr lvl="2"/>
+            <a:r>
+              <a:rPr lang="en-US" b="1" dirty="0">
+                <a:latin typeface="Arial" panose="020B0604020202020204" pitchFamily="34" charset="0"/>
+                <a:cs typeface="Arial" panose="020B0604020202020204" pitchFamily="34" charset="0"/>
+              </a:rPr>
+              <a:t>./</a:t>
+            </a:r>
+            <a:r>
+              <a:rPr lang="en-US" b="1" dirty="0" err="1">
+                <a:latin typeface="Arial" panose="020B0604020202020204" pitchFamily="34" charset="0"/>
+                <a:cs typeface="Arial" panose="020B0604020202020204" pitchFamily="34" charset="0"/>
+              </a:rPr>
+              <a:t>bash_sort</a:t>
+            </a:r>
+            <a:r>
+              <a:rPr lang="en-US" b="1" dirty="0">
+                <a:latin typeface="Arial" panose="020B0604020202020204" pitchFamily="34" charset="0"/>
+                <a:cs typeface="Arial" panose="020B0604020202020204" pitchFamily="34" charset="0"/>
+              </a:rPr>
+              <a:t> –f </a:t>
+            </a:r>
+            <a:r>
+              <a:rPr lang="en-US" b="1" dirty="0" err="1">
+                <a:latin typeface="Arial" panose="020B0604020202020204" pitchFamily="34" charset="0"/>
+                <a:cs typeface="Arial" panose="020B0604020202020204" pitchFamily="34" charset="0"/>
+              </a:rPr>
+              <a:t>input.dat</a:t>
+            </a:r>
+            <a:r>
+              <a:rPr lang="en-US" b="1" dirty="0">
+                <a:latin typeface="Arial" panose="020B0604020202020204" pitchFamily="34" charset="0"/>
+                <a:cs typeface="Arial" panose="020B0604020202020204" pitchFamily="34" charset="0"/>
+              </a:rPr>
+              <a:t> –a 1 </a:t>
+            </a:r>
+          </a:p>
+          <a:p>
+            <a:pPr lvl="2"/>
+            <a:r>
+              <a:rPr lang="en-US" dirty="0">
+                <a:latin typeface="Arial" panose="020B0604020202020204" pitchFamily="34" charset="0"/>
+                <a:cs typeface="Arial" panose="020B0604020202020204" pitchFamily="34" charset="0"/>
+              </a:rPr>
+              <a:t>or</a:t>
+            </a:r>
+          </a:p>
+          <a:p>
+            <a:pPr lvl="2"/>
+            <a:r>
+              <a:rPr lang="tr-TR" b="1" dirty="0"/>
+              <a:t>./</a:t>
+            </a:r>
+            <a:r>
+              <a:rPr lang="tr-TR" b="1" dirty="0" err="1"/>
+              <a:t>bash_sort</a:t>
+            </a:r>
+            <a:r>
+              <a:rPr lang="tr-TR" b="1" dirty="0"/>
+              <a:t> -–</a:t>
+            </a:r>
+            <a:r>
+              <a:rPr lang="tr-TR" b="1" dirty="0" err="1"/>
+              <a:t>filename</a:t>
+            </a:r>
+            <a:r>
+              <a:rPr lang="tr-TR" b="1" dirty="0"/>
+              <a:t> </a:t>
+            </a:r>
+            <a:r>
+              <a:rPr lang="tr-TR" b="1" dirty="0" err="1"/>
+              <a:t>input.dat</a:t>
+            </a:r>
+            <a:r>
+              <a:rPr lang="tr-TR" b="1" dirty="0"/>
+              <a:t> –-</a:t>
+            </a:r>
+            <a:r>
+              <a:rPr lang="tr-TR" b="1" dirty="0" err="1"/>
+              <a:t>algorithm</a:t>
+            </a:r>
+            <a:r>
+              <a:rPr lang="tr-TR" b="1" dirty="0"/>
+              <a:t> 1 </a:t>
+            </a:r>
+          </a:p>
+          <a:p>
+            <a:pPr lvl="2"/>
+            <a:r>
+              <a:rPr lang="en-US" dirty="0">
+                <a:latin typeface="Arial" panose="020B0604020202020204" pitchFamily="34" charset="0"/>
+                <a:cs typeface="Arial" panose="020B0604020202020204" pitchFamily="34" charset="0"/>
+              </a:rPr>
+              <a:t>or</a:t>
+            </a:r>
+          </a:p>
+          <a:p>
+            <a:pPr lvl="2"/>
+            <a:r>
+              <a:rPr lang="tr-TR" b="1" dirty="0"/>
+              <a:t>./</a:t>
+            </a:r>
+            <a:r>
+              <a:rPr lang="tr-TR" b="1" dirty="0" err="1"/>
+              <a:t>bash_sort</a:t>
+            </a:r>
+            <a:r>
+              <a:rPr lang="tr-TR" b="1" dirty="0"/>
+              <a:t> –h </a:t>
+            </a:r>
+          </a:p>
+          <a:p>
+            <a:pPr lvl="2"/>
+            <a:r>
+              <a:rPr lang="en-US" dirty="0">
+                <a:latin typeface="Arial" panose="020B0604020202020204" pitchFamily="34" charset="0"/>
+                <a:cs typeface="Arial" panose="020B0604020202020204" pitchFamily="34" charset="0"/>
+              </a:rPr>
+              <a:t>or</a:t>
+            </a:r>
+          </a:p>
+          <a:p>
+            <a:pPr lvl="2"/>
+            <a:r>
+              <a:rPr lang="tr-TR" b="1" dirty="0"/>
+              <a:t>./</a:t>
+            </a:r>
+            <a:r>
+              <a:rPr lang="tr-TR" b="1" dirty="0" err="1"/>
+              <a:t>bash_sort</a:t>
+            </a:r>
+            <a:r>
+              <a:rPr lang="tr-TR" b="1" dirty="0"/>
+              <a:t> –-</a:t>
+            </a:r>
+            <a:r>
+              <a:rPr lang="tr-TR" b="1" dirty="0" err="1"/>
+              <a:t>help</a:t>
+            </a:r>
+            <a:r>
+              <a:rPr lang="tr-TR" b="1" dirty="0"/>
+              <a:t> </a:t>
+            </a:r>
+          </a:p>
+          <a:p>
+            <a:endParaRPr lang="en-US" dirty="0">
+              <a:latin typeface="Arial" panose="020B0604020202020204" pitchFamily="34" charset="0"/>
+              <a:cs typeface="Arial" panose="020B0604020202020204" pitchFamily="34" charset="0"/>
+            </a:endParaRPr>
+          </a:p>
+          <a:p>
+            <a:endParaRPr lang="en-US" dirty="0">
+              <a:latin typeface="Arial" panose="020B0604020202020204" pitchFamily="34" charset="0"/>
+              <a:cs typeface="Arial" panose="020B0604020202020204" pitchFamily="34" charset="0"/>
+            </a:endParaRPr>
+          </a:p>
+          <a:p>
+            <a:endParaRPr lang="en-US" dirty="0">
+              <a:latin typeface="Arial" panose="020B0604020202020204" pitchFamily="34" charset="0"/>
+              <a:cs typeface="Arial" panose="020B0604020202020204" pitchFamily="34" charset="0"/>
+            </a:endParaRPr>
+          </a:p>
+        </p:txBody>
+      </p:sp>
+    </p:spTree>
+    <p:extLst>
+      <p:ext uri="{BB962C8B-B14F-4D97-AF65-F5344CB8AC3E}">
+        <p14:creationId xmlns:p14="http://schemas.microsoft.com/office/powerpoint/2010/main" val="3151176366"/>
+      </p:ext>
+    </p:extLst>
+  </p:cSld>
+  <p:clrMapOvr>
+    <a:masterClrMapping/>
+  </p:clrMapOvr>
+</p:sld>
+</file>
+
+<file path=ppt/slides/slide20.xml><?xml version="1.0" encoding="utf-8"?>
+<p:sld xmlns:a="http://schemas.openxmlformats.org/drawingml/2006/main" xmlns:r="http://schemas.openxmlformats.org/officeDocument/2006/relationships" xmlns:p="http://schemas.openxmlformats.org/presentationml/2006/main">
+  <p:cSld>
+    <p:spTree>
+      <p:nvGrpSpPr>
+        <p:cNvPr id="1" name=""/>
+        <p:cNvGrpSpPr/>
+        <p:nvPr/>
+      </p:nvGrpSpPr>
+      <p:grpSpPr>
+        <a:xfrm>
+          <a:off x="0" y="0"/>
+          <a:ext cx="0" cy="0"/>
+          <a:chOff x="0" y="0"/>
+          <a:chExt cx="0" cy="0"/>
+        </a:xfrm>
+      </p:grpSpPr>
+      <p:sp>
+        <p:nvSpPr>
+          <p:cNvPr id="4" name="TextBox 3">
+            <a:extLst>
+              <a:ext uri="{FF2B5EF4-FFF2-40B4-BE49-F238E27FC236}">
+                <a16:creationId xmlns:a16="http://schemas.microsoft.com/office/drawing/2014/main" id="{A6E085FE-30ED-504E-BC9A-D337F29598F5}"/>
+              </a:ext>
+            </a:extLst>
+          </p:cNvPr>
+          <p:cNvSpPr txBox="1"/>
+          <p:nvPr/>
+        </p:nvSpPr>
+        <p:spPr>
+          <a:xfrm>
+            <a:off x="736269" y="161458"/>
+            <a:ext cx="9734412" cy="830997"/>
+          </a:xfrm>
+          <a:prstGeom prst="rect">
+            <a:avLst/>
+          </a:prstGeom>
+          <a:noFill/>
+        </p:spPr>
+        <p:txBody>
+          <a:bodyPr wrap="square" rtlCol="0">
+            <a:spAutoFit/>
+          </a:bodyPr>
+          <a:lstStyle/>
+          <a:p>
+            <a:r>
+              <a:rPr lang="en-US" sz="2400" b="1" dirty="0">
+                <a:latin typeface="Arial" panose="020B0604020202020204" pitchFamily="34" charset="0"/>
+                <a:cs typeface="Arial" panose="020B0604020202020204" pitchFamily="34" charset="0"/>
+              </a:rPr>
+              <a:t>d) </a:t>
+            </a:r>
+            <a:r>
+              <a:rPr lang="tr-TR" sz="2400" b="1" dirty="0" err="1">
+                <a:latin typeface="Arial" panose="020B0604020202020204" pitchFamily="34" charset="0"/>
+                <a:cs typeface="Arial" panose="020B0604020202020204" pitchFamily="34" charset="0"/>
+              </a:rPr>
+              <a:t>Comparison</a:t>
+            </a:r>
+            <a:r>
+              <a:rPr lang="tr-TR" sz="2400" dirty="0">
+                <a:latin typeface="Arial" panose="020B0604020202020204" pitchFamily="34" charset="0"/>
+                <a:cs typeface="Arial" panose="020B0604020202020204" pitchFamily="34" charset="0"/>
+              </a:rPr>
+              <a:t> of </a:t>
+            </a:r>
+            <a:r>
+              <a:rPr lang="tr-TR" sz="2400" dirty="0" err="1">
+                <a:latin typeface="Arial" panose="020B0604020202020204" pitchFamily="34" charset="0"/>
+                <a:cs typeface="Arial" panose="020B0604020202020204" pitchFamily="34" charset="0"/>
+              </a:rPr>
+              <a:t>Sorting</a:t>
+            </a:r>
+            <a:r>
+              <a:rPr lang="tr-TR" sz="2400" dirty="0">
+                <a:latin typeface="Arial" panose="020B0604020202020204" pitchFamily="34" charset="0"/>
+                <a:cs typeface="Arial" panose="020B0604020202020204" pitchFamily="34" charset="0"/>
+              </a:rPr>
+              <a:t> </a:t>
+            </a:r>
+            <a:r>
+              <a:rPr lang="tr-TR" sz="2400" dirty="0" err="1">
+                <a:latin typeface="Arial" panose="020B0604020202020204" pitchFamily="34" charset="0"/>
+                <a:cs typeface="Arial" panose="020B0604020202020204" pitchFamily="34" charset="0"/>
+              </a:rPr>
+              <a:t>Algrorithms</a:t>
+            </a:r>
+            <a:endParaRPr lang="tr-TR" sz="2400" b="1" dirty="0">
+              <a:latin typeface="Arial" panose="020B0604020202020204" pitchFamily="34" charset="0"/>
+              <a:cs typeface="Arial" panose="020B0604020202020204" pitchFamily="34" charset="0"/>
+            </a:endParaRPr>
+          </a:p>
+          <a:p>
+            <a:endParaRPr lang="en-US" sz="2400" dirty="0">
+              <a:latin typeface="Arial" panose="020B0604020202020204" pitchFamily="34" charset="0"/>
+              <a:cs typeface="Arial" panose="020B0604020202020204" pitchFamily="34" charset="0"/>
+            </a:endParaRPr>
+          </a:p>
+        </p:txBody>
+      </p:sp>
+      <p:graphicFrame>
+        <p:nvGraphicFramePr>
+          <p:cNvPr id="2" name="Table 1">
+            <a:extLst>
+              <a:ext uri="{FF2B5EF4-FFF2-40B4-BE49-F238E27FC236}">
+                <a16:creationId xmlns:a16="http://schemas.microsoft.com/office/drawing/2014/main" id="{4191179C-AB1B-874D-8387-0895B9AA54B8}"/>
+              </a:ext>
+            </a:extLst>
+          </p:cNvPr>
+          <p:cNvGraphicFramePr>
+            <a:graphicFrameLocks noGrp="1"/>
+          </p:cNvGraphicFramePr>
+          <p:nvPr>
+            <p:extLst>
+              <p:ext uri="{D42A27DB-BD31-4B8C-83A1-F6EECF244321}">
+                <p14:modId xmlns:p14="http://schemas.microsoft.com/office/powerpoint/2010/main" val="2983978370"/>
+              </p:ext>
+            </p:extLst>
+          </p:nvPr>
+        </p:nvGraphicFramePr>
+        <p:xfrm>
+          <a:off x="531019" y="795879"/>
+          <a:ext cx="11129961" cy="5852160"/>
+        </p:xfrm>
+        <a:graphic>
+          <a:graphicData uri="http://schemas.openxmlformats.org/drawingml/2006/table">
+            <a:tbl>
+              <a:tblPr firstRow="1" bandRow="1">
+                <a:tableStyleId>{5C22544A-7EE6-4342-B048-85BDC9FD1C3A}</a:tableStyleId>
+              </a:tblPr>
+              <a:tblGrid>
+                <a:gridCol w="1854993">
+                  <a:extLst>
+                    <a:ext uri="{9D8B030D-6E8A-4147-A177-3AD203B41FA5}">
+                      <a16:colId xmlns:a16="http://schemas.microsoft.com/office/drawing/2014/main" val="3623715420"/>
+                    </a:ext>
+                  </a:extLst>
+                </a:gridCol>
+                <a:gridCol w="1854993">
+                  <a:extLst>
+                    <a:ext uri="{9D8B030D-6E8A-4147-A177-3AD203B41FA5}">
+                      <a16:colId xmlns:a16="http://schemas.microsoft.com/office/drawing/2014/main" val="3155748248"/>
+                    </a:ext>
+                  </a:extLst>
+                </a:gridCol>
+                <a:gridCol w="1854993">
+                  <a:extLst>
+                    <a:ext uri="{9D8B030D-6E8A-4147-A177-3AD203B41FA5}">
+                      <a16:colId xmlns:a16="http://schemas.microsoft.com/office/drawing/2014/main" val="3973393429"/>
+                    </a:ext>
+                  </a:extLst>
+                </a:gridCol>
+                <a:gridCol w="2325919">
+                  <a:extLst>
+                    <a:ext uri="{9D8B030D-6E8A-4147-A177-3AD203B41FA5}">
+                      <a16:colId xmlns:a16="http://schemas.microsoft.com/office/drawing/2014/main" val="2769559929"/>
+                    </a:ext>
+                  </a:extLst>
+                </a:gridCol>
+                <a:gridCol w="1683649">
+                  <a:extLst>
+                    <a:ext uri="{9D8B030D-6E8A-4147-A177-3AD203B41FA5}">
+                      <a16:colId xmlns:a16="http://schemas.microsoft.com/office/drawing/2014/main" val="4073926269"/>
+                    </a:ext>
+                  </a:extLst>
+                </a:gridCol>
+                <a:gridCol w="1555414">
+                  <a:extLst>
+                    <a:ext uri="{9D8B030D-6E8A-4147-A177-3AD203B41FA5}">
+                      <a16:colId xmlns:a16="http://schemas.microsoft.com/office/drawing/2014/main" val="1615017255"/>
+                    </a:ext>
+                  </a:extLst>
+                </a:gridCol>
+              </a:tblGrid>
+              <a:tr h="716870">
+                <a:tc>
+                  <a:txBody>
+                    <a:bodyPr/>
+                    <a:lstStyle/>
+                    <a:p>
+                      <a:pPr algn="ctr"/>
+                      <a:r>
+                        <a:rPr lang="en-US" dirty="0"/>
+                        <a:t>Sorting Algorithms</a:t>
+                      </a:r>
+                    </a:p>
+                  </a:txBody>
+                  <a:tcPr anchor="ctr"/>
+                </a:tc>
+                <a:tc>
+                  <a:txBody>
+                    <a:bodyPr/>
+                    <a:lstStyle/>
+                    <a:p>
+                      <a:pPr algn="ctr"/>
+                      <a:r>
+                        <a:rPr lang="en-US" dirty="0"/>
+                        <a:t>100 random number</a:t>
+                      </a:r>
+                    </a:p>
+                  </a:txBody>
+                  <a:tcPr anchor="ctr"/>
+                </a:tc>
+                <a:tc>
+                  <a:txBody>
+                    <a:bodyPr/>
+                    <a:lstStyle/>
+                    <a:p>
+                      <a:pPr algn="ctr"/>
+                      <a:r>
+                        <a:rPr lang="en-US" dirty="0"/>
+                        <a:t>1,000 random number</a:t>
+                      </a:r>
+                    </a:p>
+                  </a:txBody>
+                  <a:tcPr anchor="ctr"/>
+                </a:tc>
+                <a:tc>
+                  <a:txBody>
+                    <a:bodyPr/>
+                    <a:lstStyle/>
+                    <a:p>
+                      <a:pPr algn="ctr"/>
+                      <a:r>
+                        <a:rPr lang="en-US" dirty="0"/>
+                        <a:t>10,000 random number</a:t>
+                      </a:r>
+                    </a:p>
+                  </a:txBody>
+                  <a:tcPr anchor="ctr"/>
+                </a:tc>
+                <a:tc>
+                  <a:txBody>
+                    <a:bodyPr/>
+                    <a:lstStyle/>
+                    <a:p>
+                      <a:pPr algn="ctr"/>
+                      <a:r>
+                        <a:rPr lang="en-US" dirty="0"/>
+                        <a:t>100,000 random number</a:t>
+                      </a:r>
+                    </a:p>
+                  </a:txBody>
+                  <a:tcPr anchor="ctr"/>
+                </a:tc>
+                <a:tc>
+                  <a:txBody>
+                    <a:bodyPr/>
+                    <a:lstStyle/>
+                    <a:p>
+                      <a:pPr algn="ctr"/>
+                      <a:r>
+                        <a:rPr lang="en-US" dirty="0"/>
+                        <a:t>1,000,000 random number</a:t>
+                      </a:r>
+                    </a:p>
+                  </a:txBody>
+                  <a:tcPr anchor="ctr"/>
+                </a:tc>
+                <a:extLst>
+                  <a:ext uri="{0D108BD9-81ED-4DB2-BD59-A6C34878D82A}">
+                    <a16:rowId xmlns:a16="http://schemas.microsoft.com/office/drawing/2014/main" val="4130274581"/>
+                  </a:ext>
+                </a:extLst>
+              </a:tr>
+              <a:tr h="415329">
+                <a:tc>
+                  <a:txBody>
+                    <a:bodyPr/>
+                    <a:lstStyle/>
+                    <a:p>
+                      <a:pPr algn="ctr"/>
+                      <a:r>
+                        <a:rPr lang="en-US" dirty="0"/>
+                        <a:t>Insertion</a:t>
+                      </a:r>
+                    </a:p>
+                    <a:p>
+                      <a:pPr algn="ctr"/>
+                      <a:r>
+                        <a:rPr lang="el-GR" sz="1800" b="0" i="0" kern="1200" dirty="0">
+                          <a:solidFill>
+                            <a:schemeClr val="dk1"/>
+                          </a:solidFill>
+                          <a:effectLst/>
+                          <a:latin typeface="+mn-lt"/>
+                          <a:ea typeface="+mn-ea"/>
+                          <a:cs typeface="+mn-cs"/>
+                        </a:rPr>
+                        <a:t>θ</a:t>
+                      </a:r>
+                      <a:r>
+                        <a:rPr lang="en-US" dirty="0"/>
+                        <a:t>(n</a:t>
+                      </a:r>
+                      <a:r>
+                        <a:rPr lang="en-US" baseline="30000" dirty="0"/>
+                        <a:t>2</a:t>
+                      </a:r>
+                      <a:r>
+                        <a:rPr lang="en-US" dirty="0"/>
+                        <a:t>)</a:t>
+                      </a:r>
+                    </a:p>
+                  </a:txBody>
+                  <a:tcPr anchor="ctr"/>
+                </a:tc>
+                <a:tc>
+                  <a:txBody>
+                    <a:bodyPr/>
+                    <a:lstStyle/>
+                    <a:p>
+                      <a:pPr algn="ctr"/>
+                      <a:r>
+                        <a:rPr lang="en-US" dirty="0"/>
+                        <a:t>4.37 s</a:t>
+                      </a:r>
+                    </a:p>
+                  </a:txBody>
+                  <a:tcPr anchor="ctr"/>
+                </a:tc>
+                <a:tc>
+                  <a:txBody>
+                    <a:bodyPr/>
+                    <a:lstStyle/>
+                    <a:p>
+                      <a:pPr algn="ctr"/>
+                      <a:r>
+                        <a:rPr lang="en-US" dirty="0"/>
+                        <a:t>321.65 s</a:t>
+                      </a:r>
+                    </a:p>
+                  </a:txBody>
+                  <a:tcPr anchor="ctr"/>
+                </a:tc>
+                <a:tc>
+                  <a:txBody>
+                    <a:bodyPr/>
+                    <a:lstStyle/>
+                    <a:p>
+                      <a:pPr algn="ctr"/>
+                      <a:r>
+                        <a:rPr lang="en-US" dirty="0"/>
+                        <a:t>?</a:t>
+                      </a:r>
+                    </a:p>
+                  </a:txBody>
+                  <a:tcPr anchor="ctr"/>
+                </a:tc>
+                <a:tc>
+                  <a:txBody>
+                    <a:bodyPr/>
+                    <a:lstStyle/>
+                    <a:p>
+                      <a:pPr algn="ctr"/>
+                      <a:r>
+                        <a:rPr lang="en-US" dirty="0"/>
+                        <a:t>?</a:t>
+                      </a:r>
+                    </a:p>
+                  </a:txBody>
+                  <a:tcPr anchor="ctr"/>
+                </a:tc>
+                <a:tc>
+                  <a:txBody>
+                    <a:bodyPr/>
+                    <a:lstStyle/>
+                    <a:p>
+                      <a:pPr algn="ctr"/>
+                      <a:r>
+                        <a:rPr lang="en-US" dirty="0"/>
+                        <a:t>?</a:t>
+                      </a:r>
+                    </a:p>
+                  </a:txBody>
+                  <a:tcPr anchor="ctr"/>
+                </a:tc>
+                <a:extLst>
+                  <a:ext uri="{0D108BD9-81ED-4DB2-BD59-A6C34878D82A}">
+                    <a16:rowId xmlns:a16="http://schemas.microsoft.com/office/drawing/2014/main" val="1826899176"/>
+                  </a:ext>
+                </a:extLst>
+              </a:tr>
+              <a:tr h="415329">
+                <a:tc>
+                  <a:txBody>
+                    <a:bodyPr/>
+                    <a:lstStyle/>
+                    <a:p>
+                      <a:pPr algn="ctr"/>
+                      <a:r>
+                        <a:rPr lang="en-US" dirty="0"/>
+                        <a:t>Merge </a:t>
+                      </a:r>
+                    </a:p>
+                    <a:p>
+                      <a:pPr algn="ctr"/>
+                      <a:r>
+                        <a:rPr lang="el-GR" sz="1800" b="0" i="0" kern="1200" dirty="0">
+                          <a:solidFill>
+                            <a:schemeClr val="dk1"/>
+                          </a:solidFill>
+                          <a:effectLst/>
+                          <a:latin typeface="+mn-lt"/>
+                          <a:ea typeface="+mn-ea"/>
+                          <a:cs typeface="+mn-cs"/>
+                        </a:rPr>
+                        <a:t>θ(</a:t>
+                      </a:r>
+                      <a:r>
+                        <a:rPr lang="tr-TR" sz="1800" b="0" i="0" kern="1200" dirty="0">
+                          <a:solidFill>
+                            <a:schemeClr val="dk1"/>
+                          </a:solidFill>
+                          <a:effectLst/>
+                          <a:latin typeface="+mn-lt"/>
+                          <a:ea typeface="+mn-ea"/>
+                          <a:cs typeface="+mn-cs"/>
+                        </a:rPr>
+                        <a:t>n </a:t>
+                      </a:r>
+                      <a:r>
+                        <a:rPr lang="tr-TR" sz="1800" b="0" i="0" kern="1200" dirty="0" err="1">
+                          <a:solidFill>
+                            <a:schemeClr val="dk1"/>
+                          </a:solidFill>
+                          <a:effectLst/>
+                          <a:latin typeface="+mn-lt"/>
+                          <a:ea typeface="+mn-ea"/>
+                          <a:cs typeface="+mn-cs"/>
+                        </a:rPr>
+                        <a:t>log</a:t>
+                      </a:r>
+                      <a:r>
+                        <a:rPr lang="tr-TR" sz="1800" b="0" i="0" kern="1200" dirty="0">
+                          <a:solidFill>
+                            <a:schemeClr val="dk1"/>
+                          </a:solidFill>
+                          <a:effectLst/>
+                          <a:latin typeface="+mn-lt"/>
+                          <a:ea typeface="+mn-ea"/>
+                          <a:cs typeface="+mn-cs"/>
+                        </a:rPr>
+                        <a:t>(n))</a:t>
+                      </a:r>
+                      <a:endParaRPr lang="en-US" dirty="0"/>
+                    </a:p>
+                  </a:txBody>
+                  <a:tcPr anchor="ctr"/>
+                </a:tc>
+                <a:tc>
+                  <a:txBody>
+                    <a:bodyPr/>
+                    <a:lstStyle/>
+                    <a:p>
+                      <a:pPr algn="ctr"/>
+                      <a:r>
+                        <a:rPr lang="en-US" dirty="0"/>
+                        <a:t>1.10 s</a:t>
+                      </a:r>
+                    </a:p>
+                  </a:txBody>
+                  <a:tcPr anchor="ctr"/>
+                </a:tc>
+                <a:tc>
+                  <a:txBody>
+                    <a:bodyPr/>
+                    <a:lstStyle/>
+                    <a:p>
+                      <a:pPr algn="ctr"/>
+                      <a:r>
+                        <a:rPr lang="en-US" dirty="0"/>
+                        <a:t>17.14 s</a:t>
+                      </a:r>
+                    </a:p>
+                  </a:txBody>
+                  <a:tcPr anchor="ctr"/>
+                </a:tc>
+                <a:tc>
+                  <a:txBody>
+                    <a:bodyPr/>
+                    <a:lstStyle/>
+                    <a:p>
+                      <a:pPr algn="ctr"/>
+                      <a:r>
+                        <a:rPr lang="en-US" dirty="0"/>
+                        <a:t>499.12 s</a:t>
+                      </a:r>
+                    </a:p>
+                  </a:txBody>
+                  <a:tcPr anchor="ctr"/>
+                </a:tc>
+                <a:tc>
+                  <a:txBody>
+                    <a:bodyPr/>
+                    <a:lstStyle/>
+                    <a:p>
+                      <a:pPr algn="ctr"/>
+                      <a:r>
+                        <a:rPr lang="en-US" dirty="0"/>
+                        <a:t>?</a:t>
+                      </a:r>
+                    </a:p>
+                  </a:txBody>
+                  <a:tcPr anchor="ctr"/>
+                </a:tc>
+                <a:tc>
+                  <a:txBody>
+                    <a:bodyPr/>
+                    <a:lstStyle/>
+                    <a:p>
+                      <a:pPr algn="ctr"/>
+                      <a:r>
+                        <a:rPr lang="en-US" dirty="0"/>
+                        <a:t>?</a:t>
+                      </a:r>
+                    </a:p>
+                  </a:txBody>
+                  <a:tcPr anchor="ctr"/>
+                </a:tc>
+                <a:extLst>
+                  <a:ext uri="{0D108BD9-81ED-4DB2-BD59-A6C34878D82A}">
+                    <a16:rowId xmlns:a16="http://schemas.microsoft.com/office/drawing/2014/main" val="1300682914"/>
+                  </a:ext>
+                </a:extLst>
+              </a:tr>
+              <a:tr h="415329">
+                <a:tc>
+                  <a:txBody>
+                    <a:bodyPr/>
+                    <a:lstStyle/>
+                    <a:p>
+                      <a:pPr algn="ctr"/>
+                      <a:r>
+                        <a:rPr lang="en-US" dirty="0"/>
+                        <a:t>Heap</a:t>
+                      </a:r>
+                    </a:p>
+                    <a:p>
+                      <a:pPr algn="ctr"/>
+                      <a:r>
+                        <a:rPr lang="el-GR" sz="1800" b="0" i="0" kern="1200" dirty="0">
+                          <a:solidFill>
+                            <a:schemeClr val="dk1"/>
+                          </a:solidFill>
+                          <a:effectLst/>
+                          <a:latin typeface="+mn-lt"/>
+                          <a:ea typeface="+mn-ea"/>
+                          <a:cs typeface="+mn-cs"/>
+                        </a:rPr>
+                        <a:t>θ(</a:t>
+                      </a:r>
+                      <a:r>
+                        <a:rPr lang="tr-TR" sz="1800" b="0" i="0" kern="1200" dirty="0">
+                          <a:solidFill>
+                            <a:schemeClr val="dk1"/>
+                          </a:solidFill>
+                          <a:effectLst/>
+                          <a:latin typeface="+mn-lt"/>
+                          <a:ea typeface="+mn-ea"/>
+                          <a:cs typeface="+mn-cs"/>
+                        </a:rPr>
+                        <a:t>n </a:t>
+                      </a:r>
+                      <a:r>
+                        <a:rPr lang="tr-TR" sz="1800" b="0" i="0" kern="1200" dirty="0" err="1">
+                          <a:solidFill>
+                            <a:schemeClr val="dk1"/>
+                          </a:solidFill>
+                          <a:effectLst/>
+                          <a:latin typeface="+mn-lt"/>
+                          <a:ea typeface="+mn-ea"/>
+                          <a:cs typeface="+mn-cs"/>
+                        </a:rPr>
+                        <a:t>log</a:t>
+                      </a:r>
+                      <a:r>
+                        <a:rPr lang="tr-TR" sz="1800" b="0" i="0" kern="1200" dirty="0">
+                          <a:solidFill>
+                            <a:schemeClr val="dk1"/>
+                          </a:solidFill>
+                          <a:effectLst/>
+                          <a:latin typeface="+mn-lt"/>
+                          <a:ea typeface="+mn-ea"/>
+                          <a:cs typeface="+mn-cs"/>
+                        </a:rPr>
+                        <a:t>(n))</a:t>
+                      </a:r>
+                      <a:endParaRPr lang="en-US" dirty="0"/>
+                    </a:p>
+                  </a:txBody>
+                  <a:tcPr anchor="ctr"/>
+                </a:tc>
+                <a:tc>
+                  <a:txBody>
+                    <a:bodyPr/>
+                    <a:lstStyle/>
+                    <a:p>
+                      <a:pPr algn="ctr"/>
+                      <a:r>
+                        <a:rPr lang="en-US" dirty="0"/>
+                        <a:t>1.57 s</a:t>
+                      </a:r>
+                    </a:p>
+                  </a:txBody>
+                  <a:tcPr anchor="ctr"/>
+                </a:tc>
+                <a:tc>
+                  <a:txBody>
+                    <a:bodyPr/>
+                    <a:lstStyle/>
+                    <a:p>
+                      <a:pPr algn="ctr"/>
+                      <a:r>
+                        <a:rPr lang="en-US" dirty="0"/>
+                        <a:t>25.85 s</a:t>
+                      </a:r>
+                    </a:p>
+                  </a:txBody>
+                  <a:tcPr anchor="ctr"/>
+                </a:tc>
+                <a:tc>
+                  <a:txBody>
+                    <a:bodyPr/>
+                    <a:lstStyle/>
+                    <a:p>
+                      <a:pPr algn="ctr"/>
+                      <a:r>
+                        <a:rPr lang="en-US" dirty="0"/>
+                        <a:t>445.94 s</a:t>
+                      </a:r>
+                    </a:p>
+                  </a:txBody>
+                  <a:tcPr anchor="ctr"/>
+                </a:tc>
+                <a:tc>
+                  <a:txBody>
+                    <a:bodyPr/>
+                    <a:lstStyle/>
+                    <a:p>
+                      <a:pPr algn="ctr"/>
+                      <a:r>
+                        <a:rPr lang="en-US" dirty="0"/>
+                        <a:t>?</a:t>
+                      </a:r>
+                    </a:p>
+                  </a:txBody>
+                  <a:tcPr anchor="ctr"/>
+                </a:tc>
+                <a:tc>
+                  <a:txBody>
+                    <a:bodyPr/>
+                    <a:lstStyle/>
+                    <a:p>
+                      <a:pPr algn="ctr"/>
+                      <a:r>
+                        <a:rPr lang="en-US" dirty="0"/>
+                        <a:t>?</a:t>
+                      </a:r>
+                    </a:p>
+                  </a:txBody>
+                  <a:tcPr anchor="ctr"/>
+                </a:tc>
+                <a:extLst>
+                  <a:ext uri="{0D108BD9-81ED-4DB2-BD59-A6C34878D82A}">
+                    <a16:rowId xmlns:a16="http://schemas.microsoft.com/office/drawing/2014/main" val="2209356098"/>
+                  </a:ext>
+                </a:extLst>
+              </a:tr>
+              <a:tr h="415329">
+                <a:tc>
+                  <a:txBody>
+                    <a:bodyPr/>
+                    <a:lstStyle/>
+                    <a:p>
+                      <a:pPr algn="ctr"/>
+                      <a:r>
+                        <a:rPr lang="en-US" dirty="0"/>
+                        <a:t>Quick</a:t>
+                      </a:r>
+                    </a:p>
+                    <a:p>
+                      <a:pPr algn="ctr"/>
+                      <a:r>
+                        <a:rPr lang="el-GR" sz="1800" b="0" i="0" kern="1200" dirty="0">
+                          <a:solidFill>
+                            <a:schemeClr val="dk1"/>
+                          </a:solidFill>
+                          <a:effectLst/>
+                          <a:latin typeface="+mn-lt"/>
+                          <a:ea typeface="+mn-ea"/>
+                          <a:cs typeface="+mn-cs"/>
+                        </a:rPr>
+                        <a:t>θ(</a:t>
+                      </a:r>
+                      <a:r>
+                        <a:rPr lang="tr-TR" sz="1800" b="0" i="0" kern="1200" dirty="0">
+                          <a:solidFill>
+                            <a:schemeClr val="dk1"/>
+                          </a:solidFill>
+                          <a:effectLst/>
+                          <a:latin typeface="+mn-lt"/>
+                          <a:ea typeface="+mn-ea"/>
+                          <a:cs typeface="+mn-cs"/>
+                        </a:rPr>
+                        <a:t>n </a:t>
+                      </a:r>
+                      <a:r>
+                        <a:rPr lang="tr-TR" sz="1800" b="0" i="0" kern="1200" dirty="0" err="1">
+                          <a:solidFill>
+                            <a:schemeClr val="dk1"/>
+                          </a:solidFill>
+                          <a:effectLst/>
+                          <a:latin typeface="+mn-lt"/>
+                          <a:ea typeface="+mn-ea"/>
+                          <a:cs typeface="+mn-cs"/>
+                        </a:rPr>
+                        <a:t>log</a:t>
+                      </a:r>
+                      <a:r>
+                        <a:rPr lang="tr-TR" sz="1800" b="0" i="0" kern="1200" dirty="0">
+                          <a:solidFill>
+                            <a:schemeClr val="dk1"/>
+                          </a:solidFill>
+                          <a:effectLst/>
+                          <a:latin typeface="+mn-lt"/>
+                          <a:ea typeface="+mn-ea"/>
+                          <a:cs typeface="+mn-cs"/>
+                        </a:rPr>
+                        <a:t>(n)) (</a:t>
+                      </a:r>
+                      <a:r>
+                        <a:rPr lang="tr-TR" sz="1800" b="0" i="0" kern="1200" dirty="0" err="1">
+                          <a:solidFill>
+                            <a:schemeClr val="dk1"/>
+                          </a:solidFill>
+                          <a:effectLst/>
+                          <a:latin typeface="+mn-lt"/>
+                          <a:ea typeface="+mn-ea"/>
+                          <a:cs typeface="+mn-cs"/>
+                        </a:rPr>
+                        <a:t>expected</a:t>
+                      </a:r>
+                      <a:r>
+                        <a:rPr lang="tr-TR" sz="1800" b="0" i="0" kern="1200" dirty="0">
+                          <a:solidFill>
+                            <a:schemeClr val="dk1"/>
+                          </a:solidFill>
+                          <a:effectLst/>
+                          <a:latin typeface="+mn-lt"/>
+                          <a:ea typeface="+mn-ea"/>
+                          <a:cs typeface="+mn-cs"/>
+                        </a:rPr>
+                        <a:t>)</a:t>
+                      </a:r>
+                      <a:endParaRPr lang="en-US" dirty="0"/>
+                    </a:p>
+                  </a:txBody>
+                  <a:tcPr anchor="ctr"/>
+                </a:tc>
+                <a:tc>
+                  <a:txBody>
+                    <a:bodyPr/>
+                    <a:lstStyle/>
+                    <a:p>
+                      <a:pPr algn="ctr"/>
+                      <a:r>
+                        <a:rPr lang="en-US" dirty="0"/>
+                        <a:t>1.09 s</a:t>
+                      </a:r>
+                    </a:p>
+                  </a:txBody>
+                  <a:tcPr anchor="ctr"/>
+                </a:tc>
+                <a:tc>
+                  <a:txBody>
+                    <a:bodyPr/>
+                    <a:lstStyle/>
+                    <a:p>
+                      <a:pPr algn="ctr"/>
+                      <a:r>
+                        <a:rPr lang="en-US" dirty="0"/>
+                        <a:t>22.83 s</a:t>
+                      </a:r>
+                    </a:p>
+                  </a:txBody>
+                  <a:tcPr anchor="ctr"/>
+                </a:tc>
+                <a:tc>
+                  <a:txBody>
+                    <a:bodyPr/>
+                    <a:lstStyle/>
+                    <a:p>
+                      <a:pPr algn="ctr"/>
+                      <a:r>
+                        <a:rPr lang="en-US" dirty="0"/>
+                        <a:t>1330.10 s</a:t>
+                      </a:r>
+                    </a:p>
+                  </a:txBody>
+                  <a:tcPr anchor="ctr"/>
+                </a:tc>
+                <a:tc>
+                  <a:txBody>
+                    <a:bodyPr/>
+                    <a:lstStyle/>
+                    <a:p>
+                      <a:pPr algn="ctr"/>
+                      <a:r>
+                        <a:rPr lang="en-US" dirty="0"/>
+                        <a:t>?</a:t>
+                      </a:r>
+                    </a:p>
+                  </a:txBody>
+                  <a:tcPr anchor="ctr"/>
+                </a:tc>
+                <a:tc>
+                  <a:txBody>
+                    <a:bodyPr/>
+                    <a:lstStyle/>
+                    <a:p>
+                      <a:pPr algn="ctr"/>
+                      <a:r>
+                        <a:rPr lang="en-US" dirty="0"/>
+                        <a:t>?</a:t>
+                      </a:r>
+                    </a:p>
+                  </a:txBody>
+                  <a:tcPr anchor="ctr"/>
+                </a:tc>
+                <a:extLst>
+                  <a:ext uri="{0D108BD9-81ED-4DB2-BD59-A6C34878D82A}">
+                    <a16:rowId xmlns:a16="http://schemas.microsoft.com/office/drawing/2014/main" val="2842521598"/>
+                  </a:ext>
+                </a:extLst>
+              </a:tr>
+              <a:tr h="415329">
+                <a:tc>
+                  <a:txBody>
+                    <a:bodyPr/>
+                    <a:lstStyle/>
+                    <a:p>
+                      <a:pPr algn="ctr"/>
+                      <a:r>
+                        <a:rPr lang="en-US" dirty="0"/>
+                        <a:t>Counting </a:t>
+                      </a:r>
+                    </a:p>
+                    <a:p>
+                      <a:pPr algn="ctr"/>
+                      <a:r>
+                        <a:rPr lang="en-US" dirty="0"/>
+                        <a:t>(range: 0-1000)</a:t>
+                      </a:r>
+                    </a:p>
+                    <a:p>
+                      <a:pPr algn="ctr"/>
+                      <a:r>
+                        <a:rPr lang="el-GR" sz="1800" b="0" i="0" kern="1200" dirty="0">
+                          <a:solidFill>
+                            <a:schemeClr val="dk1"/>
+                          </a:solidFill>
+                          <a:effectLst/>
+                          <a:latin typeface="+mn-lt"/>
+                          <a:ea typeface="+mn-ea"/>
+                          <a:cs typeface="+mn-cs"/>
+                        </a:rPr>
+                        <a:t>θ</a:t>
+                      </a:r>
+                      <a:r>
+                        <a:rPr lang="tr-TR" sz="1800" b="0" i="0" kern="1200" dirty="0">
+                          <a:solidFill>
+                            <a:schemeClr val="dk1"/>
+                          </a:solidFill>
+                          <a:effectLst/>
+                          <a:latin typeface="+mn-lt"/>
+                          <a:ea typeface="+mn-ea"/>
+                          <a:cs typeface="+mn-cs"/>
+                        </a:rPr>
+                        <a:t>(</a:t>
+                      </a:r>
+                      <a:r>
+                        <a:rPr lang="tr-TR" sz="1800" b="0" i="0" kern="1200" dirty="0" err="1">
+                          <a:solidFill>
+                            <a:schemeClr val="dk1"/>
+                          </a:solidFill>
+                          <a:effectLst/>
+                          <a:latin typeface="+mn-lt"/>
+                          <a:ea typeface="+mn-ea"/>
+                          <a:cs typeface="+mn-cs"/>
+                        </a:rPr>
+                        <a:t>n+k</a:t>
+                      </a:r>
+                      <a:r>
+                        <a:rPr lang="tr-TR" sz="1800" b="0" i="0" kern="1200" dirty="0">
+                          <a:solidFill>
+                            <a:schemeClr val="dk1"/>
+                          </a:solidFill>
+                          <a:effectLst/>
+                          <a:latin typeface="+mn-lt"/>
+                          <a:ea typeface="+mn-ea"/>
+                          <a:cs typeface="+mn-cs"/>
+                        </a:rPr>
+                        <a:t>)</a:t>
+                      </a:r>
+                    </a:p>
+                  </a:txBody>
+                  <a:tcPr anchor="ctr"/>
+                </a:tc>
+                <a:tc>
+                  <a:txBody>
+                    <a:bodyPr/>
+                    <a:lstStyle/>
+                    <a:p>
+                      <a:pPr algn="ctr"/>
+                      <a:r>
+                        <a:rPr lang="en-US" dirty="0"/>
+                        <a:t>.04 s</a:t>
+                      </a:r>
+                    </a:p>
+                  </a:txBody>
+                  <a:tcPr anchor="ctr"/>
+                </a:tc>
+                <a:tc>
+                  <a:txBody>
+                    <a:bodyPr/>
+                    <a:lstStyle/>
+                    <a:p>
+                      <a:pPr algn="ctr"/>
+                      <a:r>
+                        <a:rPr lang="en-US" dirty="0"/>
+                        <a:t>.08 s</a:t>
+                      </a:r>
+                    </a:p>
+                  </a:txBody>
+                  <a:tcPr anchor="ctr"/>
+                </a:tc>
+                <a:tc>
+                  <a:txBody>
+                    <a:bodyPr/>
+                    <a:lstStyle/>
+                    <a:p>
+                      <a:pPr algn="ctr"/>
+                      <a:r>
+                        <a:rPr lang="en-US" dirty="0"/>
+                        <a:t>.98 s</a:t>
+                      </a:r>
+                    </a:p>
+                  </a:txBody>
+                  <a:tcPr anchor="ctr"/>
+                </a:tc>
+                <a:tc>
+                  <a:txBody>
+                    <a:bodyPr/>
+                    <a:lstStyle/>
+                    <a:p>
+                      <a:pPr algn="ctr"/>
+                      <a:r>
+                        <a:rPr lang="en-US" dirty="0"/>
+                        <a:t>41.76 s</a:t>
+                      </a:r>
+                    </a:p>
+                  </a:txBody>
+                  <a:tcPr anchor="ctr"/>
+                </a:tc>
+                <a:tc>
+                  <a:txBody>
+                    <a:bodyPr/>
+                    <a:lstStyle/>
+                    <a:p>
+                      <a:pPr algn="ctr"/>
+                      <a:r>
+                        <a:rPr lang="en-US" dirty="0"/>
+                        <a:t>?</a:t>
+                      </a:r>
+                    </a:p>
+                  </a:txBody>
+                  <a:tcPr anchor="ctr"/>
+                </a:tc>
+                <a:extLst>
+                  <a:ext uri="{0D108BD9-81ED-4DB2-BD59-A6C34878D82A}">
+                    <a16:rowId xmlns:a16="http://schemas.microsoft.com/office/drawing/2014/main" val="1541326858"/>
+                  </a:ext>
+                </a:extLst>
+              </a:tr>
+              <a:tr h="415329">
+                <a:tc>
+                  <a:txBody>
+                    <a:bodyPr/>
+                    <a:lstStyle/>
+                    <a:p>
+                      <a:pPr algn="ctr"/>
+                      <a:r>
+                        <a:rPr lang="en-US" dirty="0"/>
+                        <a:t>Bucket</a:t>
+                      </a:r>
+                    </a:p>
+                    <a:p>
+                      <a:pPr algn="ctr"/>
+                      <a:r>
+                        <a:rPr lang="en-US" dirty="0"/>
+                        <a:t>(100 bucket)</a:t>
+                      </a:r>
+                    </a:p>
+                    <a:p>
+                      <a:pPr marL="0" marR="0" indent="0" algn="ctr" defTabSz="914400" rtl="0" eaLnBrk="1" fontAlgn="auto" latinLnBrk="0" hangingPunct="1">
+                        <a:lnSpc>
+                          <a:spcPct val="100000"/>
+                        </a:lnSpc>
+                        <a:spcBef>
+                          <a:spcPts val="0"/>
+                        </a:spcBef>
+                        <a:spcAft>
+                          <a:spcPts val="0"/>
+                        </a:spcAft>
+                        <a:buClrTx/>
+                        <a:buSzTx/>
+                        <a:buFontTx/>
+                        <a:buNone/>
+                        <a:tabLst/>
+                        <a:defRPr/>
+                      </a:pPr>
+                      <a:r>
+                        <a:rPr lang="el-GR" sz="1800" b="0" i="0" kern="1200" dirty="0">
+                          <a:solidFill>
+                            <a:schemeClr val="dk1"/>
+                          </a:solidFill>
+                          <a:effectLst/>
+                          <a:latin typeface="+mn-lt"/>
+                          <a:ea typeface="+mn-ea"/>
+                          <a:cs typeface="+mn-cs"/>
+                        </a:rPr>
+                        <a:t>θ</a:t>
+                      </a:r>
+                      <a:r>
+                        <a:rPr lang="tr-TR" sz="1800" b="0" i="0" kern="1200" dirty="0">
+                          <a:solidFill>
+                            <a:schemeClr val="dk1"/>
+                          </a:solidFill>
+                          <a:effectLst/>
+                          <a:latin typeface="+mn-lt"/>
+                          <a:ea typeface="+mn-ea"/>
+                          <a:cs typeface="+mn-cs"/>
+                        </a:rPr>
+                        <a:t>(n)</a:t>
+                      </a:r>
+                    </a:p>
+                    <a:p>
+                      <a:pPr marL="0" marR="0" lvl="0" indent="0" algn="ctr" defTabSz="914400" rtl="0" eaLnBrk="1" fontAlgn="auto" latinLnBrk="0" hangingPunct="1">
+                        <a:lnSpc>
+                          <a:spcPct val="100000"/>
+                        </a:lnSpc>
+                        <a:spcBef>
+                          <a:spcPts val="0"/>
+                        </a:spcBef>
+                        <a:spcAft>
+                          <a:spcPts val="0"/>
+                        </a:spcAft>
+                        <a:buClrTx/>
+                        <a:buSzTx/>
+                        <a:buFontTx/>
+                        <a:buNone/>
+                        <a:tabLst/>
+                        <a:defRPr/>
+                      </a:pPr>
+                      <a:r>
+                        <a:rPr lang="tr-TR" sz="1800" kern="1200" dirty="0">
+                          <a:solidFill>
+                            <a:schemeClr val="dk1"/>
+                          </a:solidFill>
+                          <a:effectLst/>
+                          <a:latin typeface="+mn-lt"/>
+                          <a:ea typeface="+mn-ea"/>
+                          <a:cs typeface="+mn-cs"/>
+                        </a:rPr>
+                        <a:t>(</a:t>
+                      </a:r>
+                      <a:r>
+                        <a:rPr lang="tr-TR" sz="1800" kern="1200" dirty="0" err="1">
+                          <a:solidFill>
+                            <a:schemeClr val="dk1"/>
+                          </a:solidFill>
+                          <a:effectLst/>
+                          <a:latin typeface="+mn-lt"/>
+                          <a:ea typeface="+mn-ea"/>
+                          <a:cs typeface="+mn-cs"/>
+                        </a:rPr>
+                        <a:t>average-case</a:t>
+                      </a:r>
+                      <a:r>
+                        <a:rPr lang="tr-TR" sz="1800" kern="1200" dirty="0">
+                          <a:solidFill>
+                            <a:schemeClr val="dk1"/>
+                          </a:solidFill>
+                          <a:effectLst/>
+                          <a:latin typeface="+mn-lt"/>
+                          <a:ea typeface="+mn-ea"/>
+                          <a:cs typeface="+mn-cs"/>
+                        </a:rPr>
+                        <a:t>) </a:t>
+                      </a:r>
+                      <a:endParaRPr lang="tr-TR" dirty="0"/>
+                    </a:p>
+                  </a:txBody>
+                  <a:tcPr anchor="ctr"/>
+                </a:tc>
+                <a:tc>
+                  <a:txBody>
+                    <a:bodyPr/>
+                    <a:lstStyle/>
+                    <a:p>
+                      <a:pPr algn="ctr"/>
+                      <a:r>
+                        <a:rPr lang="en-US" dirty="0"/>
+                        <a:t>1.93 s</a:t>
+                      </a:r>
+                    </a:p>
+                  </a:txBody>
+                  <a:tcPr anchor="ctr"/>
+                </a:tc>
+                <a:tc>
+                  <a:txBody>
+                    <a:bodyPr/>
+                    <a:lstStyle/>
+                    <a:p>
+                      <a:pPr algn="ctr"/>
+                      <a:r>
+                        <a:rPr lang="en-US" dirty="0"/>
+                        <a:t>4.77 s</a:t>
+                      </a:r>
+                    </a:p>
+                  </a:txBody>
+                  <a:tcPr anchor="ctr"/>
+                </a:tc>
+                <a:tc>
+                  <a:txBody>
+                    <a:bodyPr/>
+                    <a:lstStyle/>
+                    <a:p>
+                      <a:pPr algn="ctr"/>
+                      <a:r>
+                        <a:rPr lang="en-US" dirty="0"/>
+                        <a:t>85.46 s</a:t>
+                      </a:r>
+                    </a:p>
+                  </a:txBody>
+                  <a:tcPr anchor="ctr"/>
+                </a:tc>
+                <a:tc>
+                  <a:txBody>
+                    <a:bodyPr/>
+                    <a:lstStyle/>
+                    <a:p>
+                      <a:pPr algn="ctr"/>
+                      <a:r>
+                        <a:rPr lang="en-US" dirty="0"/>
+                        <a:t>12024.37 s</a:t>
+                      </a:r>
+                    </a:p>
+                  </a:txBody>
+                  <a:tcPr anchor="ctr"/>
+                </a:tc>
+                <a:tc>
+                  <a:txBody>
+                    <a:bodyPr/>
+                    <a:lstStyle/>
+                    <a:p>
+                      <a:pPr algn="ctr"/>
+                      <a:r>
+                        <a:rPr lang="en-US" dirty="0"/>
+                        <a:t>?</a:t>
+                      </a:r>
+                    </a:p>
+                  </a:txBody>
+                  <a:tcPr anchor="ctr"/>
+                </a:tc>
+                <a:extLst>
+                  <a:ext uri="{0D108BD9-81ED-4DB2-BD59-A6C34878D82A}">
+                    <a16:rowId xmlns:a16="http://schemas.microsoft.com/office/drawing/2014/main" val="2437603463"/>
+                  </a:ext>
+                </a:extLst>
+              </a:tr>
+            </a:tbl>
+          </a:graphicData>
+        </a:graphic>
+      </p:graphicFrame>
+    </p:spTree>
+    <p:extLst>
+      <p:ext uri="{BB962C8B-B14F-4D97-AF65-F5344CB8AC3E}">
+        <p14:creationId xmlns:p14="http://schemas.microsoft.com/office/powerpoint/2010/main" val="902200213"/>
+      </p:ext>
+    </p:extLst>
+  </p:cSld>
+  <p:clrMapOvr>
+    <a:masterClrMapping/>
+  </p:clrMapOvr>
+</p:sld>
+</file>
+
+<file path=ppt/slides/slide21.xml><?xml version="1.0" encoding="utf-8"?>
+<p:sld xmlns:a="http://schemas.openxmlformats.org/drawingml/2006/main" xmlns:r="http://schemas.openxmlformats.org/officeDocument/2006/relationships" xmlns:p="http://schemas.openxmlformats.org/presentationml/2006/main">
+  <p:cSld>
+    <p:spTree>
+      <p:nvGrpSpPr>
+        <p:cNvPr id="1" name=""/>
+        <p:cNvGrpSpPr/>
+        <p:nvPr/>
+      </p:nvGrpSpPr>
+      <p:grpSpPr>
+        <a:xfrm>
+          <a:off x="0" y="0"/>
+          <a:ext cx="0" cy="0"/>
+          <a:chOff x="0" y="0"/>
+          <a:chExt cx="0" cy="0"/>
+        </a:xfrm>
+      </p:grpSpPr>
+      <p:sp>
+        <p:nvSpPr>
+          <p:cNvPr id="4" name="TextBox 3">
+            <a:extLst>
+              <a:ext uri="{FF2B5EF4-FFF2-40B4-BE49-F238E27FC236}">
+                <a16:creationId xmlns:a16="http://schemas.microsoft.com/office/drawing/2014/main" id="{A6E085FE-30ED-504E-BC9A-D337F29598F5}"/>
+              </a:ext>
+            </a:extLst>
+          </p:cNvPr>
+          <p:cNvSpPr txBox="1"/>
+          <p:nvPr/>
+        </p:nvSpPr>
+        <p:spPr>
+          <a:xfrm>
+            <a:off x="736269" y="161458"/>
+            <a:ext cx="9734412" cy="830997"/>
+          </a:xfrm>
+          <a:prstGeom prst="rect">
+            <a:avLst/>
+          </a:prstGeom>
+          <a:noFill/>
+        </p:spPr>
+        <p:txBody>
+          <a:bodyPr wrap="square" rtlCol="0">
+            <a:spAutoFit/>
+          </a:bodyPr>
+          <a:lstStyle/>
+          <a:p>
+            <a:r>
+              <a:rPr lang="en-US" sz="2400" b="1" dirty="0">
+                <a:latin typeface="Arial" panose="020B0604020202020204" pitchFamily="34" charset="0"/>
+                <a:cs typeface="Arial" panose="020B0604020202020204" pitchFamily="34" charset="0"/>
+              </a:rPr>
+              <a:t>e) </a:t>
+            </a:r>
+            <a:r>
+              <a:rPr lang="tr-TR" sz="2400" b="1" dirty="0" err="1">
+                <a:latin typeface="Arial" panose="020B0604020202020204" pitchFamily="34" charset="0"/>
+                <a:cs typeface="Arial" panose="020B0604020202020204" pitchFamily="34" charset="0"/>
+              </a:rPr>
+              <a:t>Sorting</a:t>
+            </a:r>
+            <a:r>
+              <a:rPr lang="tr-TR" sz="2400" b="1" dirty="0">
+                <a:latin typeface="Arial" panose="020B0604020202020204" pitchFamily="34" charset="0"/>
+                <a:cs typeface="Arial" panose="020B0604020202020204" pitchFamily="34" charset="0"/>
+              </a:rPr>
+              <a:t> </a:t>
+            </a:r>
+            <a:r>
+              <a:rPr lang="tr-TR" sz="2400" b="1" dirty="0" err="1">
+                <a:latin typeface="Arial" panose="020B0604020202020204" pitchFamily="34" charset="0"/>
+                <a:cs typeface="Arial" panose="020B0604020202020204" pitchFamily="34" charset="0"/>
+              </a:rPr>
+              <a:t>Algrorithms</a:t>
+            </a:r>
+            <a:r>
+              <a:rPr lang="tr-TR" sz="2400" b="1" dirty="0">
+                <a:latin typeface="Arial" panose="020B0604020202020204" pitchFamily="34" charset="0"/>
+                <a:cs typeface="Arial" panose="020B0604020202020204" pitchFamily="34" charset="0"/>
+              </a:rPr>
+              <a:t> </a:t>
+            </a:r>
+            <a:r>
+              <a:rPr lang="tr-TR" sz="2400" dirty="0" err="1">
+                <a:latin typeface="Arial" panose="020B0604020202020204" pitchFamily="34" charset="0"/>
+                <a:cs typeface="Arial" panose="020B0604020202020204" pitchFamily="34" charset="0"/>
+              </a:rPr>
+              <a:t>vs</a:t>
+            </a:r>
+            <a:r>
+              <a:rPr lang="tr-TR" sz="2400" dirty="0">
+                <a:latin typeface="Arial" panose="020B0604020202020204" pitchFamily="34" charset="0"/>
+                <a:cs typeface="Arial" panose="020B0604020202020204" pitchFamily="34" charset="0"/>
+              </a:rPr>
+              <a:t> </a:t>
+            </a:r>
+            <a:r>
+              <a:rPr lang="tr-TR" sz="2400" b="1" dirty="0" err="1">
+                <a:latin typeface="Arial" panose="020B0604020202020204" pitchFamily="34" charset="0"/>
+                <a:cs typeface="Arial" panose="020B0604020202020204" pitchFamily="34" charset="0"/>
+              </a:rPr>
+              <a:t>Sort</a:t>
+            </a:r>
+            <a:r>
+              <a:rPr lang="tr-TR" sz="2400" b="1" dirty="0">
+                <a:latin typeface="Arial" panose="020B0604020202020204" pitchFamily="34" charset="0"/>
+                <a:cs typeface="Arial" panose="020B0604020202020204" pitchFamily="34" charset="0"/>
+              </a:rPr>
+              <a:t> </a:t>
+            </a:r>
+            <a:r>
+              <a:rPr lang="tr-TR" sz="2400" b="1" dirty="0" err="1">
+                <a:latin typeface="Arial" panose="020B0604020202020204" pitchFamily="34" charset="0"/>
+                <a:cs typeface="Arial" panose="020B0604020202020204" pitchFamily="34" charset="0"/>
+              </a:rPr>
+              <a:t>command</a:t>
+            </a:r>
+            <a:r>
+              <a:rPr lang="tr-TR" sz="2400" b="1" dirty="0">
+                <a:latin typeface="Arial" panose="020B0604020202020204" pitchFamily="34" charset="0"/>
+                <a:cs typeface="Arial" panose="020B0604020202020204" pitchFamily="34" charset="0"/>
+              </a:rPr>
+              <a:t> in Linux</a:t>
+            </a:r>
+          </a:p>
+          <a:p>
+            <a:endParaRPr lang="en-US" sz="2400" dirty="0">
+              <a:latin typeface="Arial" panose="020B0604020202020204" pitchFamily="34" charset="0"/>
+              <a:cs typeface="Arial" panose="020B0604020202020204" pitchFamily="34" charset="0"/>
+            </a:endParaRPr>
+          </a:p>
+        </p:txBody>
+      </p:sp>
+      <p:graphicFrame>
+        <p:nvGraphicFramePr>
+          <p:cNvPr id="2" name="Table 1">
+            <a:extLst>
+              <a:ext uri="{FF2B5EF4-FFF2-40B4-BE49-F238E27FC236}">
+                <a16:creationId xmlns:a16="http://schemas.microsoft.com/office/drawing/2014/main" id="{4191179C-AB1B-874D-8387-0895B9AA54B8}"/>
+              </a:ext>
+            </a:extLst>
+          </p:cNvPr>
+          <p:cNvGraphicFramePr>
+            <a:graphicFrameLocks noGrp="1"/>
+          </p:cNvGraphicFramePr>
+          <p:nvPr>
+            <p:extLst>
+              <p:ext uri="{D42A27DB-BD31-4B8C-83A1-F6EECF244321}">
+                <p14:modId xmlns:p14="http://schemas.microsoft.com/office/powerpoint/2010/main" val="522965576"/>
+              </p:ext>
+            </p:extLst>
+          </p:nvPr>
+        </p:nvGraphicFramePr>
+        <p:xfrm>
+          <a:off x="1479245" y="1310141"/>
+          <a:ext cx="4124230" cy="4237717"/>
+        </p:xfrm>
+        <a:graphic>
+          <a:graphicData uri="http://schemas.openxmlformats.org/drawingml/2006/table">
+            <a:tbl>
+              <a:tblPr firstRow="1" bandRow="1">
+                <a:tableStyleId>{5C22544A-7EE6-4342-B048-85BDC9FD1C3A}</a:tableStyleId>
+              </a:tblPr>
+              <a:tblGrid>
+                <a:gridCol w="2062115">
+                  <a:extLst>
+                    <a:ext uri="{9D8B030D-6E8A-4147-A177-3AD203B41FA5}">
+                      <a16:colId xmlns:a16="http://schemas.microsoft.com/office/drawing/2014/main" val="3623715420"/>
+                    </a:ext>
+                  </a:extLst>
+                </a:gridCol>
+                <a:gridCol w="2062115">
+                  <a:extLst>
+                    <a:ext uri="{9D8B030D-6E8A-4147-A177-3AD203B41FA5}">
+                      <a16:colId xmlns:a16="http://schemas.microsoft.com/office/drawing/2014/main" val="3155748248"/>
+                    </a:ext>
+                  </a:extLst>
+                </a:gridCol>
+              </a:tblGrid>
+              <a:tr h="838230">
+                <a:tc>
+                  <a:txBody>
+                    <a:bodyPr/>
+                    <a:lstStyle/>
+                    <a:p>
+                      <a:pPr algn="ctr"/>
+                      <a:r>
+                        <a:rPr lang="en-US" dirty="0"/>
+                        <a:t>Sorting Algorithms</a:t>
+                      </a:r>
+                    </a:p>
+                  </a:txBody>
+                  <a:tcPr anchor="ctr"/>
+                </a:tc>
+                <a:tc>
+                  <a:txBody>
+                    <a:bodyPr/>
+                    <a:lstStyle/>
+                    <a:p>
+                      <a:pPr algn="ctr"/>
+                      <a:r>
+                        <a:rPr lang="en-US" dirty="0"/>
+                        <a:t>200 random number</a:t>
+                      </a:r>
+                    </a:p>
+                  </a:txBody>
+                  <a:tcPr anchor="ctr"/>
+                </a:tc>
+                <a:extLst>
+                  <a:ext uri="{0D108BD9-81ED-4DB2-BD59-A6C34878D82A}">
+                    <a16:rowId xmlns:a16="http://schemas.microsoft.com/office/drawing/2014/main" val="4130274581"/>
+                  </a:ext>
+                </a:extLst>
+              </a:tr>
+              <a:tr h="485641">
+                <a:tc>
+                  <a:txBody>
+                    <a:bodyPr/>
+                    <a:lstStyle/>
+                    <a:p>
+                      <a:pPr algn="ctr"/>
+                      <a:r>
+                        <a:rPr lang="en-US" dirty="0"/>
+                        <a:t>Insertion</a:t>
+                      </a:r>
+                    </a:p>
+                  </a:txBody>
+                  <a:tcPr anchor="ctr"/>
+                </a:tc>
+                <a:tc>
+                  <a:txBody>
+                    <a:bodyPr/>
+                    <a:lstStyle/>
+                    <a:p>
+                      <a:pPr algn="ctr"/>
+                      <a:r>
+                        <a:rPr lang="en-US" dirty="0"/>
+                        <a:t>14.9331 s</a:t>
+                      </a:r>
+                    </a:p>
+                  </a:txBody>
+                  <a:tcPr anchor="ctr"/>
+                </a:tc>
+                <a:extLst>
+                  <a:ext uri="{0D108BD9-81ED-4DB2-BD59-A6C34878D82A}">
+                    <a16:rowId xmlns:a16="http://schemas.microsoft.com/office/drawing/2014/main" val="1826899176"/>
+                  </a:ext>
+                </a:extLst>
+              </a:tr>
+              <a:tr h="485641">
+                <a:tc>
+                  <a:txBody>
+                    <a:bodyPr/>
+                    <a:lstStyle/>
+                    <a:p>
+                      <a:pPr algn="ctr"/>
+                      <a:r>
+                        <a:rPr lang="en-US" dirty="0"/>
+                        <a:t>Merge</a:t>
+                      </a:r>
+                    </a:p>
+                  </a:txBody>
+                  <a:tcPr anchor="ctr"/>
+                </a:tc>
+                <a:tc>
+                  <a:txBody>
+                    <a:bodyPr/>
+                    <a:lstStyle/>
+                    <a:p>
+                      <a:pPr algn="ctr"/>
+                      <a:r>
+                        <a:rPr lang="en-US" dirty="0"/>
+                        <a:t>2.5380 s</a:t>
+                      </a:r>
+                    </a:p>
+                  </a:txBody>
+                  <a:tcPr anchor="ctr"/>
+                </a:tc>
+                <a:extLst>
+                  <a:ext uri="{0D108BD9-81ED-4DB2-BD59-A6C34878D82A}">
+                    <a16:rowId xmlns:a16="http://schemas.microsoft.com/office/drawing/2014/main" val="1300682914"/>
+                  </a:ext>
+                </a:extLst>
+              </a:tr>
+              <a:tr h="485641">
+                <a:tc>
+                  <a:txBody>
+                    <a:bodyPr/>
+                    <a:lstStyle/>
+                    <a:p>
+                      <a:pPr algn="ctr"/>
+                      <a:r>
+                        <a:rPr lang="en-US" dirty="0"/>
+                        <a:t>Heap</a:t>
+                      </a:r>
+                    </a:p>
+                  </a:txBody>
+                  <a:tcPr anchor="ctr"/>
+                </a:tc>
+                <a:tc>
+                  <a:txBody>
+                    <a:bodyPr/>
+                    <a:lstStyle/>
+                    <a:p>
+                      <a:pPr algn="ctr"/>
+                      <a:r>
+                        <a:rPr lang="en-US" dirty="0"/>
+                        <a:t>3.9781 s</a:t>
+                      </a:r>
+                    </a:p>
+                  </a:txBody>
+                  <a:tcPr anchor="ctr"/>
+                </a:tc>
+                <a:extLst>
+                  <a:ext uri="{0D108BD9-81ED-4DB2-BD59-A6C34878D82A}">
+                    <a16:rowId xmlns:a16="http://schemas.microsoft.com/office/drawing/2014/main" val="2209356098"/>
+                  </a:ext>
+                </a:extLst>
+              </a:tr>
+              <a:tr h="485641">
+                <a:tc>
+                  <a:txBody>
+                    <a:bodyPr/>
+                    <a:lstStyle/>
+                    <a:p>
+                      <a:pPr algn="ctr"/>
+                      <a:r>
+                        <a:rPr lang="en-US" dirty="0"/>
+                        <a:t>Quick</a:t>
+                      </a:r>
+                    </a:p>
+                  </a:txBody>
+                  <a:tcPr anchor="ctr"/>
+                </a:tc>
+                <a:tc>
+                  <a:txBody>
+                    <a:bodyPr/>
+                    <a:lstStyle/>
+                    <a:p>
+                      <a:pPr algn="ctr"/>
+                      <a:r>
+                        <a:rPr lang="en-US" dirty="0"/>
+                        <a:t>2.6932 s</a:t>
+                      </a:r>
+                    </a:p>
+                  </a:txBody>
+                  <a:tcPr anchor="ctr"/>
+                </a:tc>
+                <a:extLst>
+                  <a:ext uri="{0D108BD9-81ED-4DB2-BD59-A6C34878D82A}">
+                    <a16:rowId xmlns:a16="http://schemas.microsoft.com/office/drawing/2014/main" val="2842521598"/>
+                  </a:ext>
+                </a:extLst>
+              </a:tr>
+              <a:tr h="485641">
+                <a:tc>
+                  <a:txBody>
+                    <a:bodyPr/>
+                    <a:lstStyle/>
+                    <a:p>
+                      <a:pPr algn="ctr"/>
+                      <a:r>
+                        <a:rPr lang="en-US" b="1" dirty="0"/>
+                        <a:t>Counting</a:t>
+                      </a:r>
+                    </a:p>
+                  </a:txBody>
+                  <a:tcPr anchor="ctr"/>
+                </a:tc>
+                <a:tc>
+                  <a:txBody>
+                    <a:bodyPr/>
+                    <a:lstStyle/>
+                    <a:p>
+                      <a:pPr algn="ctr"/>
+                      <a:r>
+                        <a:rPr lang="en-US" b="1" dirty="0"/>
+                        <a:t>.03213 s</a:t>
+                      </a:r>
+                    </a:p>
+                  </a:txBody>
+                  <a:tcPr anchor="ctr"/>
+                </a:tc>
+                <a:extLst>
+                  <a:ext uri="{0D108BD9-81ED-4DB2-BD59-A6C34878D82A}">
+                    <a16:rowId xmlns:a16="http://schemas.microsoft.com/office/drawing/2014/main" val="1541326858"/>
+                  </a:ext>
+                </a:extLst>
+              </a:tr>
+              <a:tr h="485641">
+                <a:tc>
+                  <a:txBody>
+                    <a:bodyPr/>
+                    <a:lstStyle/>
+                    <a:p>
+                      <a:pPr algn="ctr"/>
+                      <a:r>
+                        <a:rPr lang="en-US" dirty="0"/>
+                        <a:t>Bucket</a:t>
+                      </a:r>
+                    </a:p>
+                  </a:txBody>
+                  <a:tcPr anchor="ctr"/>
+                </a:tc>
+                <a:tc>
+                  <a:txBody>
+                    <a:bodyPr/>
+                    <a:lstStyle/>
+                    <a:p>
+                      <a:pPr algn="ctr"/>
+                      <a:r>
+                        <a:rPr lang="en-US" dirty="0"/>
+                        <a:t>2.17123 s</a:t>
+                      </a:r>
+                    </a:p>
+                  </a:txBody>
+                  <a:tcPr anchor="ctr"/>
+                </a:tc>
+                <a:extLst>
+                  <a:ext uri="{0D108BD9-81ED-4DB2-BD59-A6C34878D82A}">
+                    <a16:rowId xmlns:a16="http://schemas.microsoft.com/office/drawing/2014/main" val="2437603463"/>
+                  </a:ext>
+                </a:extLst>
+              </a:tr>
+              <a:tr h="485641">
+                <a:tc>
+                  <a:txBody>
+                    <a:bodyPr/>
+                    <a:lstStyle/>
+                    <a:p>
+                      <a:pPr algn="ctr"/>
+                      <a:r>
+                        <a:rPr lang="en-US" b="1" dirty="0"/>
+                        <a:t>Sort(Linux)</a:t>
+                      </a:r>
+                    </a:p>
+                  </a:txBody>
+                  <a:tcPr anchor="ctr"/>
+                </a:tc>
+                <a:tc>
+                  <a:txBody>
+                    <a:bodyPr/>
+                    <a:lstStyle/>
+                    <a:p>
+                      <a:pPr algn="ctr"/>
+                      <a:r>
+                        <a:rPr lang="en-US" b="1" dirty="0"/>
+                        <a:t>.00229 s</a:t>
+                      </a:r>
+                    </a:p>
+                  </a:txBody>
+                  <a:tcPr anchor="ctr"/>
+                </a:tc>
+                <a:extLst>
+                  <a:ext uri="{0D108BD9-81ED-4DB2-BD59-A6C34878D82A}">
+                    <a16:rowId xmlns:a16="http://schemas.microsoft.com/office/drawing/2014/main" val="2660613816"/>
+                  </a:ext>
+                </a:extLst>
+              </a:tr>
+            </a:tbl>
+          </a:graphicData>
+        </a:graphic>
+      </p:graphicFrame>
+      <p:sp>
+        <p:nvSpPr>
+          <p:cNvPr id="3" name="Rectangle 2">
+            <a:extLst>
+              <a:ext uri="{FF2B5EF4-FFF2-40B4-BE49-F238E27FC236}">
+                <a16:creationId xmlns:a16="http://schemas.microsoft.com/office/drawing/2014/main" id="{C4F1B369-3D71-6946-B66B-DBD77AB60011}"/>
+              </a:ext>
+            </a:extLst>
+          </p:cNvPr>
+          <p:cNvSpPr/>
+          <p:nvPr/>
+        </p:nvSpPr>
+        <p:spPr>
+          <a:xfrm>
+            <a:off x="736269" y="6122719"/>
+            <a:ext cx="6941668" cy="369332"/>
+          </a:xfrm>
+          <a:prstGeom prst="rect">
+            <a:avLst/>
+          </a:prstGeom>
+        </p:spPr>
+        <p:txBody>
+          <a:bodyPr wrap="square">
+            <a:spAutoFit/>
+          </a:bodyPr>
+          <a:lstStyle/>
+          <a:p>
+            <a:pPr algn="just"/>
+            <a:r>
+              <a:rPr lang="en-US" dirty="0">
+                <a:latin typeface="Arial" panose="020B0604020202020204" pitchFamily="34" charset="0"/>
+                <a:cs typeface="Arial" panose="020B0604020202020204" pitchFamily="34" charset="0"/>
+              </a:rPr>
+              <a:t>	You can find whole the test script in </a:t>
+            </a:r>
+            <a:r>
+              <a:rPr lang="en-US" dirty="0" err="1">
+                <a:latin typeface="Arial" panose="020B0604020202020204" pitchFamily="34" charset="0"/>
+                <a:cs typeface="Arial" panose="020B0604020202020204" pitchFamily="34" charset="0"/>
+              </a:rPr>
+              <a:t>sortTest.sh</a:t>
+            </a:r>
+            <a:r>
+              <a:rPr lang="en-US" dirty="0">
+                <a:latin typeface="Arial" panose="020B0604020202020204" pitchFamily="34" charset="0"/>
+                <a:cs typeface="Arial" panose="020B0604020202020204" pitchFamily="34" charset="0"/>
+              </a:rPr>
+              <a:t>  </a:t>
+            </a:r>
+          </a:p>
+        </p:txBody>
+      </p:sp>
+      <p:sp>
+        <p:nvSpPr>
+          <p:cNvPr id="5" name="TextBox 4">
+            <a:extLst>
+              <a:ext uri="{FF2B5EF4-FFF2-40B4-BE49-F238E27FC236}">
+                <a16:creationId xmlns:a16="http://schemas.microsoft.com/office/drawing/2014/main" id="{87C6F540-4DF9-6C4D-B8EB-9D926A9D7AEC}"/>
+              </a:ext>
+            </a:extLst>
+          </p:cNvPr>
+          <p:cNvSpPr txBox="1"/>
+          <p:nvPr/>
+        </p:nvSpPr>
+        <p:spPr>
+          <a:xfrm>
+            <a:off x="6414053" y="2505669"/>
+            <a:ext cx="5173110" cy="923330"/>
+          </a:xfrm>
+          <a:prstGeom prst="rect">
+            <a:avLst/>
+          </a:prstGeom>
+          <a:noFill/>
+        </p:spPr>
+        <p:txBody>
+          <a:bodyPr wrap="square" rtlCol="0">
+            <a:spAutoFit/>
+          </a:bodyPr>
+          <a:lstStyle/>
+          <a:p>
+            <a:r>
+              <a:rPr lang="tr-TR" dirty="0"/>
+              <a:t>Linux </a:t>
+            </a:r>
+            <a:r>
+              <a:rPr lang="tr-TR" dirty="0" err="1"/>
+              <a:t>Sort</a:t>
+            </a:r>
+            <a:r>
+              <a:rPr lang="tr-TR" dirty="0"/>
+              <a:t> </a:t>
+            </a:r>
+            <a:r>
+              <a:rPr lang="tr-TR" dirty="0" err="1"/>
+              <a:t>uses</a:t>
+            </a:r>
+            <a:r>
+              <a:rPr lang="tr-TR" dirty="0"/>
+              <a:t> an </a:t>
+            </a:r>
+            <a:r>
+              <a:rPr lang="tr-TR" dirty="0" err="1"/>
+              <a:t>External</a:t>
+            </a:r>
+            <a:r>
+              <a:rPr lang="tr-TR" dirty="0"/>
+              <a:t> R-</a:t>
+            </a:r>
+            <a:r>
+              <a:rPr lang="tr-TR" dirty="0" err="1"/>
+              <a:t>Way</a:t>
+            </a:r>
+            <a:r>
+              <a:rPr lang="tr-TR" dirty="0"/>
+              <a:t> </a:t>
+            </a:r>
+            <a:r>
+              <a:rPr lang="tr-TR" b="1" dirty="0" err="1"/>
+              <a:t>merge</a:t>
+            </a:r>
+            <a:r>
+              <a:rPr lang="tr-TR" b="1" dirty="0"/>
+              <a:t> </a:t>
+            </a:r>
+            <a:r>
+              <a:rPr lang="tr-TR" b="1" dirty="0" err="1"/>
+              <a:t>sort</a:t>
+            </a:r>
+            <a:r>
+              <a:rPr lang="tr-TR" b="1" dirty="0"/>
+              <a:t> </a:t>
+            </a:r>
+            <a:r>
+              <a:rPr lang="tr-TR" dirty="0" err="1"/>
+              <a:t>according</a:t>
+            </a:r>
+            <a:r>
+              <a:rPr lang="tr-TR" dirty="0"/>
+              <a:t> </a:t>
+            </a:r>
+            <a:r>
+              <a:rPr lang="tr-TR" dirty="0" err="1"/>
+              <a:t>to</a:t>
+            </a:r>
+            <a:r>
+              <a:rPr lang="tr-TR" dirty="0"/>
+              <a:t> </a:t>
+            </a:r>
+            <a:r>
+              <a:rPr lang="tr-TR" u="sng" dirty="0">
+                <a:hlinkClick r:id="rId2"/>
+              </a:rPr>
+              <a:t>Algorithm details of UNIX Sort Command.</a:t>
+            </a:r>
+            <a:endParaRPr lang="en-US" dirty="0"/>
+          </a:p>
+        </p:txBody>
+      </p:sp>
+    </p:spTree>
+    <p:extLst>
+      <p:ext uri="{BB962C8B-B14F-4D97-AF65-F5344CB8AC3E}">
+        <p14:creationId xmlns:p14="http://schemas.microsoft.com/office/powerpoint/2010/main" val="590877533"/>
+      </p:ext>
+    </p:extLst>
+  </p:cSld>
+  <p:clrMapOvr>
+    <a:masterClrMapping/>
+  </p:clrMapOvr>
+</p:sld>
+</file>
+
+<file path=ppt/slides/slide22.xml><?xml version="1.0" encoding="utf-8"?>
+<p:sld xmlns:a="http://schemas.openxmlformats.org/drawingml/2006/main" xmlns:r="http://schemas.openxmlformats.org/officeDocument/2006/relationships" xmlns:p="http://schemas.openxmlformats.org/presentationml/2006/main">
+  <p:cSld>
+    <p:spTree>
+      <p:nvGrpSpPr>
+        <p:cNvPr id="1" name=""/>
+        <p:cNvGrpSpPr/>
+        <p:nvPr/>
+      </p:nvGrpSpPr>
+      <p:grpSpPr>
+        <a:xfrm>
+          <a:off x="0" y="0"/>
+          <a:ext cx="0" cy="0"/>
+          <a:chOff x="0" y="0"/>
+          <a:chExt cx="0" cy="0"/>
+        </a:xfrm>
+      </p:grpSpPr>
+      <p:sp>
+        <p:nvSpPr>
+          <p:cNvPr id="4" name="TextBox 3">
+            <a:extLst>
+              <a:ext uri="{FF2B5EF4-FFF2-40B4-BE49-F238E27FC236}">
+                <a16:creationId xmlns:a16="http://schemas.microsoft.com/office/drawing/2014/main" id="{A6E085FE-30ED-504E-BC9A-D337F29598F5}"/>
+              </a:ext>
+            </a:extLst>
+          </p:cNvPr>
+          <p:cNvSpPr txBox="1"/>
+          <p:nvPr/>
+        </p:nvSpPr>
+        <p:spPr>
+          <a:xfrm>
+            <a:off x="736269" y="161458"/>
+            <a:ext cx="9734412" cy="954107"/>
+          </a:xfrm>
+          <a:prstGeom prst="rect">
+            <a:avLst/>
+          </a:prstGeom>
+          <a:noFill/>
+        </p:spPr>
+        <p:txBody>
+          <a:bodyPr wrap="square" rtlCol="0">
+            <a:spAutoFit/>
+          </a:bodyPr>
+          <a:lstStyle/>
+          <a:p>
+            <a:r>
+              <a:rPr lang="en-US" sz="2800" b="1" dirty="0">
+                <a:latin typeface="Arial" panose="020B0604020202020204" pitchFamily="34" charset="0"/>
+                <a:cs typeface="Arial" panose="020B0604020202020204" pitchFamily="34" charset="0"/>
+              </a:rPr>
+              <a:t>Challenge</a:t>
+            </a:r>
+            <a:endParaRPr lang="tr-TR" sz="2800" b="1" dirty="0">
+              <a:latin typeface="Arial" panose="020B0604020202020204" pitchFamily="34" charset="0"/>
+              <a:cs typeface="Arial" panose="020B0604020202020204" pitchFamily="34" charset="0"/>
+            </a:endParaRPr>
+          </a:p>
+          <a:p>
+            <a:endParaRPr lang="en-US" sz="2800" dirty="0">
+              <a:latin typeface="Arial" panose="020B0604020202020204" pitchFamily="34" charset="0"/>
+              <a:cs typeface="Arial" panose="020B0604020202020204" pitchFamily="34" charset="0"/>
+            </a:endParaRPr>
+          </a:p>
+        </p:txBody>
+      </p:sp>
+      <p:pic>
+        <p:nvPicPr>
+          <p:cNvPr id="3" name="Picture 2">
+            <a:extLst>
+              <a:ext uri="{FF2B5EF4-FFF2-40B4-BE49-F238E27FC236}">
+                <a16:creationId xmlns:a16="http://schemas.microsoft.com/office/drawing/2014/main" id="{CE390DA2-D2A0-D443-AD23-3A66E45EC883}"/>
+              </a:ext>
+            </a:extLst>
+          </p:cNvPr>
+          <p:cNvPicPr>
+            <a:picLocks noChangeAspect="1"/>
+          </p:cNvPicPr>
+          <p:nvPr/>
+        </p:nvPicPr>
+        <p:blipFill>
+          <a:blip r:embed="rId2"/>
+          <a:stretch>
+            <a:fillRect/>
+          </a:stretch>
+        </p:blipFill>
+        <p:spPr>
+          <a:xfrm>
+            <a:off x="3749017" y="0"/>
+            <a:ext cx="4693966" cy="6858000"/>
+          </a:xfrm>
+          <a:prstGeom prst="rect">
+            <a:avLst/>
+          </a:prstGeom>
+        </p:spPr>
+      </p:pic>
+      <p:sp>
+        <p:nvSpPr>
+          <p:cNvPr id="5" name="TextBox 4">
+            <a:extLst>
+              <a:ext uri="{FF2B5EF4-FFF2-40B4-BE49-F238E27FC236}">
+                <a16:creationId xmlns:a16="http://schemas.microsoft.com/office/drawing/2014/main" id="{BD85722A-D003-7340-AF49-27F8E06BFE52}"/>
+              </a:ext>
+            </a:extLst>
+          </p:cNvPr>
+          <p:cNvSpPr txBox="1"/>
+          <p:nvPr/>
+        </p:nvSpPr>
+        <p:spPr>
+          <a:xfrm>
+            <a:off x="1349674" y="930899"/>
+            <a:ext cx="1785938" cy="369332"/>
+          </a:xfrm>
+          <a:prstGeom prst="rect">
+            <a:avLst/>
+          </a:prstGeom>
+          <a:noFill/>
+        </p:spPr>
+        <p:txBody>
+          <a:bodyPr wrap="square" rtlCol="0">
+            <a:spAutoFit/>
+          </a:bodyPr>
+          <a:lstStyle/>
+          <a:p>
+            <a:r>
+              <a:rPr lang="en-US" dirty="0"/>
+              <a:t>Debugging</a:t>
+            </a:r>
+          </a:p>
+        </p:txBody>
+      </p:sp>
+    </p:spTree>
+    <p:extLst>
+      <p:ext uri="{BB962C8B-B14F-4D97-AF65-F5344CB8AC3E}">
+        <p14:creationId xmlns:p14="http://schemas.microsoft.com/office/powerpoint/2010/main" val="1869728573"/>
+      </p:ext>
+    </p:extLst>
+  </p:cSld>
+  <p:clrMapOvr>
+    <a:masterClrMapping/>
+  </p:clrMapOvr>
+</p:sld>
+</file>
+
+<file path=ppt/slides/slide23.xml><?xml version="1.0" encoding="utf-8"?>
+<p:sld xmlns:a="http://schemas.openxmlformats.org/drawingml/2006/main" xmlns:r="http://schemas.openxmlformats.org/officeDocument/2006/relationships" xmlns:p="http://schemas.openxmlformats.org/presentationml/2006/main">
+  <p:cSld>
+    <p:spTree>
+      <p:nvGrpSpPr>
+        <p:cNvPr id="1" name=""/>
+        <p:cNvGrpSpPr/>
+        <p:nvPr/>
+      </p:nvGrpSpPr>
+      <p:grpSpPr>
+        <a:xfrm>
+          <a:off x="0" y="0"/>
+          <a:ext cx="0" cy="0"/>
+          <a:chOff x="0" y="0"/>
+          <a:chExt cx="0" cy="0"/>
+        </a:xfrm>
+      </p:grpSpPr>
+      <p:sp>
+        <p:nvSpPr>
+          <p:cNvPr id="2" name="Title 1">
+            <a:extLst>
+              <a:ext uri="{FF2B5EF4-FFF2-40B4-BE49-F238E27FC236}">
+                <a16:creationId xmlns:a16="http://schemas.microsoft.com/office/drawing/2014/main" id="{9028FB0F-6D8F-5D40-88BF-A366B6E6C319}"/>
+              </a:ext>
+            </a:extLst>
+          </p:cNvPr>
+          <p:cNvSpPr>
+            <a:spLocks noGrp="1"/>
+          </p:cNvSpPr>
+          <p:nvPr>
+            <p:ph type="ctrTitle"/>
+          </p:nvPr>
+        </p:nvSpPr>
+        <p:spPr/>
+        <p:txBody>
+          <a:bodyPr/>
+          <a:lstStyle/>
+          <a:p>
+            <a:r>
+              <a:rPr lang="en-US" dirty="0"/>
+              <a:t>Thanks for listening</a:t>
+            </a:r>
+          </a:p>
+        </p:txBody>
+      </p:sp>
+    </p:spTree>
+    <p:extLst>
+      <p:ext uri="{BB962C8B-B14F-4D97-AF65-F5344CB8AC3E}">
+        <p14:creationId xmlns:p14="http://schemas.microsoft.com/office/powerpoint/2010/main" val="2277742551"/>
+      </p:ext>
+    </p:extLst>
+  </p:cSld>
+  <p:clrMapOvr>
+    <a:masterClrMapping/>
+  </p:clrMapOvr>
+</p:sld>
+</file>
+
+<file path=ppt/slides/slide3.xml><?xml version="1.0" encoding="utf-8"?>
+<p:sld xmlns:a="http://schemas.openxmlformats.org/drawingml/2006/main" xmlns:r="http://schemas.openxmlformats.org/officeDocument/2006/relationships" xmlns:p="http://schemas.openxmlformats.org/presentationml/2006/main">
+  <p:cSld>
+    <p:spTree>
+      <p:nvGrpSpPr>
+        <p:cNvPr id="1" name=""/>
+        <p:cNvGrpSpPr/>
+        <p:nvPr/>
+      </p:nvGrpSpPr>
+      <p:grpSpPr>
+        <a:xfrm>
+          <a:off x="0" y="0"/>
+          <a:ext cx="0" cy="0"/>
+          <a:chOff x="0" y="0"/>
+          <a:chExt cx="0" cy="0"/>
+        </a:xfrm>
+      </p:grpSpPr>
+      <p:sp>
+        <p:nvSpPr>
+          <p:cNvPr id="2" name="TextBox 1">
+            <a:extLst>
+              <a:ext uri="{FF2B5EF4-FFF2-40B4-BE49-F238E27FC236}">
+                <a16:creationId xmlns:a16="http://schemas.microsoft.com/office/drawing/2014/main" id="{440D05C0-3EB7-3842-BBA2-F54CFA1F1D5A}"/>
+              </a:ext>
+            </a:extLst>
+          </p:cNvPr>
+          <p:cNvSpPr txBox="1"/>
+          <p:nvPr/>
+        </p:nvSpPr>
+        <p:spPr>
+          <a:xfrm>
+            <a:off x="299459" y="245085"/>
+            <a:ext cx="393056" cy="369332"/>
+          </a:xfrm>
+          <a:prstGeom prst="rect">
+            <a:avLst/>
+          </a:prstGeom>
+          <a:noFill/>
+        </p:spPr>
+        <p:txBody>
+          <a:bodyPr wrap="none" rtlCol="0">
+            <a:spAutoFit/>
+          </a:bodyPr>
+          <a:lstStyle/>
+          <a:p>
+            <a:r>
+              <a:rPr lang="en-US" dirty="0"/>
+              <a:t>a)</a:t>
+            </a:r>
+          </a:p>
+        </p:txBody>
+      </p:sp>
+      <p:pic>
+        <p:nvPicPr>
+          <p:cNvPr id="3" name="Picture 2">
+            <a:extLst>
+              <a:ext uri="{FF2B5EF4-FFF2-40B4-BE49-F238E27FC236}">
+                <a16:creationId xmlns:a16="http://schemas.microsoft.com/office/drawing/2014/main" id="{EB4F2118-7734-6241-B274-B2CEF14283C8}"/>
+              </a:ext>
+            </a:extLst>
+          </p:cNvPr>
+          <p:cNvPicPr>
+            <a:picLocks noChangeAspect="1"/>
+          </p:cNvPicPr>
+          <p:nvPr/>
+        </p:nvPicPr>
+        <p:blipFill>
+          <a:blip r:embed="rId2"/>
+          <a:stretch>
+            <a:fillRect/>
+          </a:stretch>
+        </p:blipFill>
+        <p:spPr>
+          <a:xfrm>
+            <a:off x="692515" y="474152"/>
+            <a:ext cx="10922000" cy="6070600"/>
+          </a:xfrm>
+          <a:prstGeom prst="rect">
+            <a:avLst/>
+          </a:prstGeom>
+        </p:spPr>
+      </p:pic>
+    </p:spTree>
+    <p:extLst>
+      <p:ext uri="{BB962C8B-B14F-4D97-AF65-F5344CB8AC3E}">
+        <p14:creationId xmlns:p14="http://schemas.microsoft.com/office/powerpoint/2010/main" val="2422700984"/>
+      </p:ext>
+    </p:extLst>
+  </p:cSld>
+  <p:clrMapOvr>
+    <a:masterClrMapping/>
+  </p:clrMapOvr>
+</p:sld>
+</file>
+
+<file path=ppt/slides/slide4.xml><?xml version="1.0" encoding="utf-8"?>
+<p:sld xmlns:a="http://schemas.openxmlformats.org/drawingml/2006/main" xmlns:r="http://schemas.openxmlformats.org/officeDocument/2006/relationships" xmlns:p="http://schemas.openxmlformats.org/presentationml/2006/main">
+  <p:cSld>
+    <p:spTree>
+      <p:nvGrpSpPr>
+        <p:cNvPr id="1" name=""/>
+        <p:cNvGrpSpPr/>
+        <p:nvPr/>
+      </p:nvGrpSpPr>
+      <p:grpSpPr>
+        <a:xfrm>
+          <a:off x="0" y="0"/>
+          <a:ext cx="0" cy="0"/>
+          <a:chOff x="0" y="0"/>
+          <a:chExt cx="0" cy="0"/>
+        </a:xfrm>
+      </p:grpSpPr>
+      <p:sp>
+        <p:nvSpPr>
+          <p:cNvPr id="2" name="TextBox 1">
+            <a:extLst>
+              <a:ext uri="{FF2B5EF4-FFF2-40B4-BE49-F238E27FC236}">
+                <a16:creationId xmlns:a16="http://schemas.microsoft.com/office/drawing/2014/main" id="{440D05C0-3EB7-3842-BBA2-F54CFA1F1D5A}"/>
+              </a:ext>
+            </a:extLst>
+          </p:cNvPr>
+          <p:cNvSpPr txBox="1"/>
+          <p:nvPr/>
+        </p:nvSpPr>
+        <p:spPr>
+          <a:xfrm>
+            <a:off x="299459" y="245085"/>
+            <a:ext cx="393056" cy="369332"/>
+          </a:xfrm>
+          <a:prstGeom prst="rect">
+            <a:avLst/>
+          </a:prstGeom>
+          <a:noFill/>
+        </p:spPr>
+        <p:txBody>
+          <a:bodyPr wrap="none" rtlCol="0">
+            <a:spAutoFit/>
+          </a:bodyPr>
+          <a:lstStyle/>
+          <a:p>
+            <a:r>
+              <a:rPr lang="en-US" dirty="0"/>
+              <a:t>a)</a:t>
+            </a:r>
+          </a:p>
+        </p:txBody>
+      </p:sp>
+      <p:pic>
+        <p:nvPicPr>
+          <p:cNvPr id="4" name="Picture 3">
+            <a:extLst>
+              <a:ext uri="{FF2B5EF4-FFF2-40B4-BE49-F238E27FC236}">
+                <a16:creationId xmlns:a16="http://schemas.microsoft.com/office/drawing/2014/main" id="{AD52ABD7-CDE3-4249-B6E9-9EF70F61C5F7}"/>
+              </a:ext>
+            </a:extLst>
+          </p:cNvPr>
+          <p:cNvPicPr>
+            <a:picLocks noChangeAspect="1"/>
+          </p:cNvPicPr>
+          <p:nvPr/>
+        </p:nvPicPr>
+        <p:blipFill>
+          <a:blip r:embed="rId2"/>
+          <a:stretch>
+            <a:fillRect/>
+          </a:stretch>
+        </p:blipFill>
+        <p:spPr>
+          <a:xfrm>
+            <a:off x="1358900" y="1060450"/>
+            <a:ext cx="9474200" cy="4737100"/>
+          </a:xfrm>
+          <a:prstGeom prst="rect">
+            <a:avLst/>
+          </a:prstGeom>
+        </p:spPr>
+      </p:pic>
+    </p:spTree>
+    <p:extLst>
+      <p:ext uri="{BB962C8B-B14F-4D97-AF65-F5344CB8AC3E}">
+        <p14:creationId xmlns:p14="http://schemas.microsoft.com/office/powerpoint/2010/main" val="3933964447"/>
+      </p:ext>
+    </p:extLst>
+  </p:cSld>
+  <p:clrMapOvr>
+    <a:masterClrMapping/>
+  </p:clrMapOvr>
+</p:sld>
+</file>
+
+<file path=ppt/slides/slide5.xml><?xml version="1.0" encoding="utf-8"?>
+<p:sld xmlns:a="http://schemas.openxmlformats.org/drawingml/2006/main" xmlns:r="http://schemas.openxmlformats.org/officeDocument/2006/relationships" xmlns:p="http://schemas.openxmlformats.org/presentationml/2006/main">
+  <p:cSld>
+    <p:spTree>
+      <p:nvGrpSpPr>
+        <p:cNvPr id="1" name=""/>
+        <p:cNvGrpSpPr/>
+        <p:nvPr/>
+      </p:nvGrpSpPr>
+      <p:grpSpPr>
+        <a:xfrm>
+          <a:off x="0" y="0"/>
+          <a:ext cx="0" cy="0"/>
+          <a:chOff x="0" y="0"/>
+          <a:chExt cx="0" cy="0"/>
+        </a:xfrm>
+      </p:grpSpPr>
+      <p:pic>
+        <p:nvPicPr>
+          <p:cNvPr id="3" name="Picture 2">
+            <a:extLst>
+              <a:ext uri="{FF2B5EF4-FFF2-40B4-BE49-F238E27FC236}">
+                <a16:creationId xmlns:a16="http://schemas.microsoft.com/office/drawing/2014/main" id="{F6F7356E-3C62-3D46-AE27-9E7183010BC8}"/>
+              </a:ext>
+            </a:extLst>
+          </p:cNvPr>
+          <p:cNvPicPr>
+            <a:picLocks noChangeAspect="1"/>
+          </p:cNvPicPr>
+          <p:nvPr/>
+        </p:nvPicPr>
+        <p:blipFill>
+          <a:blip r:embed="rId2"/>
+          <a:stretch>
+            <a:fillRect/>
+          </a:stretch>
+        </p:blipFill>
+        <p:spPr>
+          <a:xfrm>
+            <a:off x="1636631" y="1268268"/>
+            <a:ext cx="8918737" cy="4962731"/>
+          </a:xfrm>
+          <a:prstGeom prst="rect">
+            <a:avLst/>
+          </a:prstGeom>
+        </p:spPr>
+      </p:pic>
+      <p:sp>
+        <p:nvSpPr>
+          <p:cNvPr id="4" name="TextBox 3">
+            <a:extLst>
+              <a:ext uri="{FF2B5EF4-FFF2-40B4-BE49-F238E27FC236}">
+                <a16:creationId xmlns:a16="http://schemas.microsoft.com/office/drawing/2014/main" id="{A6E085FE-30ED-504E-BC9A-D337F29598F5}"/>
+              </a:ext>
+            </a:extLst>
+          </p:cNvPr>
+          <p:cNvSpPr txBox="1"/>
+          <p:nvPr/>
+        </p:nvSpPr>
+        <p:spPr>
+          <a:xfrm>
+            <a:off x="418213" y="303835"/>
+            <a:ext cx="10352707" cy="646331"/>
+          </a:xfrm>
+          <a:prstGeom prst="rect">
+            <a:avLst/>
+          </a:prstGeom>
+          <a:noFill/>
+        </p:spPr>
+        <p:txBody>
+          <a:bodyPr wrap="square" rtlCol="0">
+            <a:spAutoFit/>
+          </a:bodyPr>
+          <a:lstStyle/>
+          <a:p>
+            <a:r>
+              <a:rPr lang="en-US" b="1" dirty="0">
+                <a:latin typeface="Arial" panose="020B0604020202020204" pitchFamily="34" charset="0"/>
+                <a:cs typeface="Arial" panose="020B0604020202020204" pitchFamily="34" charset="0"/>
+              </a:rPr>
+              <a:t>a)    </a:t>
+            </a:r>
+            <a:r>
+              <a:rPr lang="tr-TR" dirty="0" err="1">
+                <a:latin typeface="Arial" panose="020B0604020202020204" pitchFamily="34" charset="0"/>
+                <a:cs typeface="Arial" panose="020B0604020202020204" pitchFamily="34" charset="0"/>
+              </a:rPr>
+              <a:t>then</a:t>
+            </a:r>
+            <a:r>
+              <a:rPr lang="tr-TR" dirty="0">
+                <a:latin typeface="Arial" panose="020B0604020202020204" pitchFamily="34" charset="0"/>
+                <a:cs typeface="Arial" panose="020B0604020202020204" pitchFamily="34" charset="0"/>
+              </a:rPr>
+              <a:t> </a:t>
+            </a:r>
+            <a:r>
+              <a:rPr lang="tr-TR" dirty="0" err="1">
+                <a:latin typeface="Arial" panose="020B0604020202020204" pitchFamily="34" charset="0"/>
+                <a:cs typeface="Arial" panose="020B0604020202020204" pitchFamily="34" charset="0"/>
+              </a:rPr>
+              <a:t>your</a:t>
+            </a:r>
+            <a:r>
+              <a:rPr lang="tr-TR" dirty="0">
+                <a:latin typeface="Arial" panose="020B0604020202020204" pitchFamily="34" charset="0"/>
+                <a:cs typeface="Arial" panose="020B0604020202020204" pitchFamily="34" charset="0"/>
+              </a:rPr>
+              <a:t> </a:t>
+            </a:r>
+            <a:r>
+              <a:rPr lang="tr-TR" dirty="0" err="1">
+                <a:latin typeface="Arial" panose="020B0604020202020204" pitchFamily="34" charset="0"/>
+                <a:cs typeface="Arial" panose="020B0604020202020204" pitchFamily="34" charset="0"/>
+              </a:rPr>
+              <a:t>script</a:t>
+            </a:r>
+            <a:r>
+              <a:rPr lang="tr-TR" dirty="0">
+                <a:latin typeface="Arial" panose="020B0604020202020204" pitchFamily="34" charset="0"/>
+                <a:cs typeface="Arial" panose="020B0604020202020204" pitchFamily="34" charset="0"/>
+              </a:rPr>
+              <a:t> </a:t>
+            </a:r>
+            <a:r>
+              <a:rPr lang="tr-TR" dirty="0" err="1">
+                <a:latin typeface="Arial" panose="020B0604020202020204" pitchFamily="34" charset="0"/>
+                <a:cs typeface="Arial" panose="020B0604020202020204" pitchFamily="34" charset="0"/>
+              </a:rPr>
+              <a:t>will</a:t>
+            </a:r>
+            <a:r>
+              <a:rPr lang="tr-TR" dirty="0">
+                <a:latin typeface="Arial" panose="020B0604020202020204" pitchFamily="34" charset="0"/>
+                <a:cs typeface="Arial" panose="020B0604020202020204" pitchFamily="34" charset="0"/>
+              </a:rPr>
+              <a:t> </a:t>
+            </a:r>
+            <a:r>
+              <a:rPr lang="tr-TR" dirty="0" err="1">
+                <a:latin typeface="Arial" panose="020B0604020202020204" pitchFamily="34" charset="0"/>
+                <a:cs typeface="Arial" panose="020B0604020202020204" pitchFamily="34" charset="0"/>
+              </a:rPr>
+              <a:t>display</a:t>
+            </a:r>
+            <a:r>
+              <a:rPr lang="tr-TR" dirty="0">
+                <a:latin typeface="Arial" panose="020B0604020202020204" pitchFamily="34" charset="0"/>
+                <a:cs typeface="Arial" panose="020B0604020202020204" pitchFamily="34" charset="0"/>
+              </a:rPr>
+              <a:t> a </a:t>
+            </a:r>
+            <a:r>
+              <a:rPr lang="tr-TR" b="1" dirty="0" err="1">
+                <a:latin typeface="Arial" panose="020B0604020202020204" pitchFamily="34" charset="0"/>
+                <a:cs typeface="Arial" panose="020B0604020202020204" pitchFamily="34" charset="0"/>
+              </a:rPr>
+              <a:t>help</a:t>
+            </a:r>
+            <a:r>
+              <a:rPr lang="tr-TR" b="1" dirty="0">
+                <a:latin typeface="Arial" panose="020B0604020202020204" pitchFamily="34" charset="0"/>
+                <a:cs typeface="Arial" panose="020B0604020202020204" pitchFamily="34" charset="0"/>
+              </a:rPr>
+              <a:t> </a:t>
+            </a:r>
+            <a:r>
+              <a:rPr lang="tr-TR" b="1" dirty="0" err="1">
+                <a:latin typeface="Arial" panose="020B0604020202020204" pitchFamily="34" charset="0"/>
+                <a:cs typeface="Arial" panose="020B0604020202020204" pitchFamily="34" charset="0"/>
+              </a:rPr>
+              <a:t>menu</a:t>
+            </a:r>
+            <a:r>
+              <a:rPr lang="tr-TR" b="1" dirty="0">
+                <a:latin typeface="Arial" panose="020B0604020202020204" pitchFamily="34" charset="0"/>
+                <a:cs typeface="Arial" panose="020B0604020202020204" pitchFamily="34" charset="0"/>
+              </a:rPr>
+              <a:t> </a:t>
+            </a:r>
+            <a:r>
+              <a:rPr lang="tr-TR" b="1" dirty="0" err="1">
+                <a:latin typeface="Arial" panose="020B0604020202020204" pitchFamily="34" charset="0"/>
+                <a:cs typeface="Arial" panose="020B0604020202020204" pitchFamily="34" charset="0"/>
+              </a:rPr>
+              <a:t>explaining</a:t>
+            </a:r>
+            <a:r>
+              <a:rPr lang="tr-TR" b="1" dirty="0">
+                <a:latin typeface="Arial" panose="020B0604020202020204" pitchFamily="34" charset="0"/>
+                <a:cs typeface="Arial" panose="020B0604020202020204" pitchFamily="34" charset="0"/>
+              </a:rPr>
+              <a:t> </a:t>
+            </a:r>
+            <a:r>
+              <a:rPr lang="tr-TR" b="1" dirty="0" err="1">
+                <a:latin typeface="Arial" panose="020B0604020202020204" pitchFamily="34" charset="0"/>
+                <a:cs typeface="Arial" panose="020B0604020202020204" pitchFamily="34" charset="0"/>
+              </a:rPr>
+              <a:t>the</a:t>
+            </a:r>
+            <a:r>
+              <a:rPr lang="tr-TR" b="1" dirty="0">
+                <a:latin typeface="Arial" panose="020B0604020202020204" pitchFamily="34" charset="0"/>
+                <a:cs typeface="Arial" panose="020B0604020202020204" pitchFamily="34" charset="0"/>
+              </a:rPr>
+              <a:t> </a:t>
+            </a:r>
+            <a:r>
+              <a:rPr lang="tr-TR" b="1" dirty="0" err="1">
+                <a:latin typeface="Arial" panose="020B0604020202020204" pitchFamily="34" charset="0"/>
+                <a:cs typeface="Arial" panose="020B0604020202020204" pitchFamily="34" charset="0"/>
+              </a:rPr>
+              <a:t>parameter</a:t>
+            </a:r>
+            <a:r>
+              <a:rPr lang="tr-TR" dirty="0">
+                <a:latin typeface="Arial" panose="020B0604020202020204" pitchFamily="34" charset="0"/>
+                <a:cs typeface="Arial" panose="020B0604020202020204" pitchFamily="34" charset="0"/>
+              </a:rPr>
+              <a:t> </a:t>
+            </a:r>
+            <a:r>
+              <a:rPr lang="tr-TR" dirty="0" err="1">
+                <a:latin typeface="Arial" panose="020B0604020202020204" pitchFamily="34" charset="0"/>
+                <a:cs typeface="Arial" panose="020B0604020202020204" pitchFamily="34" charset="0"/>
+              </a:rPr>
+              <a:t>options</a:t>
+            </a:r>
+            <a:r>
+              <a:rPr lang="tr-TR" dirty="0">
+                <a:latin typeface="Arial" panose="020B0604020202020204" pitchFamily="34" charset="0"/>
+                <a:cs typeface="Arial" panose="020B0604020202020204" pitchFamily="34" charset="0"/>
+              </a:rPr>
+              <a:t> </a:t>
+            </a:r>
+            <a:r>
+              <a:rPr lang="tr-TR" dirty="0" err="1">
+                <a:latin typeface="Arial" panose="020B0604020202020204" pitchFamily="34" charset="0"/>
+                <a:cs typeface="Arial" panose="020B0604020202020204" pitchFamily="34" charset="0"/>
+              </a:rPr>
+              <a:t>and</a:t>
+            </a:r>
+            <a:r>
+              <a:rPr lang="tr-TR" dirty="0">
+                <a:latin typeface="Arial" panose="020B0604020202020204" pitchFamily="34" charset="0"/>
+                <a:cs typeface="Arial" panose="020B0604020202020204" pitchFamily="34" charset="0"/>
+              </a:rPr>
+              <a:t> </a:t>
+            </a:r>
+            <a:r>
+              <a:rPr lang="tr-TR" dirty="0" err="1">
+                <a:latin typeface="Arial" panose="020B0604020202020204" pitchFamily="34" charset="0"/>
+                <a:cs typeface="Arial" panose="020B0604020202020204" pitchFamily="34" charset="0"/>
+              </a:rPr>
+              <a:t>the</a:t>
+            </a:r>
+            <a:r>
+              <a:rPr lang="tr-TR" dirty="0">
+                <a:latin typeface="Arial" panose="020B0604020202020204" pitchFamily="34" charset="0"/>
+                <a:cs typeface="Arial" panose="020B0604020202020204" pitchFamily="34" charset="0"/>
+              </a:rPr>
+              <a:t> </a:t>
+            </a:r>
+            <a:r>
+              <a:rPr lang="tr-TR" b="1" dirty="0" err="1">
+                <a:latin typeface="Arial" panose="020B0604020202020204" pitchFamily="34" charset="0"/>
+                <a:cs typeface="Arial" panose="020B0604020202020204" pitchFamily="34" charset="0"/>
+              </a:rPr>
+              <a:t>available</a:t>
+            </a:r>
+            <a:r>
+              <a:rPr lang="tr-TR" b="1" dirty="0">
+                <a:latin typeface="Arial" panose="020B0604020202020204" pitchFamily="34" charset="0"/>
+                <a:cs typeface="Arial" panose="020B0604020202020204" pitchFamily="34" charset="0"/>
+              </a:rPr>
+              <a:t> </a:t>
+            </a:r>
+            <a:r>
+              <a:rPr lang="tr-TR" b="1" dirty="0" err="1">
+                <a:latin typeface="Arial" panose="020B0604020202020204" pitchFamily="34" charset="0"/>
+                <a:cs typeface="Arial" panose="020B0604020202020204" pitchFamily="34" charset="0"/>
+              </a:rPr>
+              <a:t>sorting</a:t>
+            </a:r>
+            <a:r>
+              <a:rPr lang="tr-TR" b="1" dirty="0">
+                <a:latin typeface="Arial" panose="020B0604020202020204" pitchFamily="34" charset="0"/>
+                <a:cs typeface="Arial" panose="020B0604020202020204" pitchFamily="34" charset="0"/>
+              </a:rPr>
+              <a:t> </a:t>
+            </a:r>
+            <a:r>
+              <a:rPr lang="tr-TR" b="1" dirty="0" err="1">
+                <a:latin typeface="Arial" panose="020B0604020202020204" pitchFamily="34" charset="0"/>
+                <a:cs typeface="Arial" panose="020B0604020202020204" pitchFamily="34" charset="0"/>
+              </a:rPr>
+              <a:t>algorithms</a:t>
+            </a:r>
+            <a:r>
+              <a:rPr lang="tr-TR" b="1" dirty="0">
+                <a:latin typeface="Arial" panose="020B0604020202020204" pitchFamily="34" charset="0"/>
+                <a:cs typeface="Arial" panose="020B0604020202020204" pitchFamily="34" charset="0"/>
+              </a:rPr>
+              <a:t>. </a:t>
+            </a:r>
+          </a:p>
+        </p:txBody>
+      </p:sp>
+    </p:spTree>
+    <p:extLst>
+      <p:ext uri="{BB962C8B-B14F-4D97-AF65-F5344CB8AC3E}">
+        <p14:creationId xmlns:p14="http://schemas.microsoft.com/office/powerpoint/2010/main" val="3186505475"/>
+      </p:ext>
+    </p:extLst>
+  </p:cSld>
+  <p:clrMapOvr>
+    <a:masterClrMapping/>
+  </p:clrMapOvr>
+</p:sld>
+</file>
+
+<file path=ppt/slides/slide6.xml><?xml version="1.0" encoding="utf-8"?>
+<p:sld xmlns:a="http://schemas.openxmlformats.org/drawingml/2006/main" xmlns:r="http://schemas.openxmlformats.org/officeDocument/2006/relationships" xmlns:p="http://schemas.openxmlformats.org/presentationml/2006/main">
+  <p:cSld>
+    <p:spTree>
+      <p:nvGrpSpPr>
+        <p:cNvPr id="1" name=""/>
+        <p:cNvGrpSpPr/>
+        <p:nvPr/>
+      </p:nvGrpSpPr>
+      <p:grpSpPr>
+        <a:xfrm>
+          <a:off x="0" y="0"/>
+          <a:ext cx="0" cy="0"/>
+          <a:chOff x="0" y="0"/>
+          <a:chExt cx="0" cy="0"/>
+        </a:xfrm>
+      </p:grpSpPr>
+      <p:sp>
+        <p:nvSpPr>
+          <p:cNvPr id="4" name="TextBox 3">
+            <a:extLst>
+              <a:ext uri="{FF2B5EF4-FFF2-40B4-BE49-F238E27FC236}">
+                <a16:creationId xmlns:a16="http://schemas.microsoft.com/office/drawing/2014/main" id="{A6E085FE-30ED-504E-BC9A-D337F29598F5}"/>
+              </a:ext>
+            </a:extLst>
+          </p:cNvPr>
+          <p:cNvSpPr txBox="1"/>
+          <p:nvPr/>
+        </p:nvSpPr>
+        <p:spPr>
+          <a:xfrm>
+            <a:off x="1009402" y="339588"/>
+            <a:ext cx="9734412" cy="1200329"/>
+          </a:xfrm>
+          <a:prstGeom prst="rect">
+            <a:avLst/>
+          </a:prstGeom>
+          <a:noFill/>
+        </p:spPr>
+        <p:txBody>
+          <a:bodyPr wrap="square" rtlCol="0">
+            <a:spAutoFit/>
+          </a:bodyPr>
+          <a:lstStyle/>
+          <a:p>
+            <a:r>
+              <a:rPr lang="en-US" b="1" dirty="0">
+                <a:latin typeface="Arial" panose="020B0604020202020204" pitchFamily="34" charset="0"/>
+                <a:cs typeface="Arial" panose="020B0604020202020204" pitchFamily="34" charset="0"/>
+              </a:rPr>
+              <a:t>b) </a:t>
+            </a:r>
+            <a:r>
+              <a:rPr lang="tr-TR" dirty="0" err="1">
+                <a:latin typeface="Arial" panose="020B0604020202020204" pitchFamily="34" charset="0"/>
+                <a:cs typeface="Arial" panose="020B0604020202020204" pitchFamily="34" charset="0"/>
+              </a:rPr>
+              <a:t>Implement</a:t>
+            </a:r>
+            <a:r>
+              <a:rPr lang="tr-TR" dirty="0">
+                <a:latin typeface="Arial" panose="020B0604020202020204" pitchFamily="34" charset="0"/>
+                <a:cs typeface="Arial" panose="020B0604020202020204" pitchFamily="34" charset="0"/>
+              </a:rPr>
+              <a:t> a </a:t>
+            </a:r>
+            <a:r>
+              <a:rPr lang="tr-TR" dirty="0" err="1">
+                <a:latin typeface="Arial" panose="020B0604020202020204" pitchFamily="34" charset="0"/>
+                <a:cs typeface="Arial" panose="020B0604020202020204" pitchFamily="34" charset="0"/>
+              </a:rPr>
+              <a:t>bash</a:t>
+            </a:r>
+            <a:r>
+              <a:rPr lang="tr-TR" dirty="0">
+                <a:latin typeface="Arial" panose="020B0604020202020204" pitchFamily="34" charset="0"/>
+                <a:cs typeface="Arial" panose="020B0604020202020204" pitchFamily="34" charset="0"/>
+              </a:rPr>
+              <a:t> </a:t>
+            </a:r>
+            <a:r>
+              <a:rPr lang="tr-TR" dirty="0" err="1">
+                <a:latin typeface="Arial" panose="020B0604020202020204" pitchFamily="34" charset="0"/>
+                <a:cs typeface="Arial" panose="020B0604020202020204" pitchFamily="34" charset="0"/>
+              </a:rPr>
+              <a:t>function</a:t>
+            </a:r>
+            <a:r>
+              <a:rPr lang="tr-TR" dirty="0">
+                <a:latin typeface="Arial" panose="020B0604020202020204" pitchFamily="34" charset="0"/>
+                <a:cs typeface="Arial" panose="020B0604020202020204" pitchFamily="34" charset="0"/>
+              </a:rPr>
+              <a:t> inside </a:t>
+            </a:r>
+            <a:r>
+              <a:rPr lang="tr-TR" dirty="0" err="1">
+                <a:latin typeface="Arial" panose="020B0604020202020204" pitchFamily="34" charset="0"/>
+                <a:cs typeface="Arial" panose="020B0604020202020204" pitchFamily="34" charset="0"/>
+              </a:rPr>
+              <a:t>your</a:t>
+            </a:r>
+            <a:r>
+              <a:rPr lang="tr-TR" dirty="0">
+                <a:latin typeface="Arial" panose="020B0604020202020204" pitchFamily="34" charset="0"/>
+                <a:cs typeface="Arial" panose="020B0604020202020204" pitchFamily="34" charset="0"/>
+              </a:rPr>
+              <a:t> </a:t>
+            </a:r>
+            <a:r>
+              <a:rPr lang="tr-TR" dirty="0" err="1">
+                <a:latin typeface="Arial" panose="020B0604020202020204" pitchFamily="34" charset="0"/>
+                <a:cs typeface="Arial" panose="020B0604020202020204" pitchFamily="34" charset="0"/>
+              </a:rPr>
+              <a:t>script</a:t>
+            </a:r>
+            <a:r>
+              <a:rPr lang="tr-TR" dirty="0">
+                <a:latin typeface="Arial" panose="020B0604020202020204" pitchFamily="34" charset="0"/>
+                <a:cs typeface="Arial" panose="020B0604020202020204" pitchFamily="34" charset="0"/>
+              </a:rPr>
+              <a:t> </a:t>
+            </a:r>
+            <a:r>
+              <a:rPr lang="tr-TR" dirty="0" err="1">
+                <a:latin typeface="Arial" panose="020B0604020202020204" pitchFamily="34" charset="0"/>
+                <a:cs typeface="Arial" panose="020B0604020202020204" pitchFamily="34" charset="0"/>
+              </a:rPr>
+              <a:t>that</a:t>
+            </a:r>
+            <a:r>
+              <a:rPr lang="tr-TR" dirty="0">
+                <a:latin typeface="Arial" panose="020B0604020202020204" pitchFamily="34" charset="0"/>
+                <a:cs typeface="Arial" panose="020B0604020202020204" pitchFamily="34" charset="0"/>
+              </a:rPr>
+              <a:t> </a:t>
+            </a:r>
+            <a:r>
+              <a:rPr lang="tr-TR" b="1" dirty="0" err="1">
+                <a:latin typeface="Arial" panose="020B0604020202020204" pitchFamily="34" charset="0"/>
+                <a:cs typeface="Arial" panose="020B0604020202020204" pitchFamily="34" charset="0"/>
+              </a:rPr>
+              <a:t>prints</a:t>
+            </a:r>
+            <a:r>
+              <a:rPr lang="tr-TR" dirty="0">
+                <a:latin typeface="Arial" panose="020B0604020202020204" pitchFamily="34" charset="0"/>
+                <a:cs typeface="Arial" panose="020B0604020202020204" pitchFamily="34" charset="0"/>
+              </a:rPr>
+              <a:t> a </a:t>
+            </a:r>
+            <a:r>
+              <a:rPr lang="tr-TR" b="1" dirty="0" err="1">
+                <a:latin typeface="Arial" panose="020B0604020202020204" pitchFamily="34" charset="0"/>
+                <a:cs typeface="Arial" panose="020B0604020202020204" pitchFamily="34" charset="0"/>
+              </a:rPr>
+              <a:t>usage</a:t>
+            </a:r>
+            <a:r>
+              <a:rPr lang="tr-TR" b="1" dirty="0">
+                <a:latin typeface="Arial" panose="020B0604020202020204" pitchFamily="34" charset="0"/>
+                <a:cs typeface="Arial" panose="020B0604020202020204" pitchFamily="34" charset="0"/>
+              </a:rPr>
+              <a:t> </a:t>
+            </a:r>
+            <a:r>
+              <a:rPr lang="tr-TR" b="1" dirty="0" err="1">
+                <a:latin typeface="Arial" panose="020B0604020202020204" pitchFamily="34" charset="0"/>
+                <a:cs typeface="Arial" panose="020B0604020202020204" pitchFamily="34" charset="0"/>
+              </a:rPr>
+              <a:t>statement</a:t>
+            </a:r>
+            <a:r>
+              <a:rPr lang="tr-TR" dirty="0">
+                <a:latin typeface="Arial" panose="020B0604020202020204" pitchFamily="34" charset="0"/>
+                <a:cs typeface="Arial" panose="020B0604020202020204" pitchFamily="34" charset="0"/>
+              </a:rPr>
+              <a:t>. </a:t>
+            </a:r>
+            <a:r>
+              <a:rPr lang="tr-TR" dirty="0" err="1">
+                <a:latin typeface="Arial" panose="020B0604020202020204" pitchFamily="34" charset="0"/>
+                <a:cs typeface="Arial" panose="020B0604020202020204" pitchFamily="34" charset="0"/>
+              </a:rPr>
+              <a:t>Your</a:t>
+            </a:r>
+            <a:r>
+              <a:rPr lang="tr-TR" dirty="0">
+                <a:latin typeface="Arial" panose="020B0604020202020204" pitchFamily="34" charset="0"/>
+                <a:cs typeface="Arial" panose="020B0604020202020204" pitchFamily="34" charset="0"/>
+              </a:rPr>
+              <a:t> main </a:t>
+            </a:r>
+            <a:r>
+              <a:rPr lang="tr-TR" dirty="0" err="1">
+                <a:latin typeface="Arial" panose="020B0604020202020204" pitchFamily="34" charset="0"/>
+                <a:cs typeface="Arial" panose="020B0604020202020204" pitchFamily="34" charset="0"/>
+              </a:rPr>
+              <a:t>script</a:t>
+            </a:r>
+            <a:r>
+              <a:rPr lang="tr-TR" dirty="0">
+                <a:latin typeface="Arial" panose="020B0604020202020204" pitchFamily="34" charset="0"/>
+                <a:cs typeface="Arial" panose="020B0604020202020204" pitchFamily="34" charset="0"/>
+              </a:rPr>
+              <a:t> </a:t>
+            </a:r>
+            <a:r>
+              <a:rPr lang="tr-TR" dirty="0" err="1">
+                <a:latin typeface="Arial" panose="020B0604020202020204" pitchFamily="34" charset="0"/>
+                <a:cs typeface="Arial" panose="020B0604020202020204" pitchFamily="34" charset="0"/>
+              </a:rPr>
+              <a:t>will</a:t>
+            </a:r>
+            <a:r>
+              <a:rPr lang="tr-TR" dirty="0">
+                <a:latin typeface="Arial" panose="020B0604020202020204" pitchFamily="34" charset="0"/>
+                <a:cs typeface="Arial" panose="020B0604020202020204" pitchFamily="34" charset="0"/>
+              </a:rPr>
+              <a:t> </a:t>
+            </a:r>
+            <a:r>
+              <a:rPr lang="tr-TR" dirty="0" err="1">
+                <a:latin typeface="Arial" panose="020B0604020202020204" pitchFamily="34" charset="0"/>
+                <a:cs typeface="Arial" panose="020B0604020202020204" pitchFamily="34" charset="0"/>
+              </a:rPr>
+              <a:t>call</a:t>
+            </a:r>
+            <a:r>
+              <a:rPr lang="tr-TR" dirty="0">
+                <a:latin typeface="Arial" panose="020B0604020202020204" pitchFamily="34" charset="0"/>
+                <a:cs typeface="Arial" panose="020B0604020202020204" pitchFamily="34" charset="0"/>
+              </a:rPr>
+              <a:t> </a:t>
+            </a:r>
+            <a:r>
+              <a:rPr lang="tr-TR" dirty="0" err="1">
+                <a:latin typeface="Arial" panose="020B0604020202020204" pitchFamily="34" charset="0"/>
+                <a:cs typeface="Arial" panose="020B0604020202020204" pitchFamily="34" charset="0"/>
+              </a:rPr>
+              <a:t>this</a:t>
+            </a:r>
+            <a:r>
+              <a:rPr lang="tr-TR" dirty="0">
+                <a:latin typeface="Arial" panose="020B0604020202020204" pitchFamily="34" charset="0"/>
+                <a:cs typeface="Arial" panose="020B0604020202020204" pitchFamily="34" charset="0"/>
+              </a:rPr>
+              <a:t> </a:t>
+            </a:r>
+            <a:r>
+              <a:rPr lang="tr-TR" dirty="0" err="1">
+                <a:latin typeface="Arial" panose="020B0604020202020204" pitchFamily="34" charset="0"/>
+                <a:cs typeface="Arial" panose="020B0604020202020204" pitchFamily="34" charset="0"/>
+              </a:rPr>
+              <a:t>function</a:t>
+            </a:r>
+            <a:r>
+              <a:rPr lang="tr-TR" dirty="0">
+                <a:latin typeface="Arial" panose="020B0604020202020204" pitchFamily="34" charset="0"/>
+                <a:cs typeface="Arial" panose="020B0604020202020204" pitchFamily="34" charset="0"/>
+              </a:rPr>
+              <a:t> </a:t>
+            </a:r>
+            <a:r>
+              <a:rPr lang="tr-TR" dirty="0" err="1">
+                <a:latin typeface="Arial" panose="020B0604020202020204" pitchFamily="34" charset="0"/>
+                <a:cs typeface="Arial" panose="020B0604020202020204" pitchFamily="34" charset="0"/>
+              </a:rPr>
+              <a:t>if</a:t>
+            </a:r>
+            <a:r>
+              <a:rPr lang="tr-TR" dirty="0">
+                <a:latin typeface="Arial" panose="020B0604020202020204" pitchFamily="34" charset="0"/>
+                <a:cs typeface="Arial" panose="020B0604020202020204" pitchFamily="34" charset="0"/>
+              </a:rPr>
+              <a:t> </a:t>
+            </a:r>
+            <a:r>
+              <a:rPr lang="tr-TR" dirty="0" err="1">
+                <a:latin typeface="Arial" panose="020B0604020202020204" pitchFamily="34" charset="0"/>
+                <a:cs typeface="Arial" panose="020B0604020202020204" pitchFamily="34" charset="0"/>
+              </a:rPr>
+              <a:t>the</a:t>
+            </a:r>
+            <a:r>
+              <a:rPr lang="tr-TR" dirty="0">
+                <a:latin typeface="Arial" panose="020B0604020202020204" pitchFamily="34" charset="0"/>
+                <a:cs typeface="Arial" panose="020B0604020202020204" pitchFamily="34" charset="0"/>
+              </a:rPr>
+              <a:t> </a:t>
+            </a:r>
+            <a:r>
+              <a:rPr lang="tr-TR" dirty="0" err="1">
+                <a:latin typeface="Arial" panose="020B0604020202020204" pitchFamily="34" charset="0"/>
+                <a:cs typeface="Arial" panose="020B0604020202020204" pitchFamily="34" charset="0"/>
+              </a:rPr>
+              <a:t>number</a:t>
+            </a:r>
+            <a:r>
+              <a:rPr lang="tr-TR" dirty="0">
+                <a:latin typeface="Arial" panose="020B0604020202020204" pitchFamily="34" charset="0"/>
+                <a:cs typeface="Arial" panose="020B0604020202020204" pitchFamily="34" charset="0"/>
+              </a:rPr>
+              <a:t> of </a:t>
+            </a:r>
+            <a:r>
+              <a:rPr lang="tr-TR" b="1" dirty="0" err="1">
+                <a:latin typeface="Arial" panose="020B0604020202020204" pitchFamily="34" charset="0"/>
+                <a:cs typeface="Arial" panose="020B0604020202020204" pitchFamily="34" charset="0"/>
+              </a:rPr>
+              <a:t>input</a:t>
+            </a:r>
+            <a:r>
+              <a:rPr lang="tr-TR" b="1" dirty="0">
+                <a:latin typeface="Arial" panose="020B0604020202020204" pitchFamily="34" charset="0"/>
+                <a:cs typeface="Arial" panose="020B0604020202020204" pitchFamily="34" charset="0"/>
+              </a:rPr>
+              <a:t> </a:t>
+            </a:r>
+            <a:r>
+              <a:rPr lang="tr-TR" b="1" dirty="0" err="1">
+                <a:latin typeface="Arial" panose="020B0604020202020204" pitchFamily="34" charset="0"/>
+                <a:cs typeface="Arial" panose="020B0604020202020204" pitchFamily="34" charset="0"/>
+              </a:rPr>
+              <a:t>arguments</a:t>
+            </a:r>
+            <a:r>
+              <a:rPr lang="tr-TR" b="1" dirty="0">
+                <a:latin typeface="Arial" panose="020B0604020202020204" pitchFamily="34" charset="0"/>
+                <a:cs typeface="Arial" panose="020B0604020202020204" pitchFamily="34" charset="0"/>
+              </a:rPr>
+              <a:t> is not 2</a:t>
+            </a:r>
+            <a:r>
+              <a:rPr lang="tr-TR" dirty="0">
+                <a:latin typeface="Arial" panose="020B0604020202020204" pitchFamily="34" charset="0"/>
+                <a:cs typeface="Arial" panose="020B0604020202020204" pitchFamily="34" charset="0"/>
+              </a:rPr>
+              <a:t> </a:t>
+            </a:r>
+            <a:r>
+              <a:rPr lang="tr-TR" dirty="0" err="1">
+                <a:latin typeface="Arial" panose="020B0604020202020204" pitchFamily="34" charset="0"/>
+                <a:cs typeface="Arial" panose="020B0604020202020204" pitchFamily="34" charset="0"/>
+              </a:rPr>
+              <a:t>or</a:t>
+            </a:r>
+            <a:r>
+              <a:rPr lang="tr-TR" dirty="0">
+                <a:latin typeface="Arial" panose="020B0604020202020204" pitchFamily="34" charset="0"/>
+                <a:cs typeface="Arial" panose="020B0604020202020204" pitchFamily="34" charset="0"/>
+              </a:rPr>
+              <a:t> </a:t>
+            </a:r>
+            <a:r>
+              <a:rPr lang="tr-TR" b="1" dirty="0" err="1">
+                <a:latin typeface="Arial" panose="020B0604020202020204" pitchFamily="34" charset="0"/>
+                <a:cs typeface="Arial" panose="020B0604020202020204" pitchFamily="34" charset="0"/>
+              </a:rPr>
+              <a:t>if</a:t>
+            </a:r>
+            <a:r>
+              <a:rPr lang="tr-TR" b="1" dirty="0">
+                <a:latin typeface="Arial" panose="020B0604020202020204" pitchFamily="34" charset="0"/>
+                <a:cs typeface="Arial" panose="020B0604020202020204" pitchFamily="34" charset="0"/>
+              </a:rPr>
+              <a:t> </a:t>
+            </a:r>
+            <a:r>
+              <a:rPr lang="tr-TR" b="1" dirty="0" err="1">
+                <a:latin typeface="Arial" panose="020B0604020202020204" pitchFamily="34" charset="0"/>
+                <a:cs typeface="Arial" panose="020B0604020202020204" pitchFamily="34" charset="0"/>
+              </a:rPr>
+              <a:t>the</a:t>
+            </a:r>
+            <a:r>
+              <a:rPr lang="tr-TR" b="1" dirty="0">
+                <a:latin typeface="Arial" panose="020B0604020202020204" pitchFamily="34" charset="0"/>
+                <a:cs typeface="Arial" panose="020B0604020202020204" pitchFamily="34" charset="0"/>
+              </a:rPr>
+              <a:t> </a:t>
+            </a:r>
+            <a:r>
+              <a:rPr lang="tr-TR" b="1" dirty="0" err="1">
+                <a:latin typeface="Arial" panose="020B0604020202020204" pitchFamily="34" charset="0"/>
+                <a:cs typeface="Arial" panose="020B0604020202020204" pitchFamily="34" charset="0"/>
+              </a:rPr>
+              <a:t>help</a:t>
+            </a:r>
+            <a:r>
+              <a:rPr lang="tr-TR" b="1" dirty="0">
+                <a:latin typeface="Arial" panose="020B0604020202020204" pitchFamily="34" charset="0"/>
+                <a:cs typeface="Arial" panose="020B0604020202020204" pitchFamily="34" charset="0"/>
+              </a:rPr>
+              <a:t> </a:t>
+            </a:r>
+            <a:r>
+              <a:rPr lang="tr-TR" b="1" dirty="0" err="1">
+                <a:latin typeface="Arial" panose="020B0604020202020204" pitchFamily="34" charset="0"/>
+                <a:cs typeface="Arial" panose="020B0604020202020204" pitchFamily="34" charset="0"/>
+              </a:rPr>
+              <a:t>option</a:t>
+            </a:r>
+            <a:r>
+              <a:rPr lang="tr-TR" b="1" dirty="0">
+                <a:latin typeface="Arial" panose="020B0604020202020204" pitchFamily="34" charset="0"/>
+                <a:cs typeface="Arial" panose="020B0604020202020204" pitchFamily="34" charset="0"/>
+              </a:rPr>
+              <a:t> is not </a:t>
+            </a:r>
+            <a:r>
+              <a:rPr lang="tr-TR" b="1" dirty="0" err="1">
+                <a:latin typeface="Arial" panose="020B0604020202020204" pitchFamily="34" charset="0"/>
+                <a:cs typeface="Arial" panose="020B0604020202020204" pitchFamily="34" charset="0"/>
+              </a:rPr>
+              <a:t>selected</a:t>
+            </a:r>
+            <a:r>
+              <a:rPr lang="tr-TR" b="1" dirty="0">
+                <a:latin typeface="Arial" panose="020B0604020202020204" pitchFamily="34" charset="0"/>
+                <a:cs typeface="Arial" panose="020B0604020202020204" pitchFamily="34" charset="0"/>
+              </a:rPr>
+              <a:t>. </a:t>
+            </a:r>
+          </a:p>
+          <a:p>
+            <a:endParaRPr lang="en-US" dirty="0">
+              <a:latin typeface="Arial" panose="020B0604020202020204" pitchFamily="34" charset="0"/>
+              <a:cs typeface="Arial" panose="020B0604020202020204" pitchFamily="34" charset="0"/>
+            </a:endParaRPr>
+          </a:p>
+        </p:txBody>
+      </p:sp>
+      <p:pic>
+        <p:nvPicPr>
+          <p:cNvPr id="2" name="Picture 1">
+            <a:extLst>
+              <a:ext uri="{FF2B5EF4-FFF2-40B4-BE49-F238E27FC236}">
+                <a16:creationId xmlns:a16="http://schemas.microsoft.com/office/drawing/2014/main" id="{CFC092F3-3D19-1E4B-B68F-ED1347AE7F5C}"/>
+              </a:ext>
+            </a:extLst>
+          </p:cNvPr>
+          <p:cNvPicPr>
+            <a:picLocks noChangeAspect="1"/>
+          </p:cNvPicPr>
+          <p:nvPr/>
+        </p:nvPicPr>
+        <p:blipFill>
+          <a:blip r:embed="rId2"/>
+          <a:stretch>
+            <a:fillRect/>
+          </a:stretch>
+        </p:blipFill>
+        <p:spPr>
+          <a:xfrm>
+            <a:off x="606237" y="1991203"/>
+            <a:ext cx="10979526" cy="1713627"/>
+          </a:xfrm>
+          <a:prstGeom prst="rect">
+            <a:avLst/>
+          </a:prstGeom>
+        </p:spPr>
+      </p:pic>
+      <p:pic>
+        <p:nvPicPr>
+          <p:cNvPr id="5" name="Picture 4">
+            <a:extLst>
+              <a:ext uri="{FF2B5EF4-FFF2-40B4-BE49-F238E27FC236}">
+                <a16:creationId xmlns:a16="http://schemas.microsoft.com/office/drawing/2014/main" id="{DB7EEC21-7F2D-2A42-828B-68542645DEB1}"/>
+              </a:ext>
+            </a:extLst>
+          </p:cNvPr>
+          <p:cNvPicPr>
+            <a:picLocks noChangeAspect="1"/>
+          </p:cNvPicPr>
+          <p:nvPr/>
+        </p:nvPicPr>
+        <p:blipFill>
+          <a:blip r:embed="rId3"/>
+          <a:stretch>
+            <a:fillRect/>
+          </a:stretch>
+        </p:blipFill>
+        <p:spPr>
+          <a:xfrm>
+            <a:off x="1187450" y="4009983"/>
+            <a:ext cx="9817100" cy="1308100"/>
+          </a:xfrm>
+          <a:prstGeom prst="rect">
+            <a:avLst/>
+          </a:prstGeom>
+        </p:spPr>
+      </p:pic>
+    </p:spTree>
+    <p:extLst>
+      <p:ext uri="{BB962C8B-B14F-4D97-AF65-F5344CB8AC3E}">
+        <p14:creationId xmlns:p14="http://schemas.microsoft.com/office/powerpoint/2010/main" val="675443936"/>
+      </p:ext>
+    </p:extLst>
+  </p:cSld>
+  <p:clrMapOvr>
+    <a:masterClrMapping/>
+  </p:clrMapOvr>
+</p:sld>
+</file>
+
+<file path=ppt/slides/slide7.xml><?xml version="1.0" encoding="utf-8"?>
+<p:sld xmlns:a="http://schemas.openxmlformats.org/drawingml/2006/main" xmlns:r="http://schemas.openxmlformats.org/officeDocument/2006/relationships" xmlns:p="http://schemas.openxmlformats.org/presentationml/2006/main">
+  <p:cSld>
+    <p:spTree>
+      <p:nvGrpSpPr>
+        <p:cNvPr id="1" name=""/>
+        <p:cNvGrpSpPr/>
+        <p:nvPr/>
+      </p:nvGrpSpPr>
+      <p:grpSpPr>
+        <a:xfrm>
+          <a:off x="0" y="0"/>
+          <a:ext cx="0" cy="0"/>
+          <a:chOff x="0" y="0"/>
+          <a:chExt cx="0" cy="0"/>
+        </a:xfrm>
+      </p:grpSpPr>
+      <p:sp>
+        <p:nvSpPr>
+          <p:cNvPr id="4" name="TextBox 3">
+            <a:extLst>
+              <a:ext uri="{FF2B5EF4-FFF2-40B4-BE49-F238E27FC236}">
+                <a16:creationId xmlns:a16="http://schemas.microsoft.com/office/drawing/2014/main" id="{A6E085FE-30ED-504E-BC9A-D337F29598F5}"/>
+              </a:ext>
+            </a:extLst>
+          </p:cNvPr>
+          <p:cNvSpPr txBox="1"/>
+          <p:nvPr/>
+        </p:nvSpPr>
+        <p:spPr>
+          <a:xfrm>
+            <a:off x="1009402" y="339588"/>
+            <a:ext cx="9734412" cy="738664"/>
+          </a:xfrm>
+          <a:prstGeom prst="rect">
+            <a:avLst/>
+          </a:prstGeom>
+          <a:noFill/>
+        </p:spPr>
+        <p:txBody>
+          <a:bodyPr wrap="square" rtlCol="0">
+            <a:spAutoFit/>
+          </a:bodyPr>
+          <a:lstStyle/>
+          <a:p>
+            <a:r>
+              <a:rPr lang="en-US" sz="2400" b="1" dirty="0">
+                <a:latin typeface="Arial" panose="020B0604020202020204" pitchFamily="34" charset="0"/>
+                <a:cs typeface="Arial" panose="020B0604020202020204" pitchFamily="34" charset="0"/>
+              </a:rPr>
+              <a:t>c) </a:t>
+            </a:r>
+            <a:r>
+              <a:rPr lang="tr-TR" sz="2400" dirty="0" err="1">
+                <a:latin typeface="Arial" panose="020B0604020202020204" pitchFamily="34" charset="0"/>
+                <a:cs typeface="Arial" panose="020B0604020202020204" pitchFamily="34" charset="0"/>
+              </a:rPr>
+              <a:t>Insertion</a:t>
+            </a:r>
+            <a:r>
+              <a:rPr lang="tr-TR" sz="2400" dirty="0">
+                <a:latin typeface="Arial" panose="020B0604020202020204" pitchFamily="34" charset="0"/>
+                <a:cs typeface="Arial" panose="020B0604020202020204" pitchFamily="34" charset="0"/>
+              </a:rPr>
+              <a:t> </a:t>
+            </a:r>
+            <a:r>
+              <a:rPr lang="tr-TR" sz="2400" dirty="0" err="1">
+                <a:latin typeface="Arial" panose="020B0604020202020204" pitchFamily="34" charset="0"/>
+                <a:cs typeface="Arial" panose="020B0604020202020204" pitchFamily="34" charset="0"/>
+              </a:rPr>
+              <a:t>Sort</a:t>
+            </a:r>
+            <a:endParaRPr lang="tr-TR" sz="2400" b="1" dirty="0">
+              <a:latin typeface="Arial" panose="020B0604020202020204" pitchFamily="34" charset="0"/>
+              <a:cs typeface="Arial" panose="020B0604020202020204" pitchFamily="34" charset="0"/>
+            </a:endParaRPr>
+          </a:p>
+          <a:p>
+            <a:endParaRPr lang="en-US" dirty="0">
+              <a:latin typeface="Arial" panose="020B0604020202020204" pitchFamily="34" charset="0"/>
+              <a:cs typeface="Arial" panose="020B0604020202020204" pitchFamily="34" charset="0"/>
+            </a:endParaRPr>
+          </a:p>
+        </p:txBody>
+      </p:sp>
+      <p:pic>
+        <p:nvPicPr>
+          <p:cNvPr id="3" name="Picture 2">
+            <a:extLst>
+              <a:ext uri="{FF2B5EF4-FFF2-40B4-BE49-F238E27FC236}">
+                <a16:creationId xmlns:a16="http://schemas.microsoft.com/office/drawing/2014/main" id="{2CB287C1-D853-944C-937D-C01024695480}"/>
+              </a:ext>
+            </a:extLst>
+          </p:cNvPr>
+          <p:cNvPicPr>
+            <a:picLocks noChangeAspect="1"/>
+          </p:cNvPicPr>
+          <p:nvPr/>
+        </p:nvPicPr>
+        <p:blipFill>
+          <a:blip r:embed="rId2"/>
+          <a:stretch>
+            <a:fillRect/>
+          </a:stretch>
+        </p:blipFill>
+        <p:spPr>
+          <a:xfrm>
+            <a:off x="1625600" y="1079500"/>
+            <a:ext cx="8940800" cy="4699000"/>
+          </a:xfrm>
+          <a:prstGeom prst="rect">
+            <a:avLst/>
+          </a:prstGeom>
+        </p:spPr>
+      </p:pic>
+    </p:spTree>
+    <p:extLst>
+      <p:ext uri="{BB962C8B-B14F-4D97-AF65-F5344CB8AC3E}">
+        <p14:creationId xmlns:p14="http://schemas.microsoft.com/office/powerpoint/2010/main" val="1431980721"/>
+      </p:ext>
+    </p:extLst>
+  </p:cSld>
+  <p:clrMapOvr>
+    <a:masterClrMapping/>
+  </p:clrMapOvr>
+</p:sld>
+</file>
+
+<file path=ppt/slides/slide8.xml><?xml version="1.0" encoding="utf-8"?>
+<p:sld xmlns:a="http://schemas.openxmlformats.org/drawingml/2006/main" xmlns:r="http://schemas.openxmlformats.org/officeDocument/2006/relationships" xmlns:p="http://schemas.openxmlformats.org/presentationml/2006/main">
+  <p:cSld>
+    <p:spTree>
+      <p:nvGrpSpPr>
+        <p:cNvPr id="1" name=""/>
+        <p:cNvGrpSpPr/>
+        <p:nvPr/>
+      </p:nvGrpSpPr>
+      <p:grpSpPr>
+        <a:xfrm>
+          <a:off x="0" y="0"/>
+          <a:ext cx="0" cy="0"/>
+          <a:chOff x="0" y="0"/>
+          <a:chExt cx="0" cy="0"/>
+        </a:xfrm>
+      </p:grpSpPr>
+      <p:sp>
+        <p:nvSpPr>
+          <p:cNvPr id="4" name="TextBox 3">
+            <a:extLst>
+              <a:ext uri="{FF2B5EF4-FFF2-40B4-BE49-F238E27FC236}">
+                <a16:creationId xmlns:a16="http://schemas.microsoft.com/office/drawing/2014/main" id="{A6E085FE-30ED-504E-BC9A-D337F29598F5}"/>
+              </a:ext>
+            </a:extLst>
+          </p:cNvPr>
+          <p:cNvSpPr txBox="1"/>
+          <p:nvPr/>
+        </p:nvSpPr>
+        <p:spPr>
+          <a:xfrm>
+            <a:off x="1009402" y="339588"/>
+            <a:ext cx="9734412" cy="738664"/>
+          </a:xfrm>
+          <a:prstGeom prst="rect">
+            <a:avLst/>
+          </a:prstGeom>
+          <a:noFill/>
+        </p:spPr>
+        <p:txBody>
+          <a:bodyPr wrap="square" rtlCol="0">
+            <a:spAutoFit/>
+          </a:bodyPr>
+          <a:lstStyle/>
+          <a:p>
+            <a:r>
+              <a:rPr lang="en-US" sz="2400" b="1" dirty="0">
+                <a:latin typeface="Arial" panose="020B0604020202020204" pitchFamily="34" charset="0"/>
+                <a:cs typeface="Arial" panose="020B0604020202020204" pitchFamily="34" charset="0"/>
+              </a:rPr>
+              <a:t>c) </a:t>
+            </a:r>
+            <a:r>
+              <a:rPr lang="tr-TR" sz="2400" dirty="0" err="1">
+                <a:latin typeface="Arial" panose="020B0604020202020204" pitchFamily="34" charset="0"/>
+                <a:cs typeface="Arial" panose="020B0604020202020204" pitchFamily="34" charset="0"/>
+              </a:rPr>
+              <a:t>Merge</a:t>
+            </a:r>
+            <a:r>
+              <a:rPr lang="tr-TR" sz="2400" dirty="0">
+                <a:latin typeface="Arial" panose="020B0604020202020204" pitchFamily="34" charset="0"/>
+                <a:cs typeface="Arial" panose="020B0604020202020204" pitchFamily="34" charset="0"/>
+              </a:rPr>
+              <a:t> </a:t>
+            </a:r>
+            <a:r>
+              <a:rPr lang="tr-TR" sz="2400" dirty="0" err="1">
+                <a:latin typeface="Arial" panose="020B0604020202020204" pitchFamily="34" charset="0"/>
+                <a:cs typeface="Arial" panose="020B0604020202020204" pitchFamily="34" charset="0"/>
+              </a:rPr>
+              <a:t>Sort</a:t>
+            </a:r>
+            <a:endParaRPr lang="tr-TR" sz="2400" b="1" dirty="0">
+              <a:latin typeface="Arial" panose="020B0604020202020204" pitchFamily="34" charset="0"/>
+              <a:cs typeface="Arial" panose="020B0604020202020204" pitchFamily="34" charset="0"/>
+            </a:endParaRPr>
+          </a:p>
+          <a:p>
+            <a:endParaRPr lang="en-US" dirty="0">
+              <a:latin typeface="Arial" panose="020B0604020202020204" pitchFamily="34" charset="0"/>
+              <a:cs typeface="Arial" panose="020B0604020202020204" pitchFamily="34" charset="0"/>
+            </a:endParaRPr>
+          </a:p>
+        </p:txBody>
+      </p:sp>
+      <p:pic>
+        <p:nvPicPr>
+          <p:cNvPr id="2" name="Picture 1">
+            <a:extLst>
+              <a:ext uri="{FF2B5EF4-FFF2-40B4-BE49-F238E27FC236}">
+                <a16:creationId xmlns:a16="http://schemas.microsoft.com/office/drawing/2014/main" id="{F1AC4C79-6A77-6146-827C-A67036675E69}"/>
+              </a:ext>
+            </a:extLst>
+          </p:cNvPr>
+          <p:cNvPicPr>
+            <a:picLocks noChangeAspect="1"/>
+          </p:cNvPicPr>
+          <p:nvPr/>
+        </p:nvPicPr>
+        <p:blipFill>
+          <a:blip r:embed="rId2"/>
+          <a:stretch>
+            <a:fillRect/>
+          </a:stretch>
+        </p:blipFill>
+        <p:spPr>
+          <a:xfrm>
+            <a:off x="755650" y="1695450"/>
+            <a:ext cx="10680700" cy="3467100"/>
+          </a:xfrm>
+          <a:prstGeom prst="rect">
+            <a:avLst/>
+          </a:prstGeom>
+        </p:spPr>
+      </p:pic>
+    </p:spTree>
+    <p:extLst>
+      <p:ext uri="{BB962C8B-B14F-4D97-AF65-F5344CB8AC3E}">
+        <p14:creationId xmlns:p14="http://schemas.microsoft.com/office/powerpoint/2010/main" val="235611297"/>
+      </p:ext>
+    </p:extLst>
+  </p:cSld>
+  <p:clrMapOvr>
+    <a:masterClrMapping/>
+  </p:clrMapOvr>
+</p:sld>
+</file>
+
+<file path=ppt/slides/slide9.xml><?xml version="1.0" encoding="utf-8"?>
+<p:sld xmlns:a="http://schemas.openxmlformats.org/drawingml/2006/main" xmlns:r="http://schemas.openxmlformats.org/officeDocument/2006/relationships" xmlns:p="http://schemas.openxmlformats.org/presentationml/2006/main">
+  <p:cSld>
+    <p:spTree>
+      <p:nvGrpSpPr>
+        <p:cNvPr id="1" name=""/>
+        <p:cNvGrpSpPr/>
+        <p:nvPr/>
+      </p:nvGrpSpPr>
+      <p:grpSpPr>
+        <a:xfrm>
+          <a:off x="0" y="0"/>
+          <a:ext cx="0" cy="0"/>
+          <a:chOff x="0" y="0"/>
+          <a:chExt cx="0" cy="0"/>
+        </a:xfrm>
+      </p:grpSpPr>
+      <p:sp>
+        <p:nvSpPr>
+          <p:cNvPr id="4" name="TextBox 3">
+            <a:extLst>
+              <a:ext uri="{FF2B5EF4-FFF2-40B4-BE49-F238E27FC236}">
+                <a16:creationId xmlns:a16="http://schemas.microsoft.com/office/drawing/2014/main" id="{A6E085FE-30ED-504E-BC9A-D337F29598F5}"/>
+              </a:ext>
+            </a:extLst>
+          </p:cNvPr>
+          <p:cNvSpPr txBox="1"/>
+          <p:nvPr/>
+        </p:nvSpPr>
+        <p:spPr>
+          <a:xfrm>
+            <a:off x="180727" y="353876"/>
+            <a:ext cx="9734412" cy="738664"/>
+          </a:xfrm>
+          <a:prstGeom prst="rect">
+            <a:avLst/>
+          </a:prstGeom>
+          <a:noFill/>
+        </p:spPr>
+        <p:txBody>
+          <a:bodyPr wrap="square" rtlCol="0">
+            <a:spAutoFit/>
+          </a:bodyPr>
+          <a:lstStyle/>
+          <a:p>
+            <a:r>
+              <a:rPr lang="en-US" sz="2400" b="1" dirty="0">
+                <a:latin typeface="Arial" panose="020B0604020202020204" pitchFamily="34" charset="0"/>
+                <a:cs typeface="Arial" panose="020B0604020202020204" pitchFamily="34" charset="0"/>
+              </a:rPr>
+              <a:t>c) </a:t>
+            </a:r>
+            <a:r>
+              <a:rPr lang="tr-TR" sz="2400" dirty="0" err="1">
+                <a:latin typeface="Arial" panose="020B0604020202020204" pitchFamily="34" charset="0"/>
+                <a:cs typeface="Arial" panose="020B0604020202020204" pitchFamily="34" charset="0"/>
+              </a:rPr>
+              <a:t>Merge</a:t>
+            </a:r>
+            <a:r>
+              <a:rPr lang="tr-TR" sz="2400" dirty="0">
+                <a:latin typeface="Arial" panose="020B0604020202020204" pitchFamily="34" charset="0"/>
+                <a:cs typeface="Arial" panose="020B0604020202020204" pitchFamily="34" charset="0"/>
+              </a:rPr>
+              <a:t> </a:t>
+            </a:r>
+            <a:r>
+              <a:rPr lang="tr-TR" sz="2400" dirty="0" err="1">
+                <a:latin typeface="Arial" panose="020B0604020202020204" pitchFamily="34" charset="0"/>
+                <a:cs typeface="Arial" panose="020B0604020202020204" pitchFamily="34" charset="0"/>
+              </a:rPr>
+              <a:t>Sort</a:t>
+            </a:r>
+            <a:endParaRPr lang="tr-TR" sz="2400" b="1" dirty="0">
+              <a:latin typeface="Arial" panose="020B0604020202020204" pitchFamily="34" charset="0"/>
+              <a:cs typeface="Arial" panose="020B0604020202020204" pitchFamily="34" charset="0"/>
+            </a:endParaRPr>
+          </a:p>
+          <a:p>
+            <a:endParaRPr lang="en-US" dirty="0">
+              <a:latin typeface="Arial" panose="020B0604020202020204" pitchFamily="34" charset="0"/>
+              <a:cs typeface="Arial" panose="020B0604020202020204" pitchFamily="34" charset="0"/>
+            </a:endParaRPr>
+          </a:p>
+        </p:txBody>
+      </p:sp>
+      <p:pic>
+        <p:nvPicPr>
+          <p:cNvPr id="3" name="Picture 2">
+            <a:extLst>
+              <a:ext uri="{FF2B5EF4-FFF2-40B4-BE49-F238E27FC236}">
+                <a16:creationId xmlns:a16="http://schemas.microsoft.com/office/drawing/2014/main" id="{48C1CE80-C5A2-3B4C-9E93-5AC8265C8BA8}"/>
+              </a:ext>
+            </a:extLst>
+          </p:cNvPr>
+          <p:cNvPicPr>
+            <a:picLocks noChangeAspect="1"/>
+          </p:cNvPicPr>
+          <p:nvPr/>
+        </p:nvPicPr>
+        <p:blipFill>
+          <a:blip r:embed="rId2"/>
+          <a:stretch>
+            <a:fillRect/>
+          </a:stretch>
+        </p:blipFill>
+        <p:spPr>
+          <a:xfrm>
+            <a:off x="2716813" y="0"/>
+            <a:ext cx="9475187" cy="6858000"/>
+          </a:xfrm>
+          <a:prstGeom prst="rect">
+            <a:avLst/>
+          </a:prstGeom>
+        </p:spPr>
+      </p:pic>
+    </p:spTree>
+    <p:extLst>
+      <p:ext uri="{BB962C8B-B14F-4D97-AF65-F5344CB8AC3E}">
+        <p14:creationId xmlns:p14="http://schemas.microsoft.com/office/powerpoint/2010/main" val="3774890978"/>
       </p:ext>
     </p:extLst>
   </p:cSld>
